--- a/docs/diagrams/EstimateRouteSequenceDiagram.pptx
+++ b/docs/diagrams/EstimateRouteSequenceDiagram.pptx
@@ -208,7 +208,7 @@
           <a:p>
             <a:fld id="{F5CC4B3F-88C1-4FFA-B1B6-F41C21DC6924}" type="datetimeFigureOut">
               <a:rPr lang="en-US" smtClean="0"/>
-              <a:t>3/27/18</a:t>
+              <a:t>3/30/18</a:t>
             </a:fld>
             <a:endParaRPr lang="en-US"/>
           </a:p>
@@ -738,7 +738,7 @@
           <a:p>
             <a:fld id="{78C97017-6FC3-485B-9764-EAC9E56C1D49}" type="datetimeFigureOut">
               <a:rPr lang="en-US" smtClean="0"/>
-              <a:t>3/27/18</a:t>
+              <a:t>3/30/18</a:t>
             </a:fld>
             <a:endParaRPr lang="en-US"/>
           </a:p>
@@ -906,7 +906,7 @@
           <a:p>
             <a:fld id="{78C97017-6FC3-485B-9764-EAC9E56C1D49}" type="datetimeFigureOut">
               <a:rPr lang="en-US" smtClean="0"/>
-              <a:t>3/27/18</a:t>
+              <a:t>3/30/18</a:t>
             </a:fld>
             <a:endParaRPr lang="en-US"/>
           </a:p>
@@ -1084,7 +1084,7 @@
           <a:p>
             <a:fld id="{78C97017-6FC3-485B-9764-EAC9E56C1D49}" type="datetimeFigureOut">
               <a:rPr lang="en-US" smtClean="0"/>
-              <a:t>3/27/18</a:t>
+              <a:t>3/30/18</a:t>
             </a:fld>
             <a:endParaRPr lang="en-US"/>
           </a:p>
@@ -1252,7 +1252,7 @@
           <a:p>
             <a:fld id="{78C97017-6FC3-485B-9764-EAC9E56C1D49}" type="datetimeFigureOut">
               <a:rPr lang="en-US" smtClean="0"/>
-              <a:t>3/27/18</a:t>
+              <a:t>3/30/18</a:t>
             </a:fld>
             <a:endParaRPr lang="en-US"/>
           </a:p>
@@ -1497,7 +1497,7 @@
           <a:p>
             <a:fld id="{78C97017-6FC3-485B-9764-EAC9E56C1D49}" type="datetimeFigureOut">
               <a:rPr lang="en-US" smtClean="0"/>
-              <a:t>3/27/18</a:t>
+              <a:t>3/30/18</a:t>
             </a:fld>
             <a:endParaRPr lang="en-US"/>
           </a:p>
@@ -1782,7 +1782,7 @@
           <a:p>
             <a:fld id="{78C97017-6FC3-485B-9764-EAC9E56C1D49}" type="datetimeFigureOut">
               <a:rPr lang="en-US" smtClean="0"/>
-              <a:t>3/27/18</a:t>
+              <a:t>3/30/18</a:t>
             </a:fld>
             <a:endParaRPr lang="en-US"/>
           </a:p>
@@ -2201,7 +2201,7 @@
           <a:p>
             <a:fld id="{78C97017-6FC3-485B-9764-EAC9E56C1D49}" type="datetimeFigureOut">
               <a:rPr lang="en-US" smtClean="0"/>
-              <a:t>3/27/18</a:t>
+              <a:t>3/30/18</a:t>
             </a:fld>
             <a:endParaRPr lang="en-US"/>
           </a:p>
@@ -2318,7 +2318,7 @@
           <a:p>
             <a:fld id="{78C97017-6FC3-485B-9764-EAC9E56C1D49}" type="datetimeFigureOut">
               <a:rPr lang="en-US" smtClean="0"/>
-              <a:t>3/27/18</a:t>
+              <a:t>3/30/18</a:t>
             </a:fld>
             <a:endParaRPr lang="en-US"/>
           </a:p>
@@ -2413,7 +2413,7 @@
           <a:p>
             <a:fld id="{78C97017-6FC3-485B-9764-EAC9E56C1D49}" type="datetimeFigureOut">
               <a:rPr lang="en-US" smtClean="0"/>
-              <a:t>3/27/18</a:t>
+              <a:t>3/30/18</a:t>
             </a:fld>
             <a:endParaRPr lang="en-US"/>
           </a:p>
@@ -2688,7 +2688,7 @@
           <a:p>
             <a:fld id="{78C97017-6FC3-485B-9764-EAC9E56C1D49}" type="datetimeFigureOut">
               <a:rPr lang="en-US" smtClean="0"/>
-              <a:t>3/27/18</a:t>
+              <a:t>3/30/18</a:t>
             </a:fld>
             <a:endParaRPr lang="en-US"/>
           </a:p>
@@ -2940,7 +2940,7 @@
           <a:p>
             <a:fld id="{78C97017-6FC3-485B-9764-EAC9E56C1D49}" type="datetimeFigureOut">
               <a:rPr lang="en-US" smtClean="0"/>
-              <a:t>3/27/18</a:t>
+              <a:t>3/30/18</a:t>
             </a:fld>
             <a:endParaRPr lang="en-US"/>
           </a:p>
@@ -3151,7 +3151,7 @@
           <a:p>
             <a:fld id="{78C97017-6FC3-485B-9764-EAC9E56C1D49}" type="datetimeFigureOut">
               <a:rPr lang="en-US" smtClean="0"/>
-              <a:t>3/27/18</a:t>
+              <a:t>3/30/18</a:t>
             </a:fld>
             <a:endParaRPr lang="en-US"/>
           </a:p>
@@ -4453,7 +4453,15 @@
                   <a:schemeClr val="bg1"/>
                 </a:solidFill>
               </a:rPr>
-              <a:t>:GMAPSFX</a:t>
+              <a:t>:</a:t>
+            </a:r>
+            <a:r>
+              <a:rPr lang="en-US" sz="1600">
+                <a:solidFill>
+                  <a:schemeClr val="bg1"/>
+                </a:solidFill>
+              </a:rPr>
+              <a:t>MapPanel</a:t>
             </a:r>
             <a:endParaRPr lang="en-SG" sz="1600" dirty="0">
               <a:solidFill>
@@ -5606,7 +5614,7 @@
         </p:nvCxnSpPr>
         <p:spPr>
           <a:xfrm flipV="1">
-            <a:off x="6858000" y="3876401"/>
+            <a:off x="6858000" y="4114800"/>
             <a:ext cx="1243302" cy="9341"/>
           </a:xfrm>
           <a:prstGeom prst="straightConnector1">
@@ -5650,7 +5658,7 @@
         </p:nvCxnSpPr>
         <p:spPr>
           <a:xfrm>
-            <a:off x="6846147" y="3962400"/>
+            <a:off x="6846147" y="4191000"/>
             <a:ext cx="1222309" cy="0"/>
           </a:xfrm>
           <a:prstGeom prst="straightConnector1">
@@ -5759,7 +5767,7 @@
         </p:nvSpPr>
         <p:spPr>
           <a:xfrm>
-            <a:off x="8088214" y="3855968"/>
+            <a:off x="8088214" y="4114800"/>
             <a:ext cx="172791" cy="103377"/>
           </a:xfrm>
           <a:prstGeom prst="rect">
@@ -5814,7 +5822,7 @@
         </p:nvCxnSpPr>
         <p:spPr>
           <a:xfrm>
-            <a:off x="8160361" y="1768715"/>
+            <a:off x="8160361" y="1752600"/>
             <a:ext cx="23678" cy="5041002"/>
           </a:xfrm>
           <a:prstGeom prst="line">
@@ -5857,7 +5865,7 @@
         </p:nvSpPr>
         <p:spPr>
           <a:xfrm>
-            <a:off x="7309530" y="3647945"/>
+            <a:off x="7009313" y="3915268"/>
             <a:ext cx="855809" cy="215444"/>
           </a:xfrm>
           <a:prstGeom prst="rect">
@@ -5967,7 +5975,7 @@
         </p:nvCxnSpPr>
         <p:spPr>
           <a:xfrm>
-            <a:off x="6839208" y="4047942"/>
+            <a:off x="6839208" y="3810000"/>
             <a:ext cx="2445235" cy="8350"/>
           </a:xfrm>
           <a:prstGeom prst="straightConnector1">
@@ -6119,7 +6127,7 @@
         </p:nvSpPr>
         <p:spPr>
           <a:xfrm>
-            <a:off x="9293647" y="4038600"/>
+            <a:off x="9293647" y="3810000"/>
             <a:ext cx="172791" cy="103377"/>
           </a:xfrm>
           <a:prstGeom prst="rect">
@@ -6174,7 +6182,7 @@
         </p:nvCxnSpPr>
         <p:spPr>
           <a:xfrm>
-            <a:off x="6858000" y="4141977"/>
+            <a:off x="6858000" y="3962400"/>
             <a:ext cx="2426443" cy="0"/>
           </a:xfrm>
           <a:prstGeom prst="straightConnector1">
@@ -6218,7 +6226,7 @@
         </p:nvSpPr>
         <p:spPr>
           <a:xfrm>
-            <a:off x="8399949" y="3799391"/>
+            <a:off x="8399949" y="3581400"/>
             <a:ext cx="855809" cy="215444"/>
           </a:xfrm>
           <a:prstGeom prst="rect">

--- a/docs/diagrams/EstimateRouteSequenceDiagram.pptx
+++ b/docs/diagrams/EstimateRouteSequenceDiagram.pptx
@@ -3534,8 +3534,8 @@
         </p:nvSpPr>
         <p:spPr>
           <a:xfrm>
-            <a:off x="152400" y="1981200"/>
-            <a:ext cx="9480341" cy="4572000"/>
+            <a:off x="-336089" y="1905000"/>
+            <a:ext cx="11232689" cy="4610099"/>
           </a:xfrm>
           <a:prstGeom prst="roundRect">
             <a:avLst>
@@ -4164,7 +4164,7 @@
                   <a:srgbClr val="0070C0"/>
                 </a:solidFill>
               </a:rPr>
-              <a:t>execute(“</a:t>
+              <a:t>execute(</a:t>
             </a:r>
             <a:r>
               <a:rPr lang="en-US" sz="1400" dirty="0" err="1">
@@ -4172,7 +4172,7 @@
                   <a:srgbClr val="0070C0"/>
                 </a:solidFill>
               </a:rPr>
-              <a:t>er</a:t>
+              <a:t>inputString</a:t>
             </a:r>
             <a:r>
               <a:rPr lang="en-US" sz="1400" dirty="0">
@@ -4180,23 +4180,7 @@
                   <a:srgbClr val="0070C0"/>
                 </a:solidFill>
               </a:rPr>
-              <a:t> </a:t>
-            </a:r>
-            <a:r>
-              <a:rPr lang="en-US" sz="1400" dirty="0" err="1">
-                <a:solidFill>
-                  <a:srgbClr val="0070C0"/>
-                </a:solidFill>
-              </a:rPr>
-              <a:t>punggol</a:t>
-            </a:r>
-            <a:r>
-              <a:rPr lang="en-US" sz="1400" dirty="0">
-                <a:solidFill>
-                  <a:srgbClr val="0070C0"/>
-                </a:solidFill>
-              </a:rPr>
-              <a:t> nus”)</a:t>
+              <a:t>)</a:t>
             </a:r>
           </a:p>
         </p:txBody>
@@ -4398,32 +4382,357 @@
           </a:fontRef>
         </p:style>
       </p:cxnSp>
-      <p:sp>
-        <p:nvSpPr>
-          <p:cNvPr id="39" name="Rectangle 62"/>
+      <p:cxnSp>
+        <p:nvCxnSpPr>
+          <p:cNvPr id="64" name="Straight Arrow Connector 63"/>
+          <p:cNvCxnSpPr>
+            <a:cxnSpLocks/>
+          </p:cNvCxnSpPr>
+          <p:nvPr/>
+        </p:nvCxnSpPr>
+        <p:spPr>
+          <a:xfrm flipV="1">
+            <a:off x="1043814" y="4640980"/>
+            <a:ext cx="5652560" cy="7220"/>
+          </a:xfrm>
+          <a:prstGeom prst="straightConnector1">
+            <a:avLst/>
+          </a:prstGeom>
+          <a:ln w="19050">
+            <a:solidFill>
+              <a:srgbClr val="0070C0"/>
+            </a:solidFill>
+            <a:tailEnd type="arrow"/>
+          </a:ln>
+        </p:spPr>
+        <p:style>
+          <a:lnRef idx="1">
+            <a:schemeClr val="accent1"/>
+          </a:lnRef>
+          <a:fillRef idx="0">
+            <a:schemeClr val="accent1"/>
+          </a:fillRef>
+          <a:effectRef idx="0">
+            <a:schemeClr val="accent1"/>
+          </a:effectRef>
+          <a:fontRef idx="minor">
+            <a:schemeClr val="tx1"/>
+          </a:fontRef>
+        </p:style>
+      </p:cxnSp>
+      <p:sp>
+        <p:nvSpPr>
+          <p:cNvPr id="65" name="Rectangle 64"/>
           <p:cNvSpPr/>
           <p:nvPr/>
         </p:nvSpPr>
         <p:spPr>
           <a:xfrm>
-            <a:off x="9718882" y="2105737"/>
-            <a:ext cx="1272431" cy="419577"/>
+            <a:off x="6705600" y="4466999"/>
+            <a:ext cx="143174" cy="1660553"/>
           </a:xfrm>
           <a:prstGeom prst="rect">
             <a:avLst/>
           </a:prstGeom>
           <a:solidFill>
-            <a:schemeClr val="accent4">
-              <a:lumMod val="60000"/>
-              <a:lumOff val="40000"/>
-            </a:schemeClr>
+            <a:srgbClr val="0070C0"/>
+          </a:solidFill>
+          <a:ln>
+            <a:solidFill>
+              <a:srgbClr val="0070C0"/>
+            </a:solidFill>
+          </a:ln>
+          <a:effectLst/>
+        </p:spPr>
+        <p:style>
+          <a:lnRef idx="1">
+            <a:schemeClr val="accent3"/>
+          </a:lnRef>
+          <a:fillRef idx="2">
+            <a:schemeClr val="accent3"/>
+          </a:fillRef>
+          <a:effectRef idx="1">
+            <a:schemeClr val="accent3"/>
+          </a:effectRef>
+          <a:fontRef idx="minor">
+            <a:schemeClr val="dk1"/>
+          </a:fontRef>
+        </p:style>
+        <p:txBody>
+          <a:bodyPr rtlCol="0" anchor="ctr"/>
+          <a:lstStyle/>
+          <a:p>
+            <a:pPr algn="ctr"/>
+            <a:endParaRPr lang="en-SG" sz="1400"/>
+          </a:p>
+        </p:txBody>
+      </p:sp>
+      <p:cxnSp>
+        <p:nvCxnSpPr>
+          <p:cNvPr id="75" name="Straight Arrow Connector 74"/>
+          <p:cNvCxnSpPr>
+            <a:cxnSpLocks/>
+          </p:cNvCxnSpPr>
+          <p:nvPr/>
+        </p:nvCxnSpPr>
+        <p:spPr>
+          <a:xfrm flipV="1">
+            <a:off x="6855181" y="4552310"/>
+            <a:ext cx="4439384" cy="22107"/>
+          </a:xfrm>
+          <a:prstGeom prst="straightConnector1">
+            <a:avLst/>
+          </a:prstGeom>
+          <a:ln w="19050">
+            <a:solidFill>
+              <a:srgbClr val="0070C0"/>
+            </a:solidFill>
+            <a:tailEnd type="arrow"/>
+          </a:ln>
+        </p:spPr>
+        <p:style>
+          <a:lnRef idx="1">
+            <a:schemeClr val="accent1"/>
+          </a:lnRef>
+          <a:fillRef idx="0">
+            <a:schemeClr val="accent1"/>
+          </a:fillRef>
+          <a:effectRef idx="0">
+            <a:schemeClr val="accent1"/>
+          </a:effectRef>
+          <a:fontRef idx="minor">
+            <a:schemeClr val="tx1"/>
+          </a:fontRef>
+        </p:style>
+      </p:cxnSp>
+      <p:cxnSp>
+        <p:nvCxnSpPr>
+          <p:cNvPr id="76" name="Straight Arrow Connector 75"/>
+          <p:cNvCxnSpPr>
+            <a:cxnSpLocks/>
+          </p:cNvCxnSpPr>
+          <p:nvPr/>
+        </p:nvCxnSpPr>
+        <p:spPr>
+          <a:xfrm flipV="1">
+            <a:off x="6846147" y="4713374"/>
+            <a:ext cx="4448418" cy="11026"/>
+          </a:xfrm>
+          <a:prstGeom prst="straightConnector1">
+            <a:avLst/>
+          </a:prstGeom>
+          <a:ln w="19050">
+            <a:solidFill>
+              <a:schemeClr val="accent1"/>
+            </a:solidFill>
+            <a:prstDash val="sysDash"/>
+            <a:headEnd type="arrow" w="med" len="med"/>
+            <a:tailEnd type="none" w="med" len="med"/>
+          </a:ln>
+        </p:spPr>
+        <p:style>
+          <a:lnRef idx="1">
+            <a:schemeClr val="accent1"/>
+          </a:lnRef>
+          <a:fillRef idx="0">
+            <a:schemeClr val="accent1"/>
+          </a:fillRef>
+          <a:effectRef idx="0">
+            <a:schemeClr val="accent1"/>
+          </a:effectRef>
+          <a:fontRef idx="minor">
+            <a:schemeClr val="tx1"/>
+          </a:fontRef>
+        </p:style>
+      </p:cxnSp>
+      <p:cxnSp>
+        <p:nvCxnSpPr>
+          <p:cNvPr id="77" name="Straight Arrow Connector 76"/>
+          <p:cNvCxnSpPr>
+            <a:cxnSpLocks/>
+          </p:cNvCxnSpPr>
+          <p:nvPr/>
+        </p:nvCxnSpPr>
+        <p:spPr>
+          <a:xfrm>
+            <a:off x="1031434" y="6127552"/>
+            <a:ext cx="5674166" cy="0"/>
+          </a:xfrm>
+          <a:prstGeom prst="straightConnector1">
+            <a:avLst/>
+          </a:prstGeom>
+          <a:ln w="19050">
+            <a:solidFill>
+              <a:srgbClr val="0070C0"/>
+            </a:solidFill>
+            <a:prstDash val="sysDash"/>
+            <a:headEnd type="arrow" w="med" len="med"/>
+            <a:tailEnd type="none" w="med" len="med"/>
+          </a:ln>
+        </p:spPr>
+        <p:style>
+          <a:lnRef idx="1">
+            <a:schemeClr val="accent1"/>
+          </a:lnRef>
+          <a:fillRef idx="0">
+            <a:schemeClr val="accent1"/>
+          </a:fillRef>
+          <a:effectRef idx="0">
+            <a:schemeClr val="accent1"/>
+          </a:effectRef>
+          <a:fontRef idx="minor">
+            <a:schemeClr val="tx1"/>
+          </a:fontRef>
+        </p:style>
+      </p:cxnSp>
+      <p:sp>
+        <p:nvSpPr>
+          <p:cNvPr id="79" name="TextBox 78"/>
+          <p:cNvSpPr txBox="1"/>
+          <p:nvPr/>
+        </p:nvSpPr>
+        <p:spPr>
+          <a:xfrm>
+            <a:off x="3193281" y="3687016"/>
+            <a:ext cx="1455519" cy="184666"/>
+          </a:xfrm>
+          <a:prstGeom prst="rect">
+            <a:avLst/>
+          </a:prstGeom>
+          <a:noFill/>
+        </p:spPr>
+        <p:txBody>
+          <a:bodyPr wrap="square" lIns="0" tIns="0" rIns="0" bIns="0" rtlCol="0">
+            <a:spAutoFit/>
+          </a:bodyPr>
+          <a:lstStyle>
+            <a:defPPr>
+              <a:defRPr lang="en-US"/>
+            </a:defPPr>
+            <a:lvl1pPr algn="r">
+              <a:defRPr sz="1400">
+                <a:solidFill>
+                  <a:srgbClr val="0070C0"/>
+                </a:solidFill>
+              </a:defRPr>
+            </a:lvl1pPr>
+          </a:lstStyle>
+          <a:p>
+            <a:r>
+              <a:rPr lang="en-US" sz="1200" dirty="0"/>
+              <a:t>Parse(</a:t>
+            </a:r>
+            <a:r>
+              <a:rPr lang="en-US" sz="1200" dirty="0" err="1"/>
+              <a:t>parsedInput</a:t>
+            </a:r>
+            <a:r>
+              <a:rPr lang="en-US" sz="1200" dirty="0"/>
+              <a:t>)</a:t>
+            </a:r>
+          </a:p>
+        </p:txBody>
+      </p:sp>
+      <p:sp>
+        <p:nvSpPr>
+          <p:cNvPr id="82" name="TextBox 81"/>
+          <p:cNvSpPr txBox="1"/>
+          <p:nvPr/>
+        </p:nvSpPr>
+        <p:spPr>
+          <a:xfrm>
+            <a:off x="3814848" y="5911615"/>
+            <a:ext cx="621216" cy="215444"/>
+          </a:xfrm>
+          <a:prstGeom prst="rect">
+            <a:avLst/>
+          </a:prstGeom>
+          <a:noFill/>
+        </p:spPr>
+        <p:txBody>
+          <a:bodyPr wrap="square" lIns="0" tIns="0" rIns="0" bIns="0" rtlCol="0">
+            <a:spAutoFit/>
+          </a:bodyPr>
+          <a:lstStyle>
+            <a:defPPr>
+              <a:defRPr lang="en-US"/>
+            </a:defPPr>
+            <a:lvl1pPr algn="r">
+              <a:defRPr sz="1400">
+                <a:solidFill>
+                  <a:srgbClr val="0070C0"/>
+                </a:solidFill>
+              </a:defRPr>
+            </a:lvl1pPr>
+          </a:lstStyle>
+          <a:p>
+            <a:r>
+              <a:rPr lang="en-US" dirty="0"/>
+              <a:t>result</a:t>
+            </a:r>
+          </a:p>
+        </p:txBody>
+      </p:sp>
+      <p:sp>
+        <p:nvSpPr>
+          <p:cNvPr id="83" name="TextBox 82"/>
+          <p:cNvSpPr txBox="1"/>
+          <p:nvPr/>
+        </p:nvSpPr>
+        <p:spPr>
+          <a:xfrm>
+            <a:off x="-115620" y="6107217"/>
+            <a:ext cx="762000" cy="215444"/>
+          </a:xfrm>
+          <a:prstGeom prst="rect">
+            <a:avLst/>
+          </a:prstGeom>
+          <a:noFill/>
+        </p:spPr>
+        <p:txBody>
+          <a:bodyPr wrap="square" lIns="0" tIns="0" rIns="0" bIns="0" rtlCol="0">
+            <a:spAutoFit/>
+          </a:bodyPr>
+          <a:lstStyle>
+            <a:defPPr>
+              <a:defRPr lang="en-US"/>
+            </a:defPPr>
+            <a:lvl1pPr algn="r">
+              <a:defRPr sz="1400">
+                <a:solidFill>
+                  <a:srgbClr val="0070C0"/>
+                </a:solidFill>
+              </a:defRPr>
+            </a:lvl1pPr>
+          </a:lstStyle>
+          <a:p>
+            <a:r>
+              <a:rPr lang="en-US" dirty="0"/>
+              <a:t>result</a:t>
+            </a:r>
+          </a:p>
+        </p:txBody>
+      </p:sp>
+      <p:sp>
+        <p:nvSpPr>
+          <p:cNvPr id="84" name="Rectangle 62"/>
+          <p:cNvSpPr/>
+          <p:nvPr/>
+        </p:nvSpPr>
+        <p:spPr>
+          <a:xfrm>
+            <a:off x="7020246" y="5361138"/>
+            <a:ext cx="1590354" cy="461538"/>
+          </a:xfrm>
+          <a:prstGeom prst="rect">
+            <a:avLst/>
+          </a:prstGeom>
+          <a:solidFill>
+            <a:srgbClr val="0070C0"/>
           </a:solidFill>
           <a:ln w="19050">
             <a:solidFill>
-              <a:schemeClr val="accent4">
-                <a:lumMod val="60000"/>
-                <a:lumOff val="40000"/>
-              </a:schemeClr>
+              <a:srgbClr val="0070C0"/>
             </a:solidFill>
           </a:ln>
           <a:effectLst/>
@@ -4448,20 +4757,20 @@
           <a:p>
             <a:pPr algn="ctr"/>
             <a:r>
+              <a:rPr lang="en-US" sz="1600" dirty="0" err="1">
+                <a:solidFill>
+                  <a:schemeClr val="bg1"/>
+                </a:solidFill>
+              </a:rPr>
+              <a:t>result:Command</a:t>
+            </a:r>
+            <a:r>
               <a:rPr lang="en-US" sz="1600" dirty="0">
                 <a:solidFill>
                   <a:schemeClr val="bg1"/>
                 </a:solidFill>
               </a:rPr>
-              <a:t>:</a:t>
-            </a:r>
-            <a:r>
-              <a:rPr lang="en-US" sz="1600">
-                <a:solidFill>
-                  <a:schemeClr val="bg1"/>
-                </a:solidFill>
-              </a:rPr>
-              <a:t>MapPanel</a:t>
+              <a:t> Result</a:t>
             </a:r>
             <a:endParaRPr lang="en-SG" sz="1600" dirty="0">
               <a:solidFill>
@@ -4471,54 +4780,16 @@
           </a:p>
         </p:txBody>
       </p:sp>
-      <p:cxnSp>
-        <p:nvCxnSpPr>
-          <p:cNvPr id="64" name="Straight Arrow Connector 63"/>
-          <p:cNvCxnSpPr>
-            <a:cxnSpLocks/>
-          </p:cNvCxnSpPr>
-          <p:nvPr/>
-        </p:nvCxnSpPr>
-        <p:spPr>
-          <a:xfrm flipV="1">
-            <a:off x="1043814" y="4640980"/>
-            <a:ext cx="5652560" cy="7220"/>
-          </a:xfrm>
-          <a:prstGeom prst="straightConnector1">
-            <a:avLst/>
-          </a:prstGeom>
-          <a:ln w="19050">
-            <a:solidFill>
-              <a:srgbClr val="0070C0"/>
-            </a:solidFill>
-            <a:tailEnd type="arrow"/>
-          </a:ln>
-        </p:spPr>
-        <p:style>
-          <a:lnRef idx="1">
-            <a:schemeClr val="accent1"/>
-          </a:lnRef>
-          <a:fillRef idx="0">
-            <a:schemeClr val="accent1"/>
-          </a:fillRef>
-          <a:effectRef idx="0">
-            <a:schemeClr val="accent1"/>
-          </a:effectRef>
-          <a:fontRef idx="minor">
-            <a:schemeClr val="tx1"/>
-          </a:fontRef>
-        </p:style>
-      </p:cxnSp>
-      <p:sp>
-        <p:nvSpPr>
-          <p:cNvPr id="65" name="Rectangle 64"/>
+      <p:sp>
+        <p:nvSpPr>
+          <p:cNvPr id="86" name="Rectangle 85"/>
           <p:cNvSpPr/>
           <p:nvPr/>
         </p:nvSpPr>
         <p:spPr>
           <a:xfrm>
-            <a:off x="6705600" y="4466999"/>
-            <a:ext cx="143174" cy="1660553"/>
+            <a:off x="7733800" y="5848424"/>
+            <a:ext cx="152400" cy="171376"/>
           </a:xfrm>
           <a:prstGeom prst="rect">
             <a:avLst/>
@@ -4558,70 +4829,220 @@
       </p:sp>
       <p:cxnSp>
         <p:nvCxnSpPr>
-          <p:cNvPr id="71" name="Straight Connector 70"/>
+          <p:cNvPr id="90" name="Straight Arrow Connector 89"/>
           <p:cNvCxnSpPr/>
           <p:nvPr/>
         </p:nvCxnSpPr>
         <p:spPr>
           <a:xfrm>
-            <a:off x="10363200" y="2514600"/>
-            <a:ext cx="0" cy="2830598"/>
-          </a:xfrm>
-          <a:prstGeom prst="line">
+            <a:off x="6832064" y="6019800"/>
+            <a:ext cx="966624" cy="0"/>
+          </a:xfrm>
+          <a:prstGeom prst="straightConnector1">
             <a:avLst/>
           </a:prstGeom>
           <a:ln w="19050">
             <a:solidFill>
-              <a:schemeClr val="accent4">
-                <a:lumMod val="60000"/>
-                <a:lumOff val="40000"/>
-              </a:schemeClr>
+              <a:srgbClr val="0070C0"/>
             </a:solidFill>
             <a:prstDash val="sysDash"/>
+            <a:headEnd type="arrow" w="med" len="med"/>
+            <a:tailEnd type="none" w="med" len="med"/>
+          </a:ln>
+        </p:spPr>
+        <p:style>
+          <a:lnRef idx="1">
+            <a:schemeClr val="accent1"/>
+          </a:lnRef>
+          <a:fillRef idx="0">
+            <a:schemeClr val="accent1"/>
+          </a:fillRef>
+          <a:effectRef idx="0">
+            <a:schemeClr val="accent1"/>
+          </a:effectRef>
+          <a:fontRef idx="minor">
+            <a:schemeClr val="tx1"/>
+          </a:fontRef>
+        </p:style>
+      </p:cxnSp>
+      <p:sp>
+        <p:nvSpPr>
+          <p:cNvPr id="93" name="TextBox 92"/>
+          <p:cNvSpPr txBox="1"/>
+          <p:nvPr/>
+        </p:nvSpPr>
+        <p:spPr>
+          <a:xfrm>
+            <a:off x="2174527" y="4198353"/>
+            <a:ext cx="220343" cy="215444"/>
+          </a:xfrm>
+          <a:prstGeom prst="rect">
+            <a:avLst/>
+          </a:prstGeom>
+          <a:noFill/>
+        </p:spPr>
+        <p:txBody>
+          <a:bodyPr wrap="square" lIns="0" tIns="0" rIns="0" bIns="0" rtlCol="0">
+            <a:spAutoFit/>
+          </a:bodyPr>
+          <a:lstStyle>
+            <a:defPPr>
+              <a:defRPr lang="en-US"/>
+            </a:defPPr>
+            <a:lvl1pPr algn="r">
+              <a:defRPr sz="1400">
+                <a:solidFill>
+                  <a:srgbClr val="0070C0"/>
+                </a:solidFill>
+              </a:defRPr>
+            </a:lvl1pPr>
+          </a:lstStyle>
+          <a:p>
+            <a:r>
+              <a:rPr lang="en-US" dirty="0" err="1"/>
+              <a:t>er</a:t>
+            </a:r>
+            <a:endParaRPr lang="en-US" dirty="0"/>
+          </a:p>
+        </p:txBody>
+      </p:sp>
+      <p:sp>
+        <p:nvSpPr>
+          <p:cNvPr id="40" name="Rectangle 62"/>
+          <p:cNvSpPr/>
+          <p:nvPr/>
+        </p:nvSpPr>
+        <p:spPr>
+          <a:xfrm>
+            <a:off x="3810000" y="2579556"/>
+            <a:ext cx="2421511" cy="727256"/>
+          </a:xfrm>
+          <a:prstGeom prst="rect">
+            <a:avLst/>
+          </a:prstGeom>
+          <a:solidFill>
+            <a:srgbClr val="0070C0"/>
+          </a:solidFill>
+          <a:ln w="19050">
+            <a:solidFill>
+              <a:srgbClr val="0070C0"/>
+            </a:solidFill>
           </a:ln>
           <a:effectLst/>
         </p:spPr>
         <p:style>
           <a:lnRef idx="1">
-            <a:schemeClr val="accent1"/>
+            <a:schemeClr val="accent2"/>
           </a:lnRef>
           <a:fillRef idx="2">
-            <a:schemeClr val="accent1"/>
+            <a:schemeClr val="accent2"/>
           </a:fillRef>
           <a:effectRef idx="1">
-            <a:schemeClr val="accent1"/>
+            <a:schemeClr val="accent2"/>
           </a:effectRef>
           <a:fontRef idx="minor">
             <a:schemeClr val="dk1"/>
           </a:fontRef>
         </p:style>
+        <p:txBody>
+          <a:bodyPr rtlCol="0" anchor="ctr"/>
+          <a:lstStyle/>
+          <a:p>
+            <a:pPr algn="ctr"/>
+            <a:r>
+              <a:rPr lang="en-US" sz="1600" dirty="0">
+                <a:solidFill>
+                  <a:schemeClr val="bg1"/>
+                </a:solidFill>
+              </a:rPr>
+              <a:t>:</a:t>
+            </a:r>
+            <a:r>
+              <a:rPr lang="en-US" sz="1600" dirty="0" err="1">
+                <a:solidFill>
+                  <a:schemeClr val="bg1"/>
+                </a:solidFill>
+              </a:rPr>
+              <a:t>EstimateRouteCommand</a:t>
+            </a:r>
+            <a:endParaRPr lang="en-US" sz="1600" dirty="0">
+              <a:solidFill>
+                <a:schemeClr val="bg1"/>
+              </a:solidFill>
+            </a:endParaRPr>
+          </a:p>
+          <a:p>
+            <a:pPr algn="ctr"/>
+            <a:r>
+              <a:rPr lang="en-US" sz="1600" dirty="0">
+                <a:solidFill>
+                  <a:schemeClr val="bg1"/>
+                </a:solidFill>
+              </a:rPr>
+              <a:t>Parser</a:t>
+            </a:r>
+            <a:endParaRPr lang="en-SG" sz="1600" dirty="0">
+              <a:solidFill>
+                <a:schemeClr val="bg1"/>
+              </a:solidFill>
+            </a:endParaRPr>
+          </a:p>
+        </p:txBody>
+      </p:sp>
+      <p:cxnSp>
+        <p:nvCxnSpPr>
+          <p:cNvPr id="8" name="Straight Arrow Connector 7"/>
+          <p:cNvCxnSpPr/>
+          <p:nvPr/>
+        </p:nvCxnSpPr>
+        <p:spPr>
+          <a:xfrm>
+            <a:off x="3174096" y="3654032"/>
+            <a:ext cx="1597356" cy="1"/>
+          </a:xfrm>
+          <a:prstGeom prst="straightConnector1">
+            <a:avLst/>
+          </a:prstGeom>
+          <a:ln w="19050">
+            <a:headEnd type="none" w="med" len="med"/>
+            <a:tailEnd type="arrow" w="med" len="med"/>
+          </a:ln>
+        </p:spPr>
+        <p:style>
+          <a:lnRef idx="1">
+            <a:schemeClr val="accent1"/>
+          </a:lnRef>
+          <a:fillRef idx="0">
+            <a:schemeClr val="accent1"/>
+          </a:fillRef>
+          <a:effectRef idx="0">
+            <a:schemeClr val="accent1"/>
+          </a:effectRef>
+          <a:fontRef idx="minor">
+            <a:schemeClr val="tx1"/>
+          </a:fontRef>
+        </p:style>
       </p:cxnSp>
       <p:sp>
         <p:nvSpPr>
-          <p:cNvPr id="73" name="Rectangle 72"/>
+          <p:cNvPr id="45" name="Rectangle 44"/>
           <p:cNvSpPr/>
           <p:nvPr/>
         </p:nvSpPr>
         <p:spPr>
           <a:xfrm>
-            <a:off x="10277059" y="4569300"/>
-            <a:ext cx="162341" cy="536100"/>
+            <a:off x="4748885" y="3325350"/>
+            <a:ext cx="205843" cy="123165"/>
           </a:xfrm>
           <a:prstGeom prst="rect">
             <a:avLst/>
           </a:prstGeom>
           <a:solidFill>
-            <a:schemeClr val="accent4">
-              <a:lumMod val="60000"/>
-              <a:lumOff val="40000"/>
-            </a:schemeClr>
+            <a:srgbClr val="0070C0"/>
           </a:solidFill>
           <a:ln>
             <a:solidFill>
-              <a:schemeClr val="accent4">
-                <a:lumMod val="60000"/>
-                <a:lumOff val="40000"/>
-              </a:schemeClr>
+              <a:srgbClr val="0070C0"/>
             </a:solidFill>
           </a:ln>
           <a:effectLst/>
@@ -4645,35 +5066,117 @@
           <a:lstStyle/>
           <a:p>
             <a:pPr algn="ctr"/>
-            <a:endParaRPr lang="en-SG" sz="1400">
-              <a:solidFill>
-                <a:schemeClr val="dk1"/>
-              </a:solidFill>
-            </a:endParaRPr>
+            <a:endParaRPr lang="en-SG" sz="1400"/>
           </a:p>
         </p:txBody>
       </p:sp>
       <p:cxnSp>
         <p:nvCxnSpPr>
-          <p:cNvPr id="75" name="Straight Arrow Connector 74"/>
+          <p:cNvPr id="46" name="Straight Connector 45"/>
           <p:cNvCxnSpPr>
             <a:cxnSpLocks/>
           </p:cNvCxnSpPr>
           <p:nvPr/>
         </p:nvCxnSpPr>
         <p:spPr>
-          <a:xfrm>
-            <a:off x="6781800" y="4543442"/>
-            <a:ext cx="3495259" cy="15060"/>
-          </a:xfrm>
-          <a:prstGeom prst="straightConnector1">
+          <a:xfrm flipH="1">
+            <a:off x="4860411" y="3335767"/>
+            <a:ext cx="1047" cy="1186688"/>
+          </a:xfrm>
+          <a:prstGeom prst="line">
             <a:avLst/>
           </a:prstGeom>
           <a:ln w="19050">
             <a:solidFill>
               <a:srgbClr val="0070C0"/>
             </a:solidFill>
-            <a:tailEnd type="arrow"/>
+            <a:prstDash val="sysDash"/>
+          </a:ln>
+          <a:effectLst/>
+        </p:spPr>
+        <p:style>
+          <a:lnRef idx="1">
+            <a:schemeClr val="accent1"/>
+          </a:lnRef>
+          <a:fillRef idx="2">
+            <a:schemeClr val="accent1"/>
+          </a:fillRef>
+          <a:effectRef idx="1">
+            <a:schemeClr val="accent1"/>
+          </a:effectRef>
+          <a:fontRef idx="minor">
+            <a:schemeClr val="dk1"/>
+          </a:fontRef>
+        </p:style>
+      </p:cxnSp>
+      <p:sp>
+        <p:nvSpPr>
+          <p:cNvPr id="49" name="Rectangle 48"/>
+          <p:cNvSpPr/>
+          <p:nvPr/>
+        </p:nvSpPr>
+        <p:spPr>
+          <a:xfrm>
+            <a:off x="4758537" y="3673450"/>
+            <a:ext cx="201572" cy="682771"/>
+          </a:xfrm>
+          <a:prstGeom prst="rect">
+            <a:avLst/>
+          </a:prstGeom>
+          <a:solidFill>
+            <a:srgbClr val="0070C0"/>
+          </a:solidFill>
+          <a:ln>
+            <a:solidFill>
+              <a:srgbClr val="0070C0"/>
+            </a:solidFill>
+          </a:ln>
+          <a:effectLst/>
+        </p:spPr>
+        <p:style>
+          <a:lnRef idx="1">
+            <a:schemeClr val="accent3"/>
+          </a:lnRef>
+          <a:fillRef idx="2">
+            <a:schemeClr val="accent3"/>
+          </a:fillRef>
+          <a:effectRef idx="1">
+            <a:schemeClr val="accent3"/>
+          </a:effectRef>
+          <a:fontRef idx="minor">
+            <a:schemeClr val="dk1"/>
+          </a:fontRef>
+        </p:style>
+        <p:txBody>
+          <a:bodyPr rtlCol="0" anchor="ctr"/>
+          <a:lstStyle/>
+          <a:p>
+            <a:pPr algn="ctr"/>
+            <a:endParaRPr lang="en-SG" sz="1400"/>
+          </a:p>
+        </p:txBody>
+      </p:sp>
+      <p:cxnSp>
+        <p:nvCxnSpPr>
+          <p:cNvPr id="51" name="Straight Arrow Connector 50"/>
+          <p:cNvCxnSpPr/>
+          <p:nvPr/>
+        </p:nvCxnSpPr>
+        <p:spPr>
+          <a:xfrm>
+            <a:off x="3187241" y="4343400"/>
+            <a:ext cx="1667219" cy="0"/>
+          </a:xfrm>
+          <a:prstGeom prst="straightConnector1">
+            <a:avLst/>
+          </a:prstGeom>
+          <a:ln w="19050">
+            <a:solidFill>
+              <a:srgbClr val="0070C0"/>
+            </a:solidFill>
+            <a:prstDash val="sysDash"/>
+            <a:headEnd type="arrow" w="med" len="med"/>
+            <a:tailEnd type="none" w="med" len="med"/>
           </a:ln>
         </p:spPr>
         <p:style>
@@ -4693,31 +5196,21 @@
       </p:cxnSp>
       <p:cxnSp>
         <p:nvCxnSpPr>
-          <p:cNvPr id="76" name="Straight Arrow Connector 75"/>
-          <p:cNvCxnSpPr>
-            <a:cxnSpLocks/>
-            <a:endCxn id="73" idx="2"/>
-          </p:cNvCxnSpPr>
+          <p:cNvPr id="13" name="Straight Arrow Connector 12"/>
+          <p:cNvCxnSpPr/>
           <p:nvPr/>
         </p:nvCxnSpPr>
         <p:spPr>
           <a:xfrm>
-            <a:off x="6832064" y="5105400"/>
-            <a:ext cx="3526166" cy="0"/>
+            <a:off x="6858000" y="5361138"/>
+            <a:ext cx="162246" cy="0"/>
           </a:xfrm>
           <a:prstGeom prst="straightConnector1">
             <a:avLst/>
           </a:prstGeom>
           <a:ln w="19050">
-            <a:solidFill>
-              <a:schemeClr val="accent4">
-                <a:lumMod val="60000"/>
-                <a:lumOff val="40000"/>
-              </a:schemeClr>
-            </a:solidFill>
-            <a:prstDash val="sysDash"/>
-            <a:headEnd type="arrow" w="med" len="med"/>
-            <a:tailEnd type="none" w="med" len="med"/>
+            <a:headEnd type="none" w="med" len="med"/>
+            <a:tailEnd type="arrow" w="med" len="med"/>
           </a:ln>
         </p:spPr>
         <p:style>
@@ -4737,7 +5230,7 @@
       </p:cxnSp>
       <p:cxnSp>
         <p:nvCxnSpPr>
-          <p:cNvPr id="77" name="Straight Arrow Connector 76"/>
+          <p:cNvPr id="50" name="Straight Arrow Connector 49"/>
           <p:cNvCxnSpPr>
             <a:cxnSpLocks/>
           </p:cNvCxnSpPr>
@@ -4745,8 +5238,44 @@
         </p:nvCxnSpPr>
         <p:spPr>
           <a:xfrm>
-            <a:off x="1031434" y="6127552"/>
-            <a:ext cx="5674166" cy="0"/>
+            <a:off x="3187241" y="3276600"/>
+            <a:ext cx="627607" cy="0"/>
+          </a:xfrm>
+          <a:prstGeom prst="straightConnector1">
+            <a:avLst/>
+          </a:prstGeom>
+          <a:ln w="19050">
+            <a:solidFill>
+              <a:srgbClr val="0070C0"/>
+            </a:solidFill>
+            <a:tailEnd type="arrow"/>
+          </a:ln>
+        </p:spPr>
+        <p:style>
+          <a:lnRef idx="1">
+            <a:schemeClr val="accent1"/>
+          </a:lnRef>
+          <a:fillRef idx="0">
+            <a:schemeClr val="accent1"/>
+          </a:fillRef>
+          <a:effectRef idx="0">
+            <a:schemeClr val="accent1"/>
+          </a:effectRef>
+          <a:fontRef idx="minor">
+            <a:schemeClr val="tx1"/>
+          </a:fontRef>
+        </p:style>
+      </p:cxnSp>
+      <p:cxnSp>
+        <p:nvCxnSpPr>
+          <p:cNvPr id="52" name="Straight Arrow Connector 51"/>
+          <p:cNvCxnSpPr/>
+          <p:nvPr/>
+        </p:nvCxnSpPr>
+        <p:spPr>
+          <a:xfrm>
+            <a:off x="3174096" y="3429000"/>
+            <a:ext cx="1600428" cy="0"/>
           </a:xfrm>
           <a:prstGeom prst="straightConnector1">
             <a:avLst/>
@@ -4777,14 +5306,53 @@
       </p:cxnSp>
       <p:sp>
         <p:nvSpPr>
-          <p:cNvPr id="79" name="TextBox 78"/>
+          <p:cNvPr id="4" name="TextBox 3"/>
           <p:cNvSpPr txBox="1"/>
           <p:nvPr/>
         </p:nvSpPr>
         <p:spPr>
           <a:xfrm>
-            <a:off x="3193281" y="3687016"/>
-            <a:ext cx="1455519" cy="184666"/>
+            <a:off x="4724400" y="4386590"/>
+            <a:ext cx="258404" cy="261610"/>
+          </a:xfrm>
+          <a:prstGeom prst="rect">
+            <a:avLst/>
+          </a:prstGeom>
+          <a:noFill/>
+        </p:spPr>
+        <p:txBody>
+          <a:bodyPr wrap="none" rtlCol="0">
+            <a:spAutoFit/>
+          </a:bodyPr>
+          <a:lstStyle/>
+          <a:p>
+            <a:r>
+              <a:rPr lang="en-SG" sz="1100" dirty="0">
+                <a:solidFill>
+                  <a:srgbClr val="002060"/>
+                </a:solidFill>
+              </a:rPr>
+              <a:t>X</a:t>
+            </a:r>
+          </a:p>
+        </p:txBody>
+      </p:sp>
+      <p:sp>
+        <p:nvSpPr>
+          <p:cNvPr id="63" name="TextBox 62">
+            <a:extLst>
+              <a:ext uri="{FF2B5EF4-FFF2-40B4-BE49-F238E27FC236}">
+                <a16:creationId xmlns:a16="http://schemas.microsoft.com/office/drawing/2014/main" id="{0F5E6DEF-4744-3743-8031-4CC72C9EE704}"/>
+              </a:ext>
+            </a:extLst>
+          </p:cNvPr>
+          <p:cNvSpPr txBox="1"/>
+          <p:nvPr/>
+        </p:nvSpPr>
+        <p:spPr>
+          <a:xfrm>
+            <a:off x="994307" y="2896251"/>
+            <a:ext cx="2010593" cy="215444"/>
           </a:xfrm>
           <a:prstGeom prst="rect">
             <a:avLst/>
@@ -4795,124 +5363,96 @@
           <a:bodyPr wrap="square" lIns="0" tIns="0" rIns="0" bIns="0" rtlCol="0">
             <a:spAutoFit/>
           </a:bodyPr>
-          <a:lstStyle>
-            <a:defPPr>
-              <a:defRPr lang="en-US"/>
-            </a:defPPr>
-            <a:lvl1pPr algn="r">
-              <a:defRPr sz="1400">
+          <a:lstStyle/>
+          <a:p>
+            <a:pPr algn="r"/>
+            <a:r>
+              <a:rPr lang="en-US" sz="1400" dirty="0">
                 <a:solidFill>
                   <a:srgbClr val="0070C0"/>
                 </a:solidFill>
-              </a:defRPr>
-            </a:lvl1pPr>
-          </a:lstStyle>
-          <a:p>
-            <a:r>
-              <a:rPr lang="en-US" sz="1200" dirty="0"/>
-              <a:t>parse(“</a:t>
-            </a:r>
-            <a:r>
-              <a:rPr lang="en-US" sz="1200" dirty="0" err="1"/>
-              <a:t>punggol</a:t>
-            </a:r>
-            <a:r>
-              <a:rPr lang="en-US" sz="1200" dirty="0"/>
-              <a:t> nus”)</a:t>
-            </a:r>
-          </a:p>
-        </p:txBody>
-      </p:sp>
-      <p:sp>
-        <p:nvSpPr>
-          <p:cNvPr id="82" name="TextBox 81"/>
-          <p:cNvSpPr txBox="1"/>
+              </a:rPr>
+              <a:t>execute(</a:t>
+            </a:r>
+            <a:r>
+              <a:rPr lang="en-US" sz="1400" dirty="0" err="1">
+                <a:solidFill>
+                  <a:srgbClr val="0070C0"/>
+                </a:solidFill>
+              </a:rPr>
+              <a:t>inputString</a:t>
+            </a:r>
+            <a:r>
+              <a:rPr lang="en-US" sz="1400" dirty="0">
+                <a:solidFill>
+                  <a:srgbClr val="0070C0"/>
+                </a:solidFill>
+              </a:rPr>
+              <a:t>)</a:t>
+            </a:r>
+          </a:p>
+        </p:txBody>
+      </p:sp>
+      <p:cxnSp>
+        <p:nvCxnSpPr>
+          <p:cNvPr id="66" name="Straight Arrow Connector 65">
+            <a:extLst>
+              <a:ext uri="{FF2B5EF4-FFF2-40B4-BE49-F238E27FC236}">
+                <a16:creationId xmlns:a16="http://schemas.microsoft.com/office/drawing/2014/main" id="{2FD38EEE-90A4-8D40-B0A3-8735425EB8A9}"/>
+              </a:ext>
+            </a:extLst>
+          </p:cNvPr>
+          <p:cNvCxnSpPr>
+            <a:cxnSpLocks/>
+          </p:cNvCxnSpPr>
           <p:nvPr/>
-        </p:nvSpPr>
-        <p:spPr>
-          <a:xfrm>
-            <a:off x="3814848" y="5911615"/>
-            <a:ext cx="621216" cy="215444"/>
-          </a:xfrm>
-          <a:prstGeom prst="rect">
-            <a:avLst/>
-          </a:prstGeom>
-          <a:noFill/>
-        </p:spPr>
-        <p:txBody>
-          <a:bodyPr wrap="square" lIns="0" tIns="0" rIns="0" bIns="0" rtlCol="0">
-            <a:spAutoFit/>
-          </a:bodyPr>
-          <a:lstStyle>
-            <a:defPPr>
-              <a:defRPr lang="en-US"/>
-            </a:defPPr>
-            <a:lvl1pPr algn="r">
-              <a:defRPr sz="1400">
-                <a:solidFill>
-                  <a:srgbClr val="0070C0"/>
-                </a:solidFill>
-              </a:defRPr>
-            </a:lvl1pPr>
-          </a:lstStyle>
-          <a:p>
-            <a:r>
-              <a:rPr lang="en-US" dirty="0"/>
-              <a:t>result</a:t>
-            </a:r>
-          </a:p>
-        </p:txBody>
-      </p:sp>
-      <p:sp>
-        <p:nvSpPr>
-          <p:cNvPr id="83" name="TextBox 82"/>
-          <p:cNvSpPr txBox="1"/>
-          <p:nvPr/>
-        </p:nvSpPr>
-        <p:spPr>
-          <a:xfrm>
-            <a:off x="-115620" y="6107217"/>
-            <a:ext cx="762000" cy="215444"/>
-          </a:xfrm>
-          <a:prstGeom prst="rect">
-            <a:avLst/>
-          </a:prstGeom>
-          <a:noFill/>
-        </p:spPr>
-        <p:txBody>
-          <a:bodyPr wrap="square" lIns="0" tIns="0" rIns="0" bIns="0" rtlCol="0">
-            <a:spAutoFit/>
-          </a:bodyPr>
-          <a:lstStyle>
-            <a:defPPr>
-              <a:defRPr lang="en-US"/>
-            </a:defPPr>
-            <a:lvl1pPr algn="r">
-              <a:defRPr sz="1400">
-                <a:solidFill>
-                  <a:srgbClr val="0070C0"/>
-                </a:solidFill>
-              </a:defRPr>
-            </a:lvl1pPr>
-          </a:lstStyle>
-          <a:p>
-            <a:r>
-              <a:rPr lang="en-US" dirty="0"/>
-              <a:t>result</a:t>
-            </a:r>
-          </a:p>
-        </p:txBody>
-      </p:sp>
-      <p:sp>
-        <p:nvSpPr>
-          <p:cNvPr id="84" name="Rectangle 62"/>
+        </p:nvCxnSpPr>
+        <p:spPr>
+          <a:xfrm flipV="1">
+            <a:off x="6855181" y="4086176"/>
+            <a:ext cx="4439384" cy="26064"/>
+          </a:xfrm>
+          <a:prstGeom prst="straightConnector1">
+            <a:avLst/>
+          </a:prstGeom>
+          <a:ln w="19050">
+            <a:solidFill>
+              <a:srgbClr val="0070C0"/>
+            </a:solidFill>
+            <a:tailEnd type="arrow"/>
+          </a:ln>
+        </p:spPr>
+        <p:style>
+          <a:lnRef idx="1">
+            <a:schemeClr val="accent1"/>
+          </a:lnRef>
+          <a:fillRef idx="0">
+            <a:schemeClr val="accent1"/>
+          </a:fillRef>
+          <a:effectRef idx="0">
+            <a:schemeClr val="accent1"/>
+          </a:effectRef>
+          <a:fontRef idx="minor">
+            <a:schemeClr val="tx1"/>
+          </a:fontRef>
+        </p:style>
+      </p:cxnSp>
+      <p:sp>
+        <p:nvSpPr>
+          <p:cNvPr id="69" name="Rectangle 62">
+            <a:extLst>
+              <a:ext uri="{FF2B5EF4-FFF2-40B4-BE49-F238E27FC236}">
+                <a16:creationId xmlns:a16="http://schemas.microsoft.com/office/drawing/2014/main" id="{7613AFBB-054B-184C-BC8C-3EFD16166BF0}"/>
+              </a:ext>
+            </a:extLst>
+          </p:cNvPr>
           <p:cNvSpPr/>
           <p:nvPr/>
         </p:nvSpPr>
         <p:spPr>
           <a:xfrm>
-            <a:off x="7020246" y="5361138"/>
-            <a:ext cx="1590354" cy="461538"/>
+            <a:off x="10701071" y="1200705"/>
+            <a:ext cx="1344369" cy="437327"/>
           </a:xfrm>
           <a:prstGeom prst="rect">
             <a:avLst/>
@@ -4952,15 +5492,7 @@
                   <a:schemeClr val="bg1"/>
                 </a:solidFill>
               </a:rPr>
-              <a:t>result:Command</a:t>
-            </a:r>
-            <a:r>
-              <a:rPr lang="en-US" sz="1600" dirty="0">
-                <a:solidFill>
-                  <a:schemeClr val="bg1"/>
-                </a:solidFill>
-              </a:rPr>
-              <a:t> Result</a:t>
+              <a:t>er:MapPanel</a:t>
             </a:r>
             <a:endParaRPr lang="en-SG" sz="1600" dirty="0">
               <a:solidFill>
@@ -4972,14 +5504,20 @@
       </p:sp>
       <p:sp>
         <p:nvSpPr>
-          <p:cNvPr id="86" name="Rectangle 85"/>
+          <p:cNvPr id="85" name="Rectangle 84">
+            <a:extLst>
+              <a:ext uri="{FF2B5EF4-FFF2-40B4-BE49-F238E27FC236}">
+                <a16:creationId xmlns:a16="http://schemas.microsoft.com/office/drawing/2014/main" id="{7141E569-49C7-094B-B83A-4AE5C97BE759}"/>
+              </a:ext>
+            </a:extLst>
+          </p:cNvPr>
           <p:cNvSpPr/>
           <p:nvPr/>
         </p:nvSpPr>
         <p:spPr>
           <a:xfrm>
-            <a:off x="7733800" y="5848424"/>
-            <a:ext cx="152400" cy="171376"/>
+            <a:off x="11300831" y="4087623"/>
+            <a:ext cx="172791" cy="103377"/>
           </a:xfrm>
           <a:prstGeom prst="rect">
             <a:avLst/>
@@ -5019,16 +5557,24 @@
       </p:sp>
       <p:cxnSp>
         <p:nvCxnSpPr>
-          <p:cNvPr id="90" name="Straight Arrow Connector 89"/>
-          <p:cNvCxnSpPr/>
+          <p:cNvPr id="87" name="Straight Connector 86">
+            <a:extLst>
+              <a:ext uri="{FF2B5EF4-FFF2-40B4-BE49-F238E27FC236}">
+                <a16:creationId xmlns:a16="http://schemas.microsoft.com/office/drawing/2014/main" id="{7BD9EBA4-F827-CE4E-86A2-B858BCD7D359}"/>
+              </a:ext>
+            </a:extLst>
+          </p:cNvPr>
+          <p:cNvCxnSpPr>
+            <a:cxnSpLocks/>
+          </p:cNvCxnSpPr>
           <p:nvPr/>
         </p:nvCxnSpPr>
         <p:spPr>
           <a:xfrm>
-            <a:off x="6832064" y="6019800"/>
-            <a:ext cx="966624" cy="0"/>
-          </a:xfrm>
-          <a:prstGeom prst="straightConnector1">
+            <a:off x="11385089" y="1447800"/>
+            <a:ext cx="23678" cy="5041002"/>
+          </a:xfrm>
+          <a:prstGeom prst="line">
             <a:avLst/>
           </a:prstGeom>
           <a:ln w="19050">
@@ -5036,35 +5582,40 @@
               <a:srgbClr val="0070C0"/>
             </a:solidFill>
             <a:prstDash val="sysDash"/>
-            <a:headEnd type="arrow" w="med" len="med"/>
-            <a:tailEnd type="none" w="med" len="med"/>
           </a:ln>
+          <a:effectLst/>
         </p:spPr>
         <p:style>
           <a:lnRef idx="1">
             <a:schemeClr val="accent1"/>
           </a:lnRef>
-          <a:fillRef idx="0">
+          <a:fillRef idx="2">
             <a:schemeClr val="accent1"/>
           </a:fillRef>
-          <a:effectRef idx="0">
+          <a:effectRef idx="1">
             <a:schemeClr val="accent1"/>
           </a:effectRef>
           <a:fontRef idx="minor">
-            <a:schemeClr val="tx1"/>
+            <a:schemeClr val="dk1"/>
           </a:fontRef>
         </p:style>
       </p:cxnSp>
       <p:sp>
         <p:nvSpPr>
-          <p:cNvPr id="93" name="TextBox 92"/>
+          <p:cNvPr id="88" name="TextBox 87">
+            <a:extLst>
+              <a:ext uri="{FF2B5EF4-FFF2-40B4-BE49-F238E27FC236}">
+                <a16:creationId xmlns:a16="http://schemas.microsoft.com/office/drawing/2014/main" id="{5FB6A843-B44F-0D4F-B1EE-B5A29E2358F0}"/>
+              </a:ext>
+            </a:extLst>
+          </p:cNvPr>
           <p:cNvSpPr txBox="1"/>
           <p:nvPr/>
         </p:nvSpPr>
         <p:spPr>
           <a:xfrm>
-            <a:off x="2673845" y="4027787"/>
-            <a:ext cx="220343" cy="215444"/>
+            <a:off x="9591750" y="3848012"/>
+            <a:ext cx="855809" cy="215444"/>
           </a:xfrm>
           <a:prstGeom prst="rect">
             <a:avLst/>
@@ -5089,22 +5640,138 @@
           </a:lstStyle>
           <a:p>
             <a:r>
+              <a:rPr lang="en-US" dirty="0" err="1"/>
+              <a:t>getMap</a:t>
+            </a:r>
+            <a:r>
               <a:rPr lang="en-US" dirty="0"/>
-              <a:t>d</a:t>
-            </a:r>
-          </a:p>
-        </p:txBody>
-      </p:sp>
-      <p:sp>
-        <p:nvSpPr>
-          <p:cNvPr id="40" name="Rectangle 62"/>
+              <a:t>()</a:t>
+            </a:r>
+          </a:p>
+        </p:txBody>
+      </p:sp>
+      <p:sp>
+        <p:nvSpPr>
+          <p:cNvPr id="53" name="TextBox 52">
+            <a:extLst>
+              <a:ext uri="{FF2B5EF4-FFF2-40B4-BE49-F238E27FC236}">
+                <a16:creationId xmlns:a16="http://schemas.microsoft.com/office/drawing/2014/main" id="{80F4BB9A-D4D4-2649-B75E-5C4C1B9CFBE7}"/>
+              </a:ext>
+            </a:extLst>
+          </p:cNvPr>
+          <p:cNvSpPr txBox="1"/>
+          <p:nvPr/>
+        </p:nvSpPr>
+        <p:spPr>
+          <a:xfrm>
+            <a:off x="8307779" y="4311118"/>
+            <a:ext cx="2854157" cy="215444"/>
+          </a:xfrm>
+          <a:prstGeom prst="rect">
+            <a:avLst/>
+          </a:prstGeom>
+          <a:noFill/>
+        </p:spPr>
+        <p:txBody>
+          <a:bodyPr wrap="square" lIns="0" tIns="0" rIns="0" bIns="0" rtlCol="0">
+            <a:spAutoFit/>
+          </a:bodyPr>
+          <a:lstStyle>
+            <a:defPPr>
+              <a:defRPr lang="en-US"/>
+            </a:defPPr>
+            <a:lvl1pPr algn="r">
+              <a:defRPr sz="1400">
+                <a:solidFill>
+                  <a:srgbClr val="0070C0"/>
+                </a:solidFill>
+              </a:defRPr>
+            </a:lvl1pPr>
+          </a:lstStyle>
+          <a:p>
+            <a:r>
+              <a:rPr lang="en-US" dirty="0" err="1">
+                <a:solidFill>
+                  <a:schemeClr val="accent1">
+                    <a:lumMod val="75000"/>
+                  </a:schemeClr>
+                </a:solidFill>
+              </a:rPr>
+              <a:t>addRouteToMap</a:t>
+            </a:r>
+            <a:r>
+              <a:rPr lang="en-US" dirty="0">
+                <a:solidFill>
+                  <a:schemeClr val="accent1">
+                    <a:lumMod val="75000"/>
+                  </a:schemeClr>
+                </a:solidFill>
+              </a:rPr>
+              <a:t>())</a:t>
+            </a:r>
+          </a:p>
+        </p:txBody>
+      </p:sp>
+      <p:cxnSp>
+        <p:nvCxnSpPr>
+          <p:cNvPr id="68" name="Straight Arrow Connector 67">
+            <a:extLst>
+              <a:ext uri="{FF2B5EF4-FFF2-40B4-BE49-F238E27FC236}">
+                <a16:creationId xmlns:a16="http://schemas.microsoft.com/office/drawing/2014/main" id="{C3CFE955-AF79-D349-8260-0BFA83F90787}"/>
+              </a:ext>
+            </a:extLst>
+          </p:cNvPr>
+          <p:cNvCxnSpPr>
+            <a:cxnSpLocks/>
+          </p:cNvCxnSpPr>
+          <p:nvPr/>
+        </p:nvCxnSpPr>
+        <p:spPr>
+          <a:xfrm flipV="1">
+            <a:off x="6839208" y="3802233"/>
+            <a:ext cx="1553353" cy="7767"/>
+          </a:xfrm>
+          <a:prstGeom prst="straightConnector1">
+            <a:avLst/>
+          </a:prstGeom>
+          <a:ln w="19050">
+            <a:solidFill>
+              <a:srgbClr val="0070C0"/>
+            </a:solidFill>
+            <a:tailEnd type="arrow"/>
+          </a:ln>
+        </p:spPr>
+        <p:style>
+          <a:lnRef idx="1">
+            <a:schemeClr val="accent1"/>
+          </a:lnRef>
+          <a:fillRef idx="0">
+            <a:schemeClr val="accent1"/>
+          </a:fillRef>
+          <a:effectRef idx="0">
+            <a:schemeClr val="accent1"/>
+          </a:effectRef>
+          <a:fontRef idx="minor">
+            <a:schemeClr val="tx1"/>
+          </a:fontRef>
+        </p:style>
+      </p:cxnSp>
+      <p:sp>
+        <p:nvSpPr>
+          <p:cNvPr id="70" name="Rectangle 62">
+            <a:extLst>
+              <a:ext uri="{FF2B5EF4-FFF2-40B4-BE49-F238E27FC236}">
+                <a16:creationId xmlns:a16="http://schemas.microsoft.com/office/drawing/2014/main" id="{1D4FEE91-0FAB-2C40-A675-1C4B9F971016}"/>
+              </a:ext>
+            </a:extLst>
+          </p:cNvPr>
           <p:cNvSpPr/>
           <p:nvPr/>
         </p:nvSpPr>
         <p:spPr>
           <a:xfrm>
-            <a:off x="3810000" y="2579556"/>
-            <a:ext cx="2421511" cy="727256"/>
+            <a:off x="7786293" y="2042939"/>
+            <a:ext cx="1438950" cy="437327"/>
           </a:xfrm>
           <a:prstGeom prst="rect">
             <a:avLst/>
@@ -5139,36 +5806,12 @@
           <a:p>
             <a:pPr algn="ctr"/>
             <a:r>
-              <a:rPr lang="en-US" sz="1600" dirty="0">
+              <a:rPr lang="en-US" sz="1600" dirty="0" err="1">
                 <a:solidFill>
                   <a:schemeClr val="bg1"/>
                 </a:solidFill>
               </a:rPr>
-              <a:t>:</a:t>
-            </a:r>
-            <a:r>
-              <a:rPr lang="en-US" sz="1600" dirty="0" err="1">
-                <a:solidFill>
-                  <a:schemeClr val="bg1"/>
-                </a:solidFill>
-              </a:rPr>
-              <a:t>EstimateRouteCommand</a:t>
-            </a:r>
-            <a:endParaRPr lang="en-US" sz="1600" dirty="0">
-              <a:solidFill>
-                <a:schemeClr val="bg1"/>
-              </a:solidFill>
-            </a:endParaRPr>
-          </a:p>
-          <a:p>
-            <a:pPr algn="ctr"/>
-            <a:r>
-              <a:rPr lang="en-US" sz="1600" dirty="0">
-                <a:solidFill>
-                  <a:schemeClr val="bg1"/>
-                </a:solidFill>
-              </a:rPr>
-              <a:t>Parser</a:t>
+              <a:t>er:Geocoding</a:t>
             </a:r>
             <a:endParaRPr lang="en-SG" sz="1600" dirty="0">
               <a:solidFill>
@@ -5180,48 +5823,65 @@
       </p:sp>
       <p:cxnSp>
         <p:nvCxnSpPr>
-          <p:cNvPr id="8" name="Straight Arrow Connector 7"/>
-          <p:cNvCxnSpPr/>
+          <p:cNvPr id="80" name="Straight Connector 79">
+            <a:extLst>
+              <a:ext uri="{FF2B5EF4-FFF2-40B4-BE49-F238E27FC236}">
+                <a16:creationId xmlns:a16="http://schemas.microsoft.com/office/drawing/2014/main" id="{4E071779-5FD5-4F46-9A35-152F82608AB6}"/>
+              </a:ext>
+            </a:extLst>
+          </p:cNvPr>
+          <p:cNvCxnSpPr>
+            <a:cxnSpLocks/>
+          </p:cNvCxnSpPr>
           <p:nvPr/>
         </p:nvCxnSpPr>
         <p:spPr>
           <a:xfrm>
-            <a:off x="3174096" y="3654032"/>
-            <a:ext cx="1597356" cy="1"/>
-          </a:xfrm>
-          <a:prstGeom prst="straightConnector1">
+            <a:off x="8474304" y="2486652"/>
+            <a:ext cx="31464" cy="3700339"/>
+          </a:xfrm>
+          <a:prstGeom prst="line">
             <a:avLst/>
           </a:prstGeom>
           <a:ln w="19050">
-            <a:headEnd type="none" w="med" len="med"/>
-            <a:tailEnd type="arrow" w="med" len="med"/>
+            <a:solidFill>
+              <a:srgbClr val="0070C0"/>
+            </a:solidFill>
+            <a:prstDash val="sysDash"/>
           </a:ln>
+          <a:effectLst/>
         </p:spPr>
         <p:style>
           <a:lnRef idx="1">
             <a:schemeClr val="accent1"/>
           </a:lnRef>
-          <a:fillRef idx="0">
+          <a:fillRef idx="2">
             <a:schemeClr val="accent1"/>
           </a:fillRef>
-          <a:effectRef idx="0">
+          <a:effectRef idx="1">
             <a:schemeClr val="accent1"/>
           </a:effectRef>
           <a:fontRef idx="minor">
-            <a:schemeClr val="tx1"/>
+            <a:schemeClr val="dk1"/>
           </a:fontRef>
         </p:style>
       </p:cxnSp>
       <p:sp>
         <p:nvSpPr>
-          <p:cNvPr id="45" name="Rectangle 44"/>
+          <p:cNvPr id="89" name="Rectangle 88">
+            <a:extLst>
+              <a:ext uri="{FF2B5EF4-FFF2-40B4-BE49-F238E27FC236}">
+                <a16:creationId xmlns:a16="http://schemas.microsoft.com/office/drawing/2014/main" id="{5F5ABA27-9C72-534D-9EA0-74C2CA589BEE}"/>
+              </a:ext>
+            </a:extLst>
+          </p:cNvPr>
           <p:cNvSpPr/>
           <p:nvPr/>
         </p:nvSpPr>
         <p:spPr>
           <a:xfrm>
-            <a:off x="4748885" y="3325350"/>
-            <a:ext cx="205843" cy="123165"/>
+            <a:off x="8409197" y="3795482"/>
+            <a:ext cx="160218" cy="152400"/>
           </a:xfrm>
           <a:prstGeom prst="rect">
             <a:avLst/>
@@ -5261,18 +5921,24 @@
       </p:sp>
       <p:cxnSp>
         <p:nvCxnSpPr>
-          <p:cNvPr id="46" name="Straight Connector 45"/>
+          <p:cNvPr id="91" name="Straight Arrow Connector 90">
+            <a:extLst>
+              <a:ext uri="{FF2B5EF4-FFF2-40B4-BE49-F238E27FC236}">
+                <a16:creationId xmlns:a16="http://schemas.microsoft.com/office/drawing/2014/main" id="{0F6B8497-36EE-6246-8B45-18899A3E5BAA}"/>
+              </a:ext>
+            </a:extLst>
+          </p:cNvPr>
           <p:cNvCxnSpPr>
             <a:cxnSpLocks/>
           </p:cNvCxnSpPr>
           <p:nvPr/>
         </p:nvCxnSpPr>
         <p:spPr>
-          <a:xfrm flipH="1">
-            <a:off x="4860411" y="3335767"/>
-            <a:ext cx="1047" cy="1186688"/>
-          </a:xfrm>
-          <a:prstGeom prst="line">
+          <a:xfrm>
+            <a:off x="6858000" y="3962400"/>
+            <a:ext cx="1534561" cy="0"/>
+          </a:xfrm>
+          <a:prstGeom prst="straightConnector1">
             <a:avLst/>
           </a:prstGeom>
           <a:ln w="19050">
@@ -5280,34 +5946,91 @@
               <a:srgbClr val="0070C0"/>
             </a:solidFill>
             <a:prstDash val="sysDash"/>
+            <a:headEnd type="arrow" w="med" len="med"/>
+            <a:tailEnd type="none" w="med" len="med"/>
           </a:ln>
-          <a:effectLst/>
         </p:spPr>
         <p:style>
           <a:lnRef idx="1">
             <a:schemeClr val="accent1"/>
           </a:lnRef>
-          <a:fillRef idx="2">
+          <a:fillRef idx="0">
             <a:schemeClr val="accent1"/>
           </a:fillRef>
-          <a:effectRef idx="1">
+          <a:effectRef idx="0">
             <a:schemeClr val="accent1"/>
           </a:effectRef>
           <a:fontRef idx="minor">
-            <a:schemeClr val="dk1"/>
+            <a:schemeClr val="tx1"/>
           </a:fontRef>
         </p:style>
       </p:cxnSp>
       <p:sp>
         <p:nvSpPr>
-          <p:cNvPr id="49" name="Rectangle 48"/>
+          <p:cNvPr id="92" name="TextBox 91">
+            <a:extLst>
+              <a:ext uri="{FF2B5EF4-FFF2-40B4-BE49-F238E27FC236}">
+                <a16:creationId xmlns:a16="http://schemas.microsoft.com/office/drawing/2014/main" id="{DB59BE52-C030-2348-8E3F-6ACFDB80BA1B}"/>
+              </a:ext>
+            </a:extLst>
+          </p:cNvPr>
+          <p:cNvSpPr txBox="1"/>
+          <p:nvPr/>
+        </p:nvSpPr>
+        <p:spPr>
+          <a:xfrm>
+            <a:off x="7487713" y="3538763"/>
+            <a:ext cx="855809" cy="215444"/>
+          </a:xfrm>
+          <a:prstGeom prst="rect">
+            <a:avLst/>
+          </a:prstGeom>
+          <a:noFill/>
+        </p:spPr>
+        <p:txBody>
+          <a:bodyPr wrap="square" lIns="0" tIns="0" rIns="0" bIns="0" rtlCol="0">
+            <a:spAutoFit/>
+          </a:bodyPr>
+          <a:lstStyle>
+            <a:defPPr>
+              <a:defRPr lang="en-US"/>
+            </a:defPPr>
+            <a:lvl1pPr algn="r">
+              <a:defRPr sz="1400">
+                <a:solidFill>
+                  <a:srgbClr val="0070C0"/>
+                </a:solidFill>
+              </a:defRPr>
+            </a:lvl1pPr>
+          </a:lstStyle>
+          <a:p>
+            <a:r>
+              <a:rPr lang="en-US" dirty="0" err="1"/>
+              <a:t>getLatLng</a:t>
+            </a:r>
+            <a:r>
+              <a:rPr lang="en-US" dirty="0"/>
+              <a:t>()</a:t>
+            </a:r>
+          </a:p>
+        </p:txBody>
+      </p:sp>
+      <p:sp>
+        <p:nvSpPr>
+          <p:cNvPr id="72" name="Rectangle 71">
+            <a:extLst>
+              <a:ext uri="{FF2B5EF4-FFF2-40B4-BE49-F238E27FC236}">
+                <a16:creationId xmlns:a16="http://schemas.microsoft.com/office/drawing/2014/main" id="{6D0A6B1F-9686-2F40-90B1-D1AA86ECF39A}"/>
+              </a:ext>
+            </a:extLst>
+          </p:cNvPr>
           <p:cNvSpPr/>
           <p:nvPr/>
         </p:nvSpPr>
         <p:spPr>
           <a:xfrm>
-            <a:off x="4758537" y="3673450"/>
-            <a:ext cx="201572" cy="682771"/>
+            <a:off x="11321619" y="4552310"/>
+            <a:ext cx="172749" cy="145180"/>
           </a:xfrm>
           <a:prstGeom prst="rect">
             <a:avLst/>
@@ -5345,193 +6068,12 @@
           </a:p>
         </p:txBody>
       </p:sp>
-      <p:cxnSp>
-        <p:nvCxnSpPr>
-          <p:cNvPr id="51" name="Straight Arrow Connector 50"/>
-          <p:cNvCxnSpPr/>
-          <p:nvPr/>
-        </p:nvCxnSpPr>
-        <p:spPr>
-          <a:xfrm>
-            <a:off x="3187241" y="4343400"/>
-            <a:ext cx="1667219" cy="0"/>
-          </a:xfrm>
-          <a:prstGeom prst="straightConnector1">
-            <a:avLst/>
-          </a:prstGeom>
-          <a:ln w="19050">
-            <a:solidFill>
-              <a:srgbClr val="0070C0"/>
-            </a:solidFill>
-            <a:prstDash val="sysDash"/>
-            <a:headEnd type="arrow" w="med" len="med"/>
-            <a:tailEnd type="none" w="med" len="med"/>
-          </a:ln>
-        </p:spPr>
-        <p:style>
-          <a:lnRef idx="1">
-            <a:schemeClr val="accent1"/>
-          </a:lnRef>
-          <a:fillRef idx="0">
-            <a:schemeClr val="accent1"/>
-          </a:fillRef>
-          <a:effectRef idx="0">
-            <a:schemeClr val="accent1"/>
-          </a:effectRef>
-          <a:fontRef idx="minor">
-            <a:schemeClr val="tx1"/>
-          </a:fontRef>
-        </p:style>
-      </p:cxnSp>
-      <p:cxnSp>
-        <p:nvCxnSpPr>
-          <p:cNvPr id="13" name="Straight Arrow Connector 12"/>
-          <p:cNvCxnSpPr/>
-          <p:nvPr/>
-        </p:nvCxnSpPr>
-        <p:spPr>
-          <a:xfrm>
-            <a:off x="6858000" y="5334000"/>
-            <a:ext cx="162246" cy="0"/>
-          </a:xfrm>
-          <a:prstGeom prst="straightConnector1">
-            <a:avLst/>
-          </a:prstGeom>
-          <a:ln w="19050">
-            <a:headEnd type="none" w="med" len="med"/>
-            <a:tailEnd type="arrow" w="med" len="med"/>
-          </a:ln>
-        </p:spPr>
-        <p:style>
-          <a:lnRef idx="1">
-            <a:schemeClr val="accent1"/>
-          </a:lnRef>
-          <a:fillRef idx="0">
-            <a:schemeClr val="accent1"/>
-          </a:fillRef>
-          <a:effectRef idx="0">
-            <a:schemeClr val="accent1"/>
-          </a:effectRef>
-          <a:fontRef idx="minor">
-            <a:schemeClr val="tx1"/>
-          </a:fontRef>
-        </p:style>
-      </p:cxnSp>
-      <p:cxnSp>
-        <p:nvCxnSpPr>
-          <p:cNvPr id="50" name="Straight Arrow Connector 49"/>
-          <p:cNvCxnSpPr>
-            <a:cxnSpLocks/>
-          </p:cNvCxnSpPr>
-          <p:nvPr/>
-        </p:nvCxnSpPr>
-        <p:spPr>
-          <a:xfrm>
-            <a:off x="3187241" y="3276600"/>
-            <a:ext cx="627607" cy="0"/>
-          </a:xfrm>
-          <a:prstGeom prst="straightConnector1">
-            <a:avLst/>
-          </a:prstGeom>
-          <a:ln w="19050">
-            <a:solidFill>
-              <a:srgbClr val="0070C0"/>
-            </a:solidFill>
-            <a:tailEnd type="arrow"/>
-          </a:ln>
-        </p:spPr>
-        <p:style>
-          <a:lnRef idx="1">
-            <a:schemeClr val="accent1"/>
-          </a:lnRef>
-          <a:fillRef idx="0">
-            <a:schemeClr val="accent1"/>
-          </a:fillRef>
-          <a:effectRef idx="0">
-            <a:schemeClr val="accent1"/>
-          </a:effectRef>
-          <a:fontRef idx="minor">
-            <a:schemeClr val="tx1"/>
-          </a:fontRef>
-        </p:style>
-      </p:cxnSp>
-      <p:cxnSp>
-        <p:nvCxnSpPr>
-          <p:cNvPr id="52" name="Straight Arrow Connector 51"/>
-          <p:cNvCxnSpPr/>
-          <p:nvPr/>
-        </p:nvCxnSpPr>
-        <p:spPr>
-          <a:xfrm>
-            <a:off x="3174096" y="3429000"/>
-            <a:ext cx="1600428" cy="0"/>
-          </a:xfrm>
-          <a:prstGeom prst="straightConnector1">
-            <a:avLst/>
-          </a:prstGeom>
-          <a:ln w="19050">
-            <a:solidFill>
-              <a:srgbClr val="0070C0"/>
-            </a:solidFill>
-            <a:prstDash val="sysDash"/>
-            <a:headEnd type="arrow" w="med" len="med"/>
-            <a:tailEnd type="none" w="med" len="med"/>
-          </a:ln>
-        </p:spPr>
-        <p:style>
-          <a:lnRef idx="1">
-            <a:schemeClr val="accent1"/>
-          </a:lnRef>
-          <a:fillRef idx="0">
-            <a:schemeClr val="accent1"/>
-          </a:fillRef>
-          <a:effectRef idx="0">
-            <a:schemeClr val="accent1"/>
-          </a:effectRef>
-          <a:fontRef idx="minor">
-            <a:schemeClr val="tx1"/>
-          </a:fontRef>
-        </p:style>
-      </p:cxnSp>
-      <p:sp>
-        <p:nvSpPr>
-          <p:cNvPr id="4" name="TextBox 3"/>
-          <p:cNvSpPr txBox="1"/>
-          <p:nvPr/>
-        </p:nvSpPr>
-        <p:spPr>
-          <a:xfrm>
-            <a:off x="4724400" y="4386590"/>
-            <a:ext cx="258404" cy="261610"/>
-          </a:xfrm>
-          <a:prstGeom prst="rect">
-            <a:avLst/>
-          </a:prstGeom>
-          <a:noFill/>
-        </p:spPr>
-        <p:txBody>
-          <a:bodyPr wrap="none" rtlCol="0">
-            <a:spAutoFit/>
-          </a:bodyPr>
-          <a:lstStyle/>
-          <a:p>
-            <a:r>
-              <a:rPr lang="en-SG" sz="1100" dirty="0">
-                <a:solidFill>
-                  <a:srgbClr val="002060"/>
-                </a:solidFill>
-              </a:rPr>
-              <a:t>X</a:t>
-            </a:r>
-          </a:p>
-        </p:txBody>
-      </p:sp>
-      <p:sp>
-        <p:nvSpPr>
-          <p:cNvPr id="63" name="TextBox 62">
+      <p:sp>
+        <p:nvSpPr>
+          <p:cNvPr id="74" name="TextBox 73">
             <a:extLst>
               <a:ext uri="{FF2B5EF4-FFF2-40B4-BE49-F238E27FC236}">
-                <a16:creationId xmlns:a16="http://schemas.microsoft.com/office/drawing/2014/main" id="{0F5E6DEF-4744-3743-8031-4CC72C9EE704}"/>
+                <a16:creationId xmlns:a16="http://schemas.microsoft.com/office/drawing/2014/main" id="{F6446FB7-C0C5-CE48-AF8D-74CB5D055FEE}"/>
               </a:ext>
             </a:extLst>
           </p:cNvPr>
@@ -5540,8 +6082,8 @@
         </p:nvSpPr>
         <p:spPr>
           <a:xfrm>
-            <a:off x="994307" y="2896251"/>
-            <a:ext cx="2010593" cy="215444"/>
+            <a:off x="4111410" y="4121378"/>
+            <a:ext cx="220343" cy="215444"/>
           </a:xfrm>
           <a:prstGeom prst="rect">
             <a:avLst/>
@@ -5552,148 +6094,33 @@
           <a:bodyPr wrap="square" lIns="0" tIns="0" rIns="0" bIns="0" rtlCol="0">
             <a:spAutoFit/>
           </a:bodyPr>
-          <a:lstStyle/>
-          <a:p>
-            <a:pPr algn="r"/>
-            <a:r>
-              <a:rPr lang="en-US" sz="1400" dirty="0">
+          <a:lstStyle>
+            <a:defPPr>
+              <a:defRPr lang="en-US"/>
+            </a:defPPr>
+            <a:lvl1pPr algn="r">
+              <a:defRPr sz="1400">
                 <a:solidFill>
                   <a:srgbClr val="0070C0"/>
                 </a:solidFill>
-              </a:rPr>
-              <a:t>execute(“</a:t>
-            </a:r>
-            <a:r>
-              <a:rPr lang="en-US" sz="1400" dirty="0" err="1">
-                <a:solidFill>
-                  <a:srgbClr val="0070C0"/>
-                </a:solidFill>
-              </a:rPr>
+              </a:defRPr>
+            </a:lvl1pPr>
+          </a:lstStyle>
+          <a:p>
+            <a:r>
+              <a:rPr lang="en-US" dirty="0" err="1"/>
               <a:t>er</a:t>
             </a:r>
-            <a:r>
-              <a:rPr lang="en-US" sz="1400" dirty="0">
-                <a:solidFill>
-                  <a:srgbClr val="0070C0"/>
-                </a:solidFill>
-              </a:rPr>
-              <a:t> </a:t>
-            </a:r>
-            <a:r>
-              <a:rPr lang="en-US" sz="1400" dirty="0" err="1">
-                <a:solidFill>
-                  <a:srgbClr val="0070C0"/>
-                </a:solidFill>
-              </a:rPr>
-              <a:t>punggol</a:t>
-            </a:r>
-            <a:r>
-              <a:rPr lang="en-US" sz="1400" dirty="0">
-                <a:solidFill>
-                  <a:srgbClr val="0070C0"/>
-                </a:solidFill>
-              </a:rPr>
-              <a:t> nus”)</a:t>
-            </a:r>
-          </a:p>
-        </p:txBody>
-      </p:sp>
-      <p:cxnSp>
-        <p:nvCxnSpPr>
-          <p:cNvPr id="66" name="Straight Arrow Connector 65">
+            <a:endParaRPr lang="en-US" dirty="0"/>
+          </a:p>
+        </p:txBody>
+      </p:sp>
+      <p:sp>
+        <p:nvSpPr>
+          <p:cNvPr id="78" name="Rectangle 62">
             <a:extLst>
               <a:ext uri="{FF2B5EF4-FFF2-40B4-BE49-F238E27FC236}">
-                <a16:creationId xmlns:a16="http://schemas.microsoft.com/office/drawing/2014/main" id="{2FD38EEE-90A4-8D40-B0A3-8735425EB8A9}"/>
-              </a:ext>
-            </a:extLst>
-          </p:cNvPr>
-          <p:cNvCxnSpPr>
-            <a:cxnSpLocks/>
-          </p:cNvCxnSpPr>
-          <p:nvPr/>
-        </p:nvCxnSpPr>
-        <p:spPr>
-          <a:xfrm flipV="1">
-            <a:off x="6858000" y="4114800"/>
-            <a:ext cx="1243302" cy="9341"/>
-          </a:xfrm>
-          <a:prstGeom prst="straightConnector1">
-            <a:avLst/>
-          </a:prstGeom>
-          <a:ln w="19050">
-            <a:solidFill>
-              <a:srgbClr val="0070C0"/>
-            </a:solidFill>
-            <a:tailEnd type="arrow"/>
-          </a:ln>
-        </p:spPr>
-        <p:style>
-          <a:lnRef idx="1">
-            <a:schemeClr val="accent1"/>
-          </a:lnRef>
-          <a:fillRef idx="0">
-            <a:schemeClr val="accent1"/>
-          </a:fillRef>
-          <a:effectRef idx="0">
-            <a:schemeClr val="accent1"/>
-          </a:effectRef>
-          <a:fontRef idx="minor">
-            <a:schemeClr val="tx1"/>
-          </a:fontRef>
-        </p:style>
-      </p:cxnSp>
-      <p:cxnSp>
-        <p:nvCxnSpPr>
-          <p:cNvPr id="67" name="Straight Arrow Connector 66">
-            <a:extLst>
-              <a:ext uri="{FF2B5EF4-FFF2-40B4-BE49-F238E27FC236}">
-                <a16:creationId xmlns:a16="http://schemas.microsoft.com/office/drawing/2014/main" id="{9B36F78C-99C4-CF4D-95BF-0DBBC404F127}"/>
-              </a:ext>
-            </a:extLst>
-          </p:cNvPr>
-          <p:cNvCxnSpPr>
-            <a:cxnSpLocks/>
-          </p:cNvCxnSpPr>
-          <p:nvPr/>
-        </p:nvCxnSpPr>
-        <p:spPr>
-          <a:xfrm>
-            <a:off x="6846147" y="4191000"/>
-            <a:ext cx="1222309" cy="0"/>
-          </a:xfrm>
-          <a:prstGeom prst="straightConnector1">
-            <a:avLst/>
-          </a:prstGeom>
-          <a:ln w="19050">
-            <a:solidFill>
-              <a:srgbClr val="0070C0"/>
-            </a:solidFill>
-            <a:prstDash val="sysDash"/>
-            <a:headEnd type="arrow" w="med" len="med"/>
-            <a:tailEnd type="none" w="med" len="med"/>
-          </a:ln>
-        </p:spPr>
-        <p:style>
-          <a:lnRef idx="1">
-            <a:schemeClr val="accent1"/>
-          </a:lnRef>
-          <a:fillRef idx="0">
-            <a:schemeClr val="accent1"/>
-          </a:fillRef>
-          <a:effectRef idx="0">
-            <a:schemeClr val="accent1"/>
-          </a:effectRef>
-          <a:fontRef idx="minor">
-            <a:schemeClr val="tx1"/>
-          </a:fontRef>
-        </p:style>
-      </p:cxnSp>
-      <p:sp>
-        <p:nvSpPr>
-          <p:cNvPr id="69" name="Rectangle 62">
-            <a:extLst>
-              <a:ext uri="{FF2B5EF4-FFF2-40B4-BE49-F238E27FC236}">
-                <a16:creationId xmlns:a16="http://schemas.microsoft.com/office/drawing/2014/main" id="{7613AFBB-054B-184C-BC8C-3EFD16166BF0}"/>
+                <a16:creationId xmlns:a16="http://schemas.microsoft.com/office/drawing/2014/main" id="{0293E273-D522-BA4A-8818-9167E9586C68}"/>
               </a:ext>
             </a:extLst>
           </p:cNvPr>
@@ -5702,8 +6129,8 @@
         </p:nvSpPr>
         <p:spPr>
           <a:xfrm>
-            <a:off x="7418631" y="1287356"/>
-            <a:ext cx="1344369" cy="437327"/>
+            <a:off x="8774289" y="2646992"/>
+            <a:ext cx="1857258" cy="437327"/>
           </a:xfrm>
           <a:prstGeom prst="rect">
             <a:avLst/>
@@ -5743,7 +6170,7 @@
                   <a:schemeClr val="bg1"/>
                 </a:solidFill>
               </a:rPr>
-              <a:t>er:MapPanel</a:t>
+              <a:t>er:DistanceEstimate</a:t>
             </a:r>
             <a:endParaRPr lang="en-SG" sz="1600" dirty="0">
               <a:solidFill>
@@ -5753,12 +6180,57 @@
           </a:p>
         </p:txBody>
       </p:sp>
-      <p:sp>
-        <p:nvSpPr>
-          <p:cNvPr id="85" name="Rectangle 84">
+      <p:cxnSp>
+        <p:nvCxnSpPr>
+          <p:cNvPr id="94" name="Straight Connector 93">
             <a:extLst>
               <a:ext uri="{FF2B5EF4-FFF2-40B4-BE49-F238E27FC236}">
-                <a16:creationId xmlns:a16="http://schemas.microsoft.com/office/drawing/2014/main" id="{7141E569-49C7-094B-B83A-4AE5C97BE759}"/>
+                <a16:creationId xmlns:a16="http://schemas.microsoft.com/office/drawing/2014/main" id="{9B5750E9-F437-164D-B683-8D5FE9FAC432}"/>
+              </a:ext>
+            </a:extLst>
+          </p:cNvPr>
+          <p:cNvCxnSpPr>
+            <a:cxnSpLocks/>
+          </p:cNvCxnSpPr>
+          <p:nvPr/>
+        </p:nvCxnSpPr>
+        <p:spPr>
+          <a:xfrm>
+            <a:off x="9637243" y="3074697"/>
+            <a:ext cx="10987" cy="3153968"/>
+          </a:xfrm>
+          <a:prstGeom prst="line">
+            <a:avLst/>
+          </a:prstGeom>
+          <a:ln w="19050">
+            <a:solidFill>
+              <a:srgbClr val="0070C0"/>
+            </a:solidFill>
+            <a:prstDash val="sysDash"/>
+          </a:ln>
+          <a:effectLst/>
+        </p:spPr>
+        <p:style>
+          <a:lnRef idx="1">
+            <a:schemeClr val="accent1"/>
+          </a:lnRef>
+          <a:fillRef idx="2">
+            <a:schemeClr val="accent1"/>
+          </a:fillRef>
+          <a:effectRef idx="1">
+            <a:schemeClr val="accent1"/>
+          </a:effectRef>
+          <a:fontRef idx="minor">
+            <a:schemeClr val="dk1"/>
+          </a:fontRef>
+        </p:style>
+      </p:cxnSp>
+      <p:sp>
+        <p:nvSpPr>
+          <p:cNvPr id="95" name="Rectangle 94">
+            <a:extLst>
+              <a:ext uri="{FF2B5EF4-FFF2-40B4-BE49-F238E27FC236}">
+                <a16:creationId xmlns:a16="http://schemas.microsoft.com/office/drawing/2014/main" id="{445CA2D6-2528-0746-B017-A215CFC32F46}"/>
               </a:ext>
             </a:extLst>
           </p:cNvPr>
@@ -5767,8 +6239,8 @@
         </p:nvSpPr>
         <p:spPr>
           <a:xfrm>
-            <a:off x="8088214" y="4114800"/>
-            <a:ext cx="172791" cy="103377"/>
+            <a:off x="9574640" y="4905576"/>
+            <a:ext cx="160218" cy="152400"/>
           </a:xfrm>
           <a:prstGeom prst="rect">
             <a:avLst/>
@@ -5808,10 +6280,10 @@
       </p:sp>
       <p:cxnSp>
         <p:nvCxnSpPr>
-          <p:cNvPr id="87" name="Straight Connector 86">
+          <p:cNvPr id="96" name="Straight Arrow Connector 95">
             <a:extLst>
               <a:ext uri="{FF2B5EF4-FFF2-40B4-BE49-F238E27FC236}">
-                <a16:creationId xmlns:a16="http://schemas.microsoft.com/office/drawing/2014/main" id="{7BD9EBA4-F827-CE4E-86A2-B858BCD7D359}"/>
+                <a16:creationId xmlns:a16="http://schemas.microsoft.com/office/drawing/2014/main" id="{A195DA60-2F08-D34C-888F-388A3CE44110}"/>
               </a:ext>
             </a:extLst>
           </p:cNvPr>
@@ -5822,41 +6294,86 @@
         </p:nvCxnSpPr>
         <p:spPr>
           <a:xfrm>
-            <a:off x="8160361" y="1752600"/>
-            <a:ext cx="23678" cy="5041002"/>
-          </a:xfrm>
-          <a:prstGeom prst="line">
+            <a:off x="6858000" y="4905576"/>
+            <a:ext cx="2715006" cy="0"/>
+          </a:xfrm>
+          <a:prstGeom prst="straightConnector1">
             <a:avLst/>
           </a:prstGeom>
           <a:ln w="19050">
             <a:solidFill>
               <a:srgbClr val="0070C0"/>
             </a:solidFill>
-            <a:prstDash val="sysDash"/>
+            <a:tailEnd type="arrow"/>
           </a:ln>
-          <a:effectLst/>
         </p:spPr>
         <p:style>
           <a:lnRef idx="1">
             <a:schemeClr val="accent1"/>
           </a:lnRef>
-          <a:fillRef idx="2">
+          <a:fillRef idx="0">
             <a:schemeClr val="accent1"/>
           </a:fillRef>
-          <a:effectRef idx="1">
+          <a:effectRef idx="0">
             <a:schemeClr val="accent1"/>
           </a:effectRef>
           <a:fontRef idx="minor">
-            <a:schemeClr val="dk1"/>
+            <a:schemeClr val="tx1"/>
           </a:fontRef>
         </p:style>
       </p:cxnSp>
-      <p:sp>
-        <p:nvSpPr>
-          <p:cNvPr id="88" name="TextBox 87">
+      <p:cxnSp>
+        <p:nvCxnSpPr>
+          <p:cNvPr id="97" name="Straight Arrow Connector 96">
             <a:extLst>
               <a:ext uri="{FF2B5EF4-FFF2-40B4-BE49-F238E27FC236}">
-                <a16:creationId xmlns:a16="http://schemas.microsoft.com/office/drawing/2014/main" id="{5FB6A843-B44F-0D4F-B1EE-B5A29E2358F0}"/>
+                <a16:creationId xmlns:a16="http://schemas.microsoft.com/office/drawing/2014/main" id="{4BD618F2-0B05-A64A-AE3B-DDB4BDCC9320}"/>
+              </a:ext>
+            </a:extLst>
+          </p:cNvPr>
+          <p:cNvCxnSpPr>
+            <a:cxnSpLocks/>
+          </p:cNvCxnSpPr>
+          <p:nvPr/>
+        </p:nvCxnSpPr>
+        <p:spPr>
+          <a:xfrm flipV="1">
+            <a:off x="6832064" y="5057976"/>
+            <a:ext cx="2740942" cy="6799"/>
+          </a:xfrm>
+          <a:prstGeom prst="straightConnector1">
+            <a:avLst/>
+          </a:prstGeom>
+          <a:ln w="19050">
+            <a:solidFill>
+              <a:schemeClr val="accent1"/>
+            </a:solidFill>
+            <a:prstDash val="sysDash"/>
+            <a:headEnd type="arrow" w="med" len="med"/>
+            <a:tailEnd type="none" w="med" len="med"/>
+          </a:ln>
+        </p:spPr>
+        <p:style>
+          <a:lnRef idx="1">
+            <a:schemeClr val="accent1"/>
+          </a:lnRef>
+          <a:fillRef idx="0">
+            <a:schemeClr val="accent1"/>
+          </a:fillRef>
+          <a:effectRef idx="0">
+            <a:schemeClr val="accent1"/>
+          </a:effectRef>
+          <a:fontRef idx="minor">
+            <a:schemeClr val="tx1"/>
+          </a:fontRef>
+        </p:style>
+      </p:cxnSp>
+      <p:sp>
+        <p:nvSpPr>
+          <p:cNvPr id="98" name="TextBox 97">
+            <a:extLst>
+              <a:ext uri="{FF2B5EF4-FFF2-40B4-BE49-F238E27FC236}">
+                <a16:creationId xmlns:a16="http://schemas.microsoft.com/office/drawing/2014/main" id="{0D0FB89B-0D60-CC41-9D63-888FB57493C6}"/>
               </a:ext>
             </a:extLst>
           </p:cNvPr>
@@ -5865,8 +6382,8 @@
         </p:nvSpPr>
         <p:spPr>
           <a:xfrm>
-            <a:off x="7009313" y="3915268"/>
-            <a:ext cx="855809" cy="215444"/>
+            <a:off x="7208816" y="4696519"/>
+            <a:ext cx="1862689" cy="215444"/>
           </a:xfrm>
           <a:prstGeom prst="rect">
             <a:avLst/>
@@ -5892,7 +6409,7 @@
           <a:p>
             <a:r>
               <a:rPr lang="en-US" dirty="0" err="1"/>
-              <a:t>getMap</a:t>
+              <a:t>calculateDistanceMatrix</a:t>
             </a:r>
             <a:r>
               <a:rPr lang="en-US" dirty="0"/>
@@ -5903,10 +6420,10 @@
       </p:sp>
       <p:sp>
         <p:nvSpPr>
-          <p:cNvPr id="53" name="TextBox 52">
+          <p:cNvPr id="99" name="TextBox 98">
             <a:extLst>
               <a:ext uri="{FF2B5EF4-FFF2-40B4-BE49-F238E27FC236}">
-                <a16:creationId xmlns:a16="http://schemas.microsoft.com/office/drawing/2014/main" id="{80F4BB9A-D4D4-2649-B75E-5C4C1B9CFBE7}"/>
+                <a16:creationId xmlns:a16="http://schemas.microsoft.com/office/drawing/2014/main" id="{ACD5DD97-76B4-394D-A1D1-777B43B10860}"/>
               </a:ext>
             </a:extLst>
           </p:cNvPr>
@@ -5915,8 +6432,247 @@
         </p:nvSpPr>
         <p:spPr>
           <a:xfrm>
-            <a:off x="6320549" y="4279377"/>
-            <a:ext cx="2854157" cy="215444"/>
+            <a:off x="2210988" y="1178652"/>
+            <a:ext cx="4635159" cy="430887"/>
+          </a:xfrm>
+          <a:prstGeom prst="rect">
+            <a:avLst/>
+          </a:prstGeom>
+          <a:noFill/>
+        </p:spPr>
+        <p:txBody>
+          <a:bodyPr wrap="square" lIns="0" tIns="0" rIns="0" bIns="0" rtlCol="0">
+            <a:spAutoFit/>
+          </a:bodyPr>
+          <a:lstStyle/>
+          <a:p>
+            <a:r>
+              <a:rPr lang="en-US" sz="1400" dirty="0">
+                <a:solidFill>
+                  <a:srgbClr val="0070C0"/>
+                </a:solidFill>
+              </a:rPr>
+              <a:t>String </a:t>
+            </a:r>
+            <a:r>
+              <a:rPr lang="en-US" sz="1400" dirty="0" err="1">
+                <a:solidFill>
+                  <a:srgbClr val="0070C0"/>
+                </a:solidFill>
+              </a:rPr>
+              <a:t>inputString</a:t>
+            </a:r>
+            <a:r>
+              <a:rPr lang="en-US" sz="1400" dirty="0">
+                <a:solidFill>
+                  <a:srgbClr val="0070C0"/>
+                </a:solidFill>
+              </a:rPr>
+              <a:t> = “</a:t>
+            </a:r>
+            <a:r>
+              <a:rPr lang="en-US" sz="1400" dirty="0" err="1">
+                <a:solidFill>
+                  <a:srgbClr val="0070C0"/>
+                </a:solidFill>
+              </a:rPr>
+              <a:t>estimateRoute</a:t>
+            </a:r>
+            <a:r>
+              <a:rPr lang="en-US" sz="1400" dirty="0">
+                <a:solidFill>
+                  <a:srgbClr val="0070C0"/>
+                </a:solidFill>
+              </a:rPr>
+              <a:t> </a:t>
+            </a:r>
+            <a:r>
+              <a:rPr lang="en-US" sz="1400" dirty="0" err="1">
+                <a:solidFill>
+                  <a:srgbClr val="0070C0"/>
+                </a:solidFill>
+              </a:rPr>
+              <a:t>sma</a:t>
+            </a:r>
+            <a:r>
+              <a:rPr lang="en-US" sz="1400" dirty="0">
+                <a:solidFill>
+                  <a:srgbClr val="0070C0"/>
+                </a:solidFill>
+              </a:rPr>
+              <a:t>/</a:t>
+            </a:r>
+            <a:r>
+              <a:rPr lang="en-US" sz="1400" dirty="0" err="1">
+                <a:solidFill>
+                  <a:srgbClr val="0070C0"/>
+                </a:solidFill>
+              </a:rPr>
+              <a:t>punggol</a:t>
+            </a:r>
+            <a:r>
+              <a:rPr lang="en-US" sz="1400" dirty="0">
+                <a:solidFill>
+                  <a:srgbClr val="0070C0"/>
+                </a:solidFill>
+              </a:rPr>
+              <a:t> </a:t>
+            </a:r>
+            <a:r>
+              <a:rPr lang="en-US" sz="1400" dirty="0" err="1">
+                <a:solidFill>
+                  <a:srgbClr val="0070C0"/>
+                </a:solidFill>
+              </a:rPr>
+              <a:t>ema</a:t>
+            </a:r>
+            <a:r>
+              <a:rPr lang="en-US" sz="1400" dirty="0">
+                <a:solidFill>
+                  <a:srgbClr val="0070C0"/>
+                </a:solidFill>
+              </a:rPr>
+              <a:t>/nus”</a:t>
+            </a:r>
+          </a:p>
+          <a:p>
+            <a:r>
+              <a:rPr lang="en-US" sz="1400" dirty="0">
+                <a:solidFill>
+                  <a:srgbClr val="0070C0"/>
+                </a:solidFill>
+              </a:rPr>
+              <a:t>String </a:t>
+            </a:r>
+            <a:r>
+              <a:rPr lang="en-US" sz="1400" dirty="0" err="1">
+                <a:solidFill>
+                  <a:srgbClr val="0070C0"/>
+                </a:solidFill>
+              </a:rPr>
+              <a:t>parsedInput</a:t>
+            </a:r>
+            <a:r>
+              <a:rPr lang="en-US" sz="1400" dirty="0">
+                <a:solidFill>
+                  <a:srgbClr val="0070C0"/>
+                </a:solidFill>
+              </a:rPr>
+              <a:t> = “</a:t>
+            </a:r>
+            <a:r>
+              <a:rPr lang="en-US" sz="1400" dirty="0" err="1">
+                <a:solidFill>
+                  <a:srgbClr val="0070C0"/>
+                </a:solidFill>
+              </a:rPr>
+              <a:t>sma</a:t>
+            </a:r>
+            <a:r>
+              <a:rPr lang="en-US" sz="1400" dirty="0">
+                <a:solidFill>
+                  <a:srgbClr val="0070C0"/>
+                </a:solidFill>
+              </a:rPr>
+              <a:t>/</a:t>
+            </a:r>
+            <a:r>
+              <a:rPr lang="en-US" sz="1400" dirty="0" err="1">
+                <a:solidFill>
+                  <a:srgbClr val="0070C0"/>
+                </a:solidFill>
+              </a:rPr>
+              <a:t>punggol</a:t>
+            </a:r>
+            <a:r>
+              <a:rPr lang="en-US" sz="1400" dirty="0">
+                <a:solidFill>
+                  <a:srgbClr val="0070C0"/>
+                </a:solidFill>
+              </a:rPr>
+              <a:t> </a:t>
+            </a:r>
+            <a:r>
+              <a:rPr lang="en-US" sz="1400" dirty="0" err="1">
+                <a:solidFill>
+                  <a:srgbClr val="0070C0"/>
+                </a:solidFill>
+              </a:rPr>
+              <a:t>ema</a:t>
+            </a:r>
+            <a:r>
+              <a:rPr lang="en-US" sz="1400" dirty="0">
+                <a:solidFill>
+                  <a:srgbClr val="0070C0"/>
+                </a:solidFill>
+              </a:rPr>
+              <a:t>/nus”</a:t>
+            </a:r>
+          </a:p>
+        </p:txBody>
+      </p:sp>
+      <p:cxnSp>
+        <p:nvCxnSpPr>
+          <p:cNvPr id="101" name="Straight Arrow Connector 100">
+            <a:extLst>
+              <a:ext uri="{FF2B5EF4-FFF2-40B4-BE49-F238E27FC236}">
+                <a16:creationId xmlns:a16="http://schemas.microsoft.com/office/drawing/2014/main" id="{19F78D21-E2E3-7A49-AE24-00EDBE36C74E}"/>
+              </a:ext>
+            </a:extLst>
+          </p:cNvPr>
+          <p:cNvCxnSpPr>
+            <a:cxnSpLocks/>
+          </p:cNvCxnSpPr>
+          <p:nvPr/>
+        </p:nvCxnSpPr>
+        <p:spPr>
+          <a:xfrm>
+            <a:off x="6832064" y="4191000"/>
+            <a:ext cx="4462501" cy="0"/>
+          </a:xfrm>
+          <a:prstGeom prst="straightConnector1">
+            <a:avLst/>
+          </a:prstGeom>
+          <a:ln w="19050">
+            <a:solidFill>
+              <a:srgbClr val="0070C0"/>
+            </a:solidFill>
+            <a:prstDash val="sysDash"/>
+            <a:headEnd type="arrow" w="med" len="med"/>
+            <a:tailEnd type="none" w="med" len="med"/>
+          </a:ln>
+        </p:spPr>
+        <p:style>
+          <a:lnRef idx="1">
+            <a:schemeClr val="accent1"/>
+          </a:lnRef>
+          <a:fillRef idx="0">
+            <a:schemeClr val="accent1"/>
+          </a:fillRef>
+          <a:effectRef idx="0">
+            <a:schemeClr val="accent1"/>
+          </a:effectRef>
+          <a:fontRef idx="minor">
+            <a:schemeClr val="tx1"/>
+          </a:fontRef>
+        </p:style>
+      </p:cxnSp>
+      <p:sp>
+        <p:nvSpPr>
+          <p:cNvPr id="102" name="TextBox 101">
+            <a:extLst>
+              <a:ext uri="{FF2B5EF4-FFF2-40B4-BE49-F238E27FC236}">
+                <a16:creationId xmlns:a16="http://schemas.microsoft.com/office/drawing/2014/main" id="{EE28F663-A2EF-1D4A-AC4D-A905481833BC}"/>
+              </a:ext>
+            </a:extLst>
+          </p:cNvPr>
+          <p:cNvSpPr txBox="1"/>
+          <p:nvPr/>
+        </p:nvSpPr>
+        <p:spPr>
+          <a:xfrm>
+            <a:off x="8537189" y="4168546"/>
+            <a:ext cx="855809" cy="215444"/>
           </a:xfrm>
           <a:prstGeom prst="rect">
             <a:avLst/>
@@ -5941,324 +6697,10 @@
           </a:lstStyle>
           <a:p>
             <a:r>
-              <a:rPr lang="en-US" dirty="0" err="1">
-                <a:solidFill>
-                  <a:srgbClr val="7030A0"/>
-                </a:solidFill>
-              </a:rPr>
-              <a:t>setRoute</a:t>
-            </a:r>
-            <a:r>
-              <a:rPr lang="en-US" dirty="0">
-                <a:solidFill>
-                  <a:srgbClr val="7030A0"/>
-                </a:solidFill>
-              </a:rPr>
-              <a:t>())</a:t>
-            </a:r>
-          </a:p>
-        </p:txBody>
-      </p:sp>
-      <p:cxnSp>
-        <p:nvCxnSpPr>
-          <p:cNvPr id="68" name="Straight Arrow Connector 67">
-            <a:extLst>
-              <a:ext uri="{FF2B5EF4-FFF2-40B4-BE49-F238E27FC236}">
-                <a16:creationId xmlns:a16="http://schemas.microsoft.com/office/drawing/2014/main" id="{C3CFE955-AF79-D349-8260-0BFA83F90787}"/>
-              </a:ext>
-            </a:extLst>
-          </p:cNvPr>
-          <p:cNvCxnSpPr>
-            <a:cxnSpLocks/>
-          </p:cNvCxnSpPr>
-          <p:nvPr/>
-        </p:nvCxnSpPr>
-        <p:spPr>
-          <a:xfrm>
-            <a:off x="6839208" y="3810000"/>
-            <a:ext cx="2445235" cy="8350"/>
-          </a:xfrm>
-          <a:prstGeom prst="straightConnector1">
-            <a:avLst/>
-          </a:prstGeom>
-          <a:ln w="19050">
-            <a:solidFill>
-              <a:srgbClr val="0070C0"/>
-            </a:solidFill>
-            <a:tailEnd type="arrow"/>
-          </a:ln>
-        </p:spPr>
-        <p:style>
-          <a:lnRef idx="1">
-            <a:schemeClr val="accent1"/>
-          </a:lnRef>
-          <a:fillRef idx="0">
-            <a:schemeClr val="accent1"/>
-          </a:fillRef>
-          <a:effectRef idx="0">
-            <a:schemeClr val="accent1"/>
-          </a:effectRef>
-          <a:fontRef idx="minor">
-            <a:schemeClr val="tx1"/>
-          </a:fontRef>
-        </p:style>
-      </p:cxnSp>
-      <p:sp>
-        <p:nvSpPr>
-          <p:cNvPr id="70" name="Rectangle 62">
-            <a:extLst>
-              <a:ext uri="{FF2B5EF4-FFF2-40B4-BE49-F238E27FC236}">
-                <a16:creationId xmlns:a16="http://schemas.microsoft.com/office/drawing/2014/main" id="{1D4FEE91-0FAB-2C40-A675-1C4B9F971016}"/>
-              </a:ext>
-            </a:extLst>
-          </p:cNvPr>
-          <p:cNvSpPr/>
-          <p:nvPr/>
-        </p:nvSpPr>
-        <p:spPr>
-          <a:xfrm>
-            <a:off x="8838109" y="1311597"/>
-            <a:ext cx="1438950" cy="437327"/>
-          </a:xfrm>
-          <a:prstGeom prst="rect">
-            <a:avLst/>
-          </a:prstGeom>
-          <a:solidFill>
-            <a:srgbClr val="0070C0"/>
-          </a:solidFill>
-          <a:ln w="19050">
-            <a:solidFill>
-              <a:srgbClr val="0070C0"/>
-            </a:solidFill>
-          </a:ln>
-          <a:effectLst/>
-        </p:spPr>
-        <p:style>
-          <a:lnRef idx="1">
-            <a:schemeClr val="accent2"/>
-          </a:lnRef>
-          <a:fillRef idx="2">
-            <a:schemeClr val="accent2"/>
-          </a:fillRef>
-          <a:effectRef idx="1">
-            <a:schemeClr val="accent2"/>
-          </a:effectRef>
-          <a:fontRef idx="minor">
-            <a:schemeClr val="dk1"/>
-          </a:fontRef>
-        </p:style>
-        <p:txBody>
-          <a:bodyPr rtlCol="0" anchor="ctr"/>
-          <a:lstStyle/>
-          <a:p>
-            <a:pPr algn="ctr"/>
-            <a:r>
-              <a:rPr lang="en-US" sz="1600" dirty="0" err="1">
-                <a:solidFill>
-                  <a:schemeClr val="bg1"/>
-                </a:solidFill>
-              </a:rPr>
-              <a:t>er:Geocoding</a:t>
-            </a:r>
-            <a:endParaRPr lang="en-SG" sz="1600" dirty="0">
-              <a:solidFill>
-                <a:schemeClr val="bg1"/>
-              </a:solidFill>
-            </a:endParaRPr>
-          </a:p>
-        </p:txBody>
-      </p:sp>
-      <p:cxnSp>
-        <p:nvCxnSpPr>
-          <p:cNvPr id="80" name="Straight Connector 79">
-            <a:extLst>
-              <a:ext uri="{FF2B5EF4-FFF2-40B4-BE49-F238E27FC236}">
-                <a16:creationId xmlns:a16="http://schemas.microsoft.com/office/drawing/2014/main" id="{4E071779-5FD5-4F46-9A35-152F82608AB6}"/>
-              </a:ext>
-            </a:extLst>
-          </p:cNvPr>
-          <p:cNvCxnSpPr>
-            <a:cxnSpLocks/>
-          </p:cNvCxnSpPr>
-          <p:nvPr/>
-        </p:nvCxnSpPr>
-        <p:spPr>
-          <a:xfrm>
-            <a:off x="9370584" y="1732291"/>
-            <a:ext cx="23678" cy="5041002"/>
-          </a:xfrm>
-          <a:prstGeom prst="line">
-            <a:avLst/>
-          </a:prstGeom>
-          <a:ln w="19050">
-            <a:solidFill>
-              <a:srgbClr val="0070C0"/>
-            </a:solidFill>
-            <a:prstDash val="sysDash"/>
-          </a:ln>
-          <a:effectLst/>
-        </p:spPr>
-        <p:style>
-          <a:lnRef idx="1">
-            <a:schemeClr val="accent1"/>
-          </a:lnRef>
-          <a:fillRef idx="2">
-            <a:schemeClr val="accent1"/>
-          </a:fillRef>
-          <a:effectRef idx="1">
-            <a:schemeClr val="accent1"/>
-          </a:effectRef>
-          <a:fontRef idx="minor">
-            <a:schemeClr val="dk1"/>
-          </a:fontRef>
-        </p:style>
-      </p:cxnSp>
-      <p:sp>
-        <p:nvSpPr>
-          <p:cNvPr id="89" name="Rectangle 88">
-            <a:extLst>
-              <a:ext uri="{FF2B5EF4-FFF2-40B4-BE49-F238E27FC236}">
-                <a16:creationId xmlns:a16="http://schemas.microsoft.com/office/drawing/2014/main" id="{5F5ABA27-9C72-534D-9EA0-74C2CA589BEE}"/>
-              </a:ext>
-            </a:extLst>
-          </p:cNvPr>
-          <p:cNvSpPr/>
-          <p:nvPr/>
-        </p:nvSpPr>
-        <p:spPr>
-          <a:xfrm>
-            <a:off x="9293647" y="3810000"/>
-            <a:ext cx="172791" cy="103377"/>
-          </a:xfrm>
-          <a:prstGeom prst="rect">
-            <a:avLst/>
-          </a:prstGeom>
-          <a:solidFill>
-            <a:srgbClr val="0070C0"/>
-          </a:solidFill>
-          <a:ln>
-            <a:solidFill>
-              <a:srgbClr val="0070C0"/>
-            </a:solidFill>
-          </a:ln>
-          <a:effectLst/>
-        </p:spPr>
-        <p:style>
-          <a:lnRef idx="1">
-            <a:schemeClr val="accent3"/>
-          </a:lnRef>
-          <a:fillRef idx="2">
-            <a:schemeClr val="accent3"/>
-          </a:fillRef>
-          <a:effectRef idx="1">
-            <a:schemeClr val="accent3"/>
-          </a:effectRef>
-          <a:fontRef idx="minor">
-            <a:schemeClr val="dk1"/>
-          </a:fontRef>
-        </p:style>
-        <p:txBody>
-          <a:bodyPr rtlCol="0" anchor="ctr"/>
-          <a:lstStyle/>
-          <a:p>
-            <a:pPr algn="ctr"/>
-            <a:endParaRPr lang="en-SG" sz="1400"/>
-          </a:p>
-        </p:txBody>
-      </p:sp>
-      <p:cxnSp>
-        <p:nvCxnSpPr>
-          <p:cNvPr id="91" name="Straight Arrow Connector 90">
-            <a:extLst>
-              <a:ext uri="{FF2B5EF4-FFF2-40B4-BE49-F238E27FC236}">
-                <a16:creationId xmlns:a16="http://schemas.microsoft.com/office/drawing/2014/main" id="{0F6B8497-36EE-6246-8B45-18899A3E5BAA}"/>
-              </a:ext>
-            </a:extLst>
-          </p:cNvPr>
-          <p:cNvCxnSpPr>
-            <a:cxnSpLocks/>
-          </p:cNvCxnSpPr>
-          <p:nvPr/>
-        </p:nvCxnSpPr>
-        <p:spPr>
-          <a:xfrm>
-            <a:off x="6858000" y="3962400"/>
-            <a:ext cx="2426443" cy="0"/>
-          </a:xfrm>
-          <a:prstGeom prst="straightConnector1">
-            <a:avLst/>
-          </a:prstGeom>
-          <a:ln w="19050">
-            <a:solidFill>
-              <a:srgbClr val="0070C0"/>
-            </a:solidFill>
-            <a:prstDash val="sysDash"/>
-            <a:headEnd type="arrow" w="med" len="med"/>
-            <a:tailEnd type="none" w="med" len="med"/>
-          </a:ln>
-        </p:spPr>
-        <p:style>
-          <a:lnRef idx="1">
-            <a:schemeClr val="accent1"/>
-          </a:lnRef>
-          <a:fillRef idx="0">
-            <a:schemeClr val="accent1"/>
-          </a:fillRef>
-          <a:effectRef idx="0">
-            <a:schemeClr val="accent1"/>
-          </a:effectRef>
-          <a:fontRef idx="minor">
-            <a:schemeClr val="tx1"/>
-          </a:fontRef>
-        </p:style>
-      </p:cxnSp>
-      <p:sp>
-        <p:nvSpPr>
-          <p:cNvPr id="92" name="TextBox 91">
-            <a:extLst>
-              <a:ext uri="{FF2B5EF4-FFF2-40B4-BE49-F238E27FC236}">
-                <a16:creationId xmlns:a16="http://schemas.microsoft.com/office/drawing/2014/main" id="{DB59BE52-C030-2348-8E3F-6ACFDB80BA1B}"/>
-              </a:ext>
-            </a:extLst>
-          </p:cNvPr>
-          <p:cNvSpPr txBox="1"/>
-          <p:nvPr/>
-        </p:nvSpPr>
-        <p:spPr>
-          <a:xfrm>
-            <a:off x="8399949" y="3581400"/>
-            <a:ext cx="855809" cy="215444"/>
-          </a:xfrm>
-          <a:prstGeom prst="rect">
-            <a:avLst/>
-          </a:prstGeom>
-          <a:noFill/>
-        </p:spPr>
-        <p:txBody>
-          <a:bodyPr wrap="square" lIns="0" tIns="0" rIns="0" bIns="0" rtlCol="0">
-            <a:spAutoFit/>
-          </a:bodyPr>
-          <a:lstStyle>
-            <a:defPPr>
-              <a:defRPr lang="en-US"/>
-            </a:defPPr>
-            <a:lvl1pPr algn="r">
-              <a:defRPr sz="1400">
-                <a:solidFill>
-                  <a:srgbClr val="0070C0"/>
-                </a:solidFill>
-              </a:defRPr>
-            </a:lvl1pPr>
-          </a:lstStyle>
-          <a:p>
-            <a:r>
               <a:rPr lang="en-US" dirty="0" err="1"/>
-              <a:t>getLatLng</a:t>
-            </a:r>
-            <a:r>
-              <a:rPr lang="en-US" dirty="0"/>
-              <a:t>()</a:t>
-            </a:r>
+              <a:t>actualMap</a:t>
+            </a:r>
+            <a:endParaRPr lang="en-US" dirty="0"/>
           </a:p>
         </p:txBody>
       </p:sp>

--- a/docs/diagrams/EstimateRouteSequenceDiagram.pptx
+++ b/docs/diagrams/EstimateRouteSequenceDiagram.pptx
@@ -3534,7 +3534,7 @@
         </p:nvSpPr>
         <p:spPr>
           <a:xfrm>
-            <a:off x="-336089" y="1905000"/>
+            <a:off x="-336089" y="1878703"/>
             <a:ext cx="11232689" cy="4610099"/>
           </a:xfrm>
           <a:prstGeom prst="roundRect">
@@ -3595,7 +3595,7 @@
         </p:nvSpPr>
         <p:spPr>
           <a:xfrm>
-            <a:off x="354992" y="2311002"/>
+            <a:off x="328780" y="2064434"/>
             <a:ext cx="1455629" cy="346760"/>
           </a:xfrm>
           <a:prstGeom prst="rect">
@@ -3657,13 +3657,15 @@
       <p:cxnSp>
         <p:nvCxnSpPr>
           <p:cNvPr id="5" name="Straight Connector 4"/>
-          <p:cNvCxnSpPr/>
+          <p:cNvCxnSpPr>
+            <a:cxnSpLocks/>
+          </p:cNvCxnSpPr>
           <p:nvPr/>
         </p:nvCxnSpPr>
         <p:spPr>
           <a:xfrm>
-            <a:off x="990600" y="2688466"/>
-            <a:ext cx="0" cy="2597583"/>
+            <a:off x="990600" y="2480266"/>
+            <a:ext cx="0" cy="2805783"/>
           </a:xfrm>
           <a:prstGeom prst="line">
             <a:avLst/>
@@ -3699,8 +3701,8 @@
         </p:nvSpPr>
         <p:spPr>
           <a:xfrm>
-            <a:off x="875244" y="3010911"/>
-            <a:ext cx="156190" cy="3373158"/>
+            <a:off x="875243" y="2646992"/>
+            <a:ext cx="171473" cy="3737077"/>
           </a:xfrm>
           <a:prstGeom prst="rect">
             <a:avLst/>
@@ -3855,8 +3857,8 @@
         </p:nvSpPr>
         <p:spPr>
           <a:xfrm>
-            <a:off x="2999167" y="3122097"/>
-            <a:ext cx="174929" cy="1331747"/>
+            <a:off x="2999167" y="2869167"/>
+            <a:ext cx="186830" cy="1584678"/>
           </a:xfrm>
           <a:prstGeom prst="rect">
             <a:avLst/>
@@ -3906,7 +3908,7 @@
         </p:nvSpPr>
         <p:spPr>
           <a:xfrm>
-            <a:off x="6268943" y="3059199"/>
+            <a:off x="6230013" y="2538114"/>
             <a:ext cx="1149688" cy="731515"/>
           </a:xfrm>
           <a:prstGeom prst="rect">
@@ -3983,8 +3985,8 @@
         </p:nvCxnSpPr>
         <p:spPr>
           <a:xfrm>
-            <a:off x="6760026" y="3745481"/>
-            <a:ext cx="10897" cy="2638588"/>
+            <a:off x="6762978" y="3282452"/>
+            <a:ext cx="7945" cy="3101617"/>
           </a:xfrm>
           <a:prstGeom prst="line">
             <a:avLst/>
@@ -4020,8 +4022,8 @@
         </p:nvSpPr>
         <p:spPr>
           <a:xfrm>
-            <a:off x="6680161" y="3745481"/>
-            <a:ext cx="159730" cy="610741"/>
+            <a:off x="6684882" y="3282452"/>
+            <a:ext cx="156191" cy="1073772"/>
           </a:xfrm>
           <a:prstGeom prst="rect">
             <a:avLst/>
@@ -4069,7 +4071,7 @@
         </p:nvCxnSpPr>
         <p:spPr>
           <a:xfrm>
-            <a:off x="-1167049" y="3010911"/>
+            <a:off x="-1167049" y="2646992"/>
             <a:ext cx="2042293" cy="0"/>
           </a:xfrm>
           <a:prstGeom prst="straightConnector1">
@@ -4107,7 +4109,7 @@
         </p:nvCxnSpPr>
         <p:spPr>
           <a:xfrm flipV="1">
-            <a:off x="1066800" y="3142349"/>
+            <a:off x="1080031" y="2889519"/>
             <a:ext cx="1919222" cy="1"/>
           </a:xfrm>
           <a:prstGeom prst="straightConnector1">
@@ -4143,7 +4145,7 @@
         </p:nvSpPr>
         <p:spPr>
           <a:xfrm>
-            <a:off x="-1167049" y="2754394"/>
+            <a:off x="-1213789" y="2438278"/>
             <a:ext cx="2010593" cy="215444"/>
           </a:xfrm>
           <a:prstGeom prst="rect">
@@ -4195,7 +4197,7 @@
         </p:nvCxnSpPr>
         <p:spPr>
           <a:xfrm flipV="1">
-            <a:off x="4970985" y="3789434"/>
+            <a:off x="4946928" y="3282525"/>
             <a:ext cx="1304981" cy="1"/>
           </a:xfrm>
           <a:prstGeom prst="straightConnector1">
@@ -4231,7 +4233,7 @@
         </p:nvSpPr>
         <p:spPr>
           <a:xfrm>
-            <a:off x="3569417" y="4614484"/>
+            <a:off x="3654857" y="4500963"/>
             <a:ext cx="855809" cy="215444"/>
           </a:xfrm>
           <a:prstGeom prst="rect">
@@ -4315,7 +4317,7 @@
         <p:spPr>
           <a:xfrm>
             <a:off x="1028701" y="4438755"/>
-            <a:ext cx="2057931" cy="15089"/>
+            <a:ext cx="2063881" cy="15090"/>
           </a:xfrm>
           <a:prstGeom prst="straightConnector1">
             <a:avLst/>
@@ -4392,7 +4394,7 @@
         </p:nvCxnSpPr>
         <p:spPr>
           <a:xfrm flipV="1">
-            <a:off x="1043814" y="4640980"/>
+            <a:off x="1060994" y="4513785"/>
             <a:ext cx="5652560" cy="7220"/>
           </a:xfrm>
           <a:prstGeom prst="straightConnector1">
@@ -4428,8 +4430,8 @@
         </p:nvSpPr>
         <p:spPr>
           <a:xfrm>
-            <a:off x="6705600" y="4466999"/>
-            <a:ext cx="143174" cy="1660553"/>
+            <a:off x="6705600" y="4531470"/>
+            <a:ext cx="135473" cy="1724546"/>
           </a:xfrm>
           <a:prstGeom prst="rect">
             <a:avLst/>
@@ -4477,8 +4479,8 @@
         </p:nvCxnSpPr>
         <p:spPr>
           <a:xfrm flipV="1">
-            <a:off x="6855181" y="4552310"/>
-            <a:ext cx="4439384" cy="22107"/>
+            <a:off x="6858000" y="4572000"/>
+            <a:ext cx="4437778" cy="16180"/>
           </a:xfrm>
           <a:prstGeom prst="straightConnector1">
             <a:avLst/>
@@ -4515,7 +4517,7 @@
         </p:nvCxnSpPr>
         <p:spPr>
           <a:xfrm flipV="1">
-            <a:off x="6846147" y="4713374"/>
+            <a:off x="6846116" y="4698965"/>
             <a:ext cx="4448418" cy="11026"/>
           </a:xfrm>
           <a:prstGeom prst="straightConnector1">
@@ -4555,7 +4557,7 @@
         </p:nvCxnSpPr>
         <p:spPr>
           <a:xfrm>
-            <a:off x="1031434" y="6127552"/>
+            <a:off x="1031434" y="6256016"/>
             <a:ext cx="5674166" cy="0"/>
           </a:xfrm>
           <a:prstGeom prst="straightConnector1">
@@ -4593,7 +4595,7 @@
         </p:nvSpPr>
         <p:spPr>
           <a:xfrm>
-            <a:off x="3193281" y="3687016"/>
+            <a:off x="3191440" y="3272259"/>
             <a:ext cx="1455519" cy="184666"/>
           </a:xfrm>
           <a:prstGeom prst="rect">
@@ -4721,7 +4723,7 @@
         </p:nvSpPr>
         <p:spPr>
           <a:xfrm>
-            <a:off x="7020246" y="5361138"/>
+            <a:off x="7030893" y="5546089"/>
             <a:ext cx="1590354" cy="461538"/>
           </a:xfrm>
           <a:prstGeom prst="rect">
@@ -4788,8 +4790,8 @@
         </p:nvSpPr>
         <p:spPr>
           <a:xfrm>
-            <a:off x="7733800" y="5848424"/>
-            <a:ext cx="152400" cy="171376"/>
+            <a:off x="7732382" y="6007626"/>
+            <a:ext cx="170015" cy="114317"/>
           </a:xfrm>
           <a:prstGeom prst="rect">
             <a:avLst/>
@@ -4835,7 +4837,7 @@
         </p:nvCxnSpPr>
         <p:spPr>
           <a:xfrm>
-            <a:off x="6832064" y="6019800"/>
+            <a:off x="6819669" y="6131821"/>
             <a:ext cx="966624" cy="0"/>
           </a:xfrm>
           <a:prstGeom prst="straightConnector1">
@@ -4914,8 +4916,8 @@
         </p:nvSpPr>
         <p:spPr>
           <a:xfrm>
-            <a:off x="3810000" y="2579556"/>
-            <a:ext cx="2421511" cy="727256"/>
+            <a:off x="3826890" y="2279834"/>
+            <a:ext cx="2336662" cy="727256"/>
           </a:xfrm>
           <a:prstGeom prst="rect">
             <a:avLst/>
@@ -4997,7 +4999,7 @@
         </p:nvCxnSpPr>
         <p:spPr>
           <a:xfrm>
-            <a:off x="3174096" y="3654032"/>
+            <a:off x="3162776" y="3237641"/>
             <a:ext cx="1597356" cy="1"/>
           </a:xfrm>
           <a:prstGeom prst="straightConnector1">
@@ -5031,8 +5033,8 @@
         </p:nvSpPr>
         <p:spPr>
           <a:xfrm>
-            <a:off x="4748885" y="3325350"/>
-            <a:ext cx="205843" cy="123165"/>
+            <a:off x="4748885" y="3013668"/>
+            <a:ext cx="212468" cy="118413"/>
           </a:xfrm>
           <a:prstGeom prst="rect">
             <a:avLst/>
@@ -5079,9 +5081,9 @@
           <p:nvPr/>
         </p:nvCxnSpPr>
         <p:spPr>
-          <a:xfrm flipH="1">
-            <a:off x="4860411" y="3335767"/>
-            <a:ext cx="1047" cy="1186688"/>
+          <a:xfrm>
+            <a:off x="4860412" y="2907163"/>
+            <a:ext cx="0" cy="1512437"/>
           </a:xfrm>
           <a:prstGeom prst="line">
             <a:avLst/>
@@ -5117,8 +5119,8 @@
         </p:nvSpPr>
         <p:spPr>
           <a:xfrm>
-            <a:off x="4758537" y="3673450"/>
-            <a:ext cx="201572" cy="682771"/>
+            <a:off x="4758536" y="3226266"/>
+            <a:ext cx="216697" cy="1129956"/>
           </a:xfrm>
           <a:prstGeom prst="rect">
             <a:avLst/>
@@ -5202,7 +5204,7 @@
         </p:nvCxnSpPr>
         <p:spPr>
           <a:xfrm>
-            <a:off x="6858000" y="5361138"/>
+            <a:off x="6868647" y="5577203"/>
             <a:ext cx="162246" cy="0"/>
           </a:xfrm>
           <a:prstGeom prst="straightConnector1">
@@ -5238,8 +5240,8 @@
         </p:nvCxnSpPr>
         <p:spPr>
           <a:xfrm>
-            <a:off x="3187241" y="3276600"/>
-            <a:ext cx="627607" cy="0"/>
+            <a:off x="3174096" y="2983386"/>
+            <a:ext cx="652793" cy="0"/>
           </a:xfrm>
           <a:prstGeom prst="straightConnector1">
             <a:avLst/>
@@ -5274,7 +5276,7 @@
         </p:nvCxnSpPr>
         <p:spPr>
           <a:xfrm>
-            <a:off x="3174096" y="3429000"/>
+            <a:off x="3207223" y="3132081"/>
             <a:ext cx="1600428" cy="0"/>
           </a:xfrm>
           <a:prstGeom prst="straightConnector1">
@@ -5312,7 +5314,7 @@
         </p:nvSpPr>
         <p:spPr>
           <a:xfrm>
-            <a:off x="4724400" y="4386590"/>
+            <a:off x="4724400" y="4343400"/>
             <a:ext cx="258404" cy="261610"/>
           </a:xfrm>
           <a:prstGeom prst="rect">
@@ -5351,7 +5353,7 @@
         </p:nvSpPr>
         <p:spPr>
           <a:xfrm>
-            <a:off x="994307" y="2896251"/>
+            <a:off x="780596" y="2653722"/>
             <a:ext cx="2010593" cy="215444"/>
           </a:xfrm>
           <a:prstGeom prst="rect">
@@ -5451,7 +5453,7 @@
         </p:nvSpPr>
         <p:spPr>
           <a:xfrm>
-            <a:off x="10701071" y="1200705"/>
+            <a:off x="10735808" y="1187122"/>
             <a:ext cx="1344369" cy="437327"/>
           </a:xfrm>
           <a:prstGeom prst="rect">
@@ -5487,12 +5489,12 @@
           <a:p>
             <a:pPr algn="ctr"/>
             <a:r>
-              <a:rPr lang="en-US" sz="1600" dirty="0" err="1">
+              <a:rPr lang="en-US" sz="1600" dirty="0">
                 <a:solidFill>
                   <a:schemeClr val="bg1"/>
                 </a:solidFill>
               </a:rPr>
-              <a:t>er:MapPanel</a:t>
+              <a:t>:Map</a:t>
             </a:r>
             <a:endParaRPr lang="en-SG" sz="1600" dirty="0">
               <a:solidFill>
@@ -5516,8 +5518,8 @@
         </p:nvSpPr>
         <p:spPr>
           <a:xfrm>
-            <a:off x="11300831" y="4087623"/>
-            <a:ext cx="172791" cy="103377"/>
+            <a:off x="11300831" y="4063457"/>
+            <a:ext cx="200066" cy="127544"/>
           </a:xfrm>
           <a:prstGeom prst="rect">
             <a:avLst/>
@@ -5614,8 +5616,8 @@
         </p:nvSpPr>
         <p:spPr>
           <a:xfrm>
-            <a:off x="9591750" y="3848012"/>
-            <a:ext cx="855809" cy="215444"/>
+            <a:off x="9577784" y="3905934"/>
+            <a:ext cx="998300" cy="215444"/>
           </a:xfrm>
           <a:prstGeom prst="rect">
             <a:avLst/>
@@ -5641,7 +5643,7 @@
           <a:p>
             <a:r>
               <a:rPr lang="en-US" dirty="0" err="1"/>
-              <a:t>getMap</a:t>
+              <a:t>clearRoute</a:t>
             </a:r>
             <a:r>
               <a:rPr lang="en-US" dirty="0"/>
@@ -5697,7 +5699,7 @@
                   </a:schemeClr>
                 </a:solidFill>
               </a:rPr>
-              <a:t>addRouteToMap</a:t>
+              <a:t>getDirectionRequest</a:t>
             </a:r>
             <a:r>
               <a:rPr lang="en-US" dirty="0">
@@ -5707,7 +5709,7 @@
                   </a:schemeClr>
                 </a:solidFill>
               </a:rPr>
-              <a:t>())</a:t>
+              <a:t>()</a:t>
             </a:r>
           </a:p>
         </p:txBody>
@@ -5728,7 +5730,7 @@
         </p:nvCxnSpPr>
         <p:spPr>
           <a:xfrm flipV="1">
-            <a:off x="6839208" y="3802233"/>
+            <a:off x="6851983" y="3644037"/>
             <a:ext cx="1553353" cy="7767"/>
           </a:xfrm>
           <a:prstGeom prst="straightConnector1">
@@ -5880,7 +5882,7 @@
         </p:nvSpPr>
         <p:spPr>
           <a:xfrm>
-            <a:off x="8409197" y="3795482"/>
+            <a:off x="8409485" y="3619369"/>
             <a:ext cx="160218" cy="152400"/>
           </a:xfrm>
           <a:prstGeom prst="rect">
@@ -5935,8 +5937,8 @@
         </p:nvCxnSpPr>
         <p:spPr>
           <a:xfrm>
-            <a:off x="6858000" y="3962400"/>
-            <a:ext cx="1534561" cy="0"/>
+            <a:off x="6845222" y="3771769"/>
+            <a:ext cx="1660546" cy="0"/>
           </a:xfrm>
           <a:prstGeom prst="straightConnector1">
             <a:avLst/>
@@ -5979,8 +5981,8 @@
         </p:nvSpPr>
         <p:spPr>
           <a:xfrm>
-            <a:off x="7487713" y="3538763"/>
-            <a:ext cx="855809" cy="215444"/>
+            <a:off x="6883889" y="3154881"/>
+            <a:ext cx="1415095" cy="215444"/>
           </a:xfrm>
           <a:prstGeom prst="rect">
             <a:avLst/>
@@ -6005,12 +6007,8 @@
           </a:lstStyle>
           <a:p>
             <a:r>
-              <a:rPr lang="en-US" dirty="0" err="1"/>
-              <a:t>getLatLng</a:t>
-            </a:r>
-            <a:r>
               <a:rPr lang="en-US" dirty="0"/>
-              <a:t>()</a:t>
+              <a:t>Method 1</a:t>
             </a:r>
           </a:p>
         </p:txBody>
@@ -6239,8 +6237,8 @@
         </p:nvSpPr>
         <p:spPr>
           <a:xfrm>
-            <a:off x="9574640" y="4905576"/>
-            <a:ext cx="160218" cy="152400"/>
+            <a:off x="9574639" y="4905576"/>
+            <a:ext cx="172482" cy="96089"/>
           </a:xfrm>
           <a:prstGeom prst="rect">
             <a:avLst/>
@@ -6338,7 +6336,7 @@
         </p:nvCxnSpPr>
         <p:spPr>
           <a:xfrm flipV="1">
-            <a:off x="6832064" y="5057976"/>
+            <a:off x="6861447" y="5000729"/>
             <a:ext cx="2740942" cy="6799"/>
           </a:xfrm>
           <a:prstGeom prst="straightConnector1">
@@ -6382,7 +6380,7 @@
         </p:nvSpPr>
         <p:spPr>
           <a:xfrm>
-            <a:off x="7208816" y="4696519"/>
+            <a:off x="6535889" y="4709830"/>
             <a:ext cx="1862689" cy="215444"/>
           </a:xfrm>
           <a:prstGeom prst="rect">
@@ -6408,12 +6406,8 @@
           </a:lstStyle>
           <a:p>
             <a:r>
-              <a:rPr lang="en-US" dirty="0" err="1"/>
-              <a:t>calculateDistanceMatrix</a:t>
-            </a:r>
-            <a:r>
               <a:rPr lang="en-US" dirty="0"/>
-              <a:t>()</a:t>
+              <a:t>Method 2</a:t>
             </a:r>
           </a:p>
         </p:txBody>
@@ -6432,8 +6426,8 @@
         </p:nvSpPr>
         <p:spPr>
           <a:xfrm>
-            <a:off x="2210988" y="1178652"/>
-            <a:ext cx="4635159" cy="430887"/>
+            <a:off x="2213959" y="878537"/>
+            <a:ext cx="5073852" cy="861774"/>
           </a:xfrm>
           <a:prstGeom prst="rect">
             <a:avLst/>
@@ -6607,6 +6601,74 @@
                 </a:solidFill>
               </a:rPr>
               <a:t>/nus”</a:t>
+            </a:r>
+          </a:p>
+          <a:p>
+            <a:r>
+              <a:rPr lang="en-US" sz="1400" dirty="0">
+                <a:solidFill>
+                  <a:srgbClr val="0070C0"/>
+                </a:solidFill>
+              </a:rPr>
+              <a:t>Method 1 = “</a:t>
+            </a:r>
+            <a:r>
+              <a:rPr lang="en-US" sz="1400" dirty="0" err="1">
+                <a:solidFill>
+                  <a:srgbClr val="0070C0"/>
+                </a:solidFill>
+              </a:rPr>
+              <a:t>initialiseLatLngFromAddress</a:t>
+            </a:r>
+            <a:r>
+              <a:rPr lang="en-US" sz="1400" dirty="0">
+                <a:solidFill>
+                  <a:srgbClr val="0070C0"/>
+                </a:solidFill>
+              </a:rPr>
+              <a:t>(String)”</a:t>
+            </a:r>
+          </a:p>
+          <a:p>
+            <a:r>
+              <a:rPr lang="en-US" sz="1400" dirty="0">
+                <a:solidFill>
+                  <a:srgbClr val="0070C0"/>
+                </a:solidFill>
+              </a:rPr>
+              <a:t>Method 2 = “</a:t>
+            </a:r>
+            <a:r>
+              <a:rPr lang="en-US" sz="1400" dirty="0" err="1">
+                <a:solidFill>
+                  <a:srgbClr val="0070C0"/>
+                </a:solidFill>
+              </a:rPr>
+              <a:t>calculateDistanceMatrix</a:t>
+            </a:r>
+            <a:r>
+              <a:rPr lang="en-US" sz="1400" dirty="0">
+                <a:solidFill>
+                  <a:srgbClr val="0070C0"/>
+                </a:solidFill>
+              </a:rPr>
+              <a:t>(</a:t>
+            </a:r>
+            <a:r>
+              <a:rPr lang="en-US" sz="1400" dirty="0" err="1">
+                <a:solidFill>
+                  <a:srgbClr val="0070C0"/>
+                </a:solidFill>
+              </a:rPr>
+              <a:t>LatLng,LatLng,TravelMode</a:t>
+            </a:r>
+            <a:r>
+              <a:rPr lang="en-US" sz="1400" dirty="0">
+                <a:solidFill>
+                  <a:srgbClr val="0070C0"/>
+                </a:solidFill>
+              </a:rPr>
+              <a:t>)”</a:t>
             </a:r>
           </a:p>
         </p:txBody>
@@ -6659,10 +6721,153 @@
       </p:cxnSp>
       <p:sp>
         <p:nvSpPr>
-          <p:cNvPr id="102" name="TextBox 101">
+          <p:cNvPr id="100" name="Rectangle 99">
             <a:extLst>
               <a:ext uri="{FF2B5EF4-FFF2-40B4-BE49-F238E27FC236}">
-                <a16:creationId xmlns:a16="http://schemas.microsoft.com/office/drawing/2014/main" id="{EE28F663-A2EF-1D4A-AC4D-A905481833BC}"/>
+                <a16:creationId xmlns:a16="http://schemas.microsoft.com/office/drawing/2014/main" id="{8FA461A7-E6B4-6D43-9DFE-0EFD8DF0451E}"/>
+              </a:ext>
+            </a:extLst>
+          </p:cNvPr>
+          <p:cNvSpPr/>
+          <p:nvPr/>
+        </p:nvSpPr>
+        <p:spPr>
+          <a:xfrm>
+            <a:off x="11306134" y="3810000"/>
+            <a:ext cx="194763" cy="95934"/>
+          </a:xfrm>
+          <a:prstGeom prst="rect">
+            <a:avLst/>
+          </a:prstGeom>
+          <a:solidFill>
+            <a:srgbClr val="0070C0"/>
+          </a:solidFill>
+          <a:ln>
+            <a:solidFill>
+              <a:srgbClr val="0070C0"/>
+            </a:solidFill>
+          </a:ln>
+          <a:effectLst/>
+        </p:spPr>
+        <p:style>
+          <a:lnRef idx="1">
+            <a:schemeClr val="accent3"/>
+          </a:lnRef>
+          <a:fillRef idx="2">
+            <a:schemeClr val="accent3"/>
+          </a:fillRef>
+          <a:effectRef idx="1">
+            <a:schemeClr val="accent3"/>
+          </a:effectRef>
+          <a:fontRef idx="minor">
+            <a:schemeClr val="dk1"/>
+          </a:fontRef>
+        </p:style>
+        <p:txBody>
+          <a:bodyPr rtlCol="0" anchor="ctr"/>
+          <a:lstStyle/>
+          <a:p>
+            <a:pPr algn="ctr"/>
+            <a:endParaRPr lang="en-SG" sz="1400"/>
+          </a:p>
+        </p:txBody>
+      </p:sp>
+      <p:cxnSp>
+        <p:nvCxnSpPr>
+          <p:cNvPr id="103" name="Straight Arrow Connector 102">
+            <a:extLst>
+              <a:ext uri="{FF2B5EF4-FFF2-40B4-BE49-F238E27FC236}">
+                <a16:creationId xmlns:a16="http://schemas.microsoft.com/office/drawing/2014/main" id="{1570D28B-7AB5-DE42-BC78-834F83C16DFC}"/>
+              </a:ext>
+            </a:extLst>
+          </p:cNvPr>
+          <p:cNvCxnSpPr>
+            <a:cxnSpLocks/>
+          </p:cNvCxnSpPr>
+          <p:nvPr/>
+        </p:nvCxnSpPr>
+        <p:spPr>
+          <a:xfrm>
+            <a:off x="6855181" y="3919722"/>
+            <a:ext cx="4462501" cy="0"/>
+          </a:xfrm>
+          <a:prstGeom prst="straightConnector1">
+            <a:avLst/>
+          </a:prstGeom>
+          <a:ln w="19050">
+            <a:solidFill>
+              <a:srgbClr val="0070C0"/>
+            </a:solidFill>
+            <a:prstDash val="sysDash"/>
+            <a:headEnd type="arrow" w="med" len="med"/>
+            <a:tailEnd type="none" w="med" len="med"/>
+          </a:ln>
+        </p:spPr>
+        <p:style>
+          <a:lnRef idx="1">
+            <a:schemeClr val="accent1"/>
+          </a:lnRef>
+          <a:fillRef idx="0">
+            <a:schemeClr val="accent1"/>
+          </a:fillRef>
+          <a:effectRef idx="0">
+            <a:schemeClr val="accent1"/>
+          </a:effectRef>
+          <a:fontRef idx="minor">
+            <a:schemeClr val="tx1"/>
+          </a:fontRef>
+        </p:style>
+      </p:cxnSp>
+      <p:cxnSp>
+        <p:nvCxnSpPr>
+          <p:cNvPr id="104" name="Straight Arrow Connector 103">
+            <a:extLst>
+              <a:ext uri="{FF2B5EF4-FFF2-40B4-BE49-F238E27FC236}">
+                <a16:creationId xmlns:a16="http://schemas.microsoft.com/office/drawing/2014/main" id="{DA0BDE4B-EA5C-9846-A051-3472D42B8C3C}"/>
+              </a:ext>
+            </a:extLst>
+          </p:cNvPr>
+          <p:cNvCxnSpPr>
+            <a:cxnSpLocks/>
+          </p:cNvCxnSpPr>
+          <p:nvPr/>
+        </p:nvCxnSpPr>
+        <p:spPr>
+          <a:xfrm flipV="1">
+            <a:off x="6878298" y="3796049"/>
+            <a:ext cx="4439384" cy="26064"/>
+          </a:xfrm>
+          <a:prstGeom prst="straightConnector1">
+            <a:avLst/>
+          </a:prstGeom>
+          <a:ln w="19050">
+            <a:solidFill>
+              <a:srgbClr val="0070C0"/>
+            </a:solidFill>
+            <a:tailEnd type="arrow"/>
+          </a:ln>
+        </p:spPr>
+        <p:style>
+          <a:lnRef idx="1">
+            <a:schemeClr val="accent1"/>
+          </a:lnRef>
+          <a:fillRef idx="0">
+            <a:schemeClr val="accent1"/>
+          </a:fillRef>
+          <a:effectRef idx="0">
+            <a:schemeClr val="accent1"/>
+          </a:effectRef>
+          <a:fontRef idx="minor">
+            <a:schemeClr val="tx1"/>
+          </a:fontRef>
+        </p:style>
+      </p:cxnSp>
+      <p:sp>
+        <p:nvSpPr>
+          <p:cNvPr id="105" name="TextBox 104">
+            <a:extLst>
+              <a:ext uri="{FF2B5EF4-FFF2-40B4-BE49-F238E27FC236}">
+                <a16:creationId xmlns:a16="http://schemas.microsoft.com/office/drawing/2014/main" id="{C13C7A8C-F968-D744-A60E-DF88F44A76C8}"/>
               </a:ext>
             </a:extLst>
           </p:cNvPr>
@@ -6671,8 +6876,8 @@
         </p:nvSpPr>
         <p:spPr>
           <a:xfrm>
-            <a:off x="8537189" y="4168546"/>
-            <a:ext cx="855809" cy="215444"/>
+            <a:off x="9063314" y="3555908"/>
+            <a:ext cx="1827490" cy="215444"/>
           </a:xfrm>
           <a:prstGeom prst="rect">
             <a:avLst/>
@@ -6698,9 +6903,591 @@
           <a:p>
             <a:r>
               <a:rPr lang="en-US" dirty="0" err="1"/>
-              <a:t>actualMap</a:t>
-            </a:r>
-            <a:endParaRPr lang="en-US" dirty="0"/>
+              <a:t>removeExistingMarker</a:t>
+            </a:r>
+            <a:r>
+              <a:rPr lang="en-US" dirty="0"/>
+              <a:t>()</a:t>
+            </a:r>
+          </a:p>
+        </p:txBody>
+      </p:sp>
+      <p:sp>
+        <p:nvSpPr>
+          <p:cNvPr id="106" name="Rectangle 105">
+            <a:extLst>
+              <a:ext uri="{FF2B5EF4-FFF2-40B4-BE49-F238E27FC236}">
+                <a16:creationId xmlns:a16="http://schemas.microsoft.com/office/drawing/2014/main" id="{1D117D33-1C9A-1848-A0B1-F939B2219A39}"/>
+              </a:ext>
+            </a:extLst>
+          </p:cNvPr>
+          <p:cNvSpPr/>
+          <p:nvPr/>
+        </p:nvSpPr>
+        <p:spPr>
+          <a:xfrm>
+            <a:off x="8389213" y="3341550"/>
+            <a:ext cx="180490" cy="112596"/>
+          </a:xfrm>
+          <a:prstGeom prst="rect">
+            <a:avLst/>
+          </a:prstGeom>
+          <a:solidFill>
+            <a:srgbClr val="0070C0"/>
+          </a:solidFill>
+          <a:ln>
+            <a:solidFill>
+              <a:srgbClr val="0070C0"/>
+            </a:solidFill>
+          </a:ln>
+          <a:effectLst/>
+        </p:spPr>
+        <p:style>
+          <a:lnRef idx="1">
+            <a:schemeClr val="accent3"/>
+          </a:lnRef>
+          <a:fillRef idx="2">
+            <a:schemeClr val="accent3"/>
+          </a:fillRef>
+          <a:effectRef idx="1">
+            <a:schemeClr val="accent3"/>
+          </a:effectRef>
+          <a:fontRef idx="minor">
+            <a:schemeClr val="dk1"/>
+          </a:fontRef>
+        </p:style>
+        <p:txBody>
+          <a:bodyPr rtlCol="0" anchor="ctr"/>
+          <a:lstStyle/>
+          <a:p>
+            <a:pPr algn="ctr"/>
+            <a:endParaRPr lang="en-SG" sz="1400"/>
+          </a:p>
+        </p:txBody>
+      </p:sp>
+      <p:cxnSp>
+        <p:nvCxnSpPr>
+          <p:cNvPr id="107" name="Straight Arrow Connector 106">
+            <a:extLst>
+              <a:ext uri="{FF2B5EF4-FFF2-40B4-BE49-F238E27FC236}">
+                <a16:creationId xmlns:a16="http://schemas.microsoft.com/office/drawing/2014/main" id="{01AE59A3-C3D9-B54C-BA3B-4D5C53E3507B}"/>
+              </a:ext>
+            </a:extLst>
+          </p:cNvPr>
+          <p:cNvCxnSpPr>
+            <a:cxnSpLocks/>
+          </p:cNvCxnSpPr>
+          <p:nvPr/>
+        </p:nvCxnSpPr>
+        <p:spPr>
+          <a:xfrm flipV="1">
+            <a:off x="6845222" y="3352539"/>
+            <a:ext cx="1553353" cy="7767"/>
+          </a:xfrm>
+          <a:prstGeom prst="straightConnector1">
+            <a:avLst/>
+          </a:prstGeom>
+          <a:ln w="19050">
+            <a:solidFill>
+              <a:srgbClr val="0070C0"/>
+            </a:solidFill>
+            <a:tailEnd type="arrow"/>
+          </a:ln>
+        </p:spPr>
+        <p:style>
+          <a:lnRef idx="1">
+            <a:schemeClr val="accent1"/>
+          </a:lnRef>
+          <a:fillRef idx="0">
+            <a:schemeClr val="accent1"/>
+          </a:fillRef>
+          <a:effectRef idx="0">
+            <a:schemeClr val="accent1"/>
+          </a:effectRef>
+          <a:fontRef idx="minor">
+            <a:schemeClr val="tx1"/>
+          </a:fontRef>
+        </p:style>
+      </p:cxnSp>
+      <p:cxnSp>
+        <p:nvCxnSpPr>
+          <p:cNvPr id="108" name="Straight Arrow Connector 107">
+            <a:extLst>
+              <a:ext uri="{FF2B5EF4-FFF2-40B4-BE49-F238E27FC236}">
+                <a16:creationId xmlns:a16="http://schemas.microsoft.com/office/drawing/2014/main" id="{090F67FA-D783-FE4E-A278-1434FEEA6505}"/>
+              </a:ext>
+            </a:extLst>
+          </p:cNvPr>
+          <p:cNvCxnSpPr>
+            <a:cxnSpLocks/>
+          </p:cNvCxnSpPr>
+          <p:nvPr/>
+        </p:nvCxnSpPr>
+        <p:spPr>
+          <a:xfrm>
+            <a:off x="6813758" y="3454146"/>
+            <a:ext cx="1660546" cy="0"/>
+          </a:xfrm>
+          <a:prstGeom prst="straightConnector1">
+            <a:avLst/>
+          </a:prstGeom>
+          <a:ln w="19050">
+            <a:solidFill>
+              <a:srgbClr val="0070C0"/>
+            </a:solidFill>
+            <a:prstDash val="sysDash"/>
+            <a:headEnd type="arrow" w="med" len="med"/>
+            <a:tailEnd type="none" w="med" len="med"/>
+          </a:ln>
+        </p:spPr>
+        <p:style>
+          <a:lnRef idx="1">
+            <a:schemeClr val="accent1"/>
+          </a:lnRef>
+          <a:fillRef idx="0">
+            <a:schemeClr val="accent1"/>
+          </a:fillRef>
+          <a:effectRef idx="0">
+            <a:schemeClr val="accent1"/>
+          </a:effectRef>
+          <a:fontRef idx="minor">
+            <a:schemeClr val="tx1"/>
+          </a:fontRef>
+        </p:style>
+      </p:cxnSp>
+      <p:sp>
+        <p:nvSpPr>
+          <p:cNvPr id="110" name="TextBox 109">
+            <a:extLst>
+              <a:ext uri="{FF2B5EF4-FFF2-40B4-BE49-F238E27FC236}">
+                <a16:creationId xmlns:a16="http://schemas.microsoft.com/office/drawing/2014/main" id="{7BE5275E-95B1-F348-A78E-05B5B386DFDA}"/>
+              </a:ext>
+            </a:extLst>
+          </p:cNvPr>
+          <p:cNvSpPr txBox="1"/>
+          <p:nvPr/>
+        </p:nvSpPr>
+        <p:spPr>
+          <a:xfrm>
+            <a:off x="7188003" y="3436361"/>
+            <a:ext cx="855809" cy="215444"/>
+          </a:xfrm>
+          <a:prstGeom prst="rect">
+            <a:avLst/>
+          </a:prstGeom>
+          <a:noFill/>
+        </p:spPr>
+        <p:txBody>
+          <a:bodyPr wrap="square" lIns="0" tIns="0" rIns="0" bIns="0" rtlCol="0">
+            <a:spAutoFit/>
+          </a:bodyPr>
+          <a:lstStyle>
+            <a:defPPr>
+              <a:defRPr lang="en-US"/>
+            </a:defPPr>
+            <a:lvl1pPr algn="r">
+              <a:defRPr sz="1400">
+                <a:solidFill>
+                  <a:srgbClr val="0070C0"/>
+                </a:solidFill>
+              </a:defRPr>
+            </a:lvl1pPr>
+          </a:lstStyle>
+          <a:p>
+            <a:r>
+              <a:rPr lang="en-US" dirty="0" err="1"/>
+              <a:t>getLatLng</a:t>
+            </a:r>
+            <a:r>
+              <a:rPr lang="en-US" dirty="0"/>
+              <a:t>()</a:t>
+            </a:r>
+          </a:p>
+        </p:txBody>
+      </p:sp>
+      <p:sp>
+        <p:nvSpPr>
+          <p:cNvPr id="112" name="Rectangle 111">
+            <a:extLst>
+              <a:ext uri="{FF2B5EF4-FFF2-40B4-BE49-F238E27FC236}">
+                <a16:creationId xmlns:a16="http://schemas.microsoft.com/office/drawing/2014/main" id="{DFEDC8E6-5EBC-B841-AA2B-999E7B7F7BC7}"/>
+              </a:ext>
+            </a:extLst>
+          </p:cNvPr>
+          <p:cNvSpPr/>
+          <p:nvPr/>
+        </p:nvSpPr>
+        <p:spPr>
+          <a:xfrm>
+            <a:off x="9558562" y="5123065"/>
+            <a:ext cx="172482" cy="96089"/>
+          </a:xfrm>
+          <a:prstGeom prst="rect">
+            <a:avLst/>
+          </a:prstGeom>
+          <a:solidFill>
+            <a:srgbClr val="0070C0"/>
+          </a:solidFill>
+          <a:ln>
+            <a:solidFill>
+              <a:srgbClr val="0070C0"/>
+            </a:solidFill>
+          </a:ln>
+          <a:effectLst/>
+        </p:spPr>
+        <p:style>
+          <a:lnRef idx="1">
+            <a:schemeClr val="accent3"/>
+          </a:lnRef>
+          <a:fillRef idx="2">
+            <a:schemeClr val="accent3"/>
+          </a:fillRef>
+          <a:effectRef idx="1">
+            <a:schemeClr val="accent3"/>
+          </a:effectRef>
+          <a:fontRef idx="minor">
+            <a:schemeClr val="dk1"/>
+          </a:fontRef>
+        </p:style>
+        <p:txBody>
+          <a:bodyPr rtlCol="0" anchor="ctr"/>
+          <a:lstStyle/>
+          <a:p>
+            <a:pPr algn="ctr"/>
+            <a:endParaRPr lang="en-SG" sz="1400"/>
+          </a:p>
+        </p:txBody>
+      </p:sp>
+      <p:cxnSp>
+        <p:nvCxnSpPr>
+          <p:cNvPr id="113" name="Straight Arrow Connector 112">
+            <a:extLst>
+              <a:ext uri="{FF2B5EF4-FFF2-40B4-BE49-F238E27FC236}">
+                <a16:creationId xmlns:a16="http://schemas.microsoft.com/office/drawing/2014/main" id="{89501CA0-B3C8-A042-9F61-65B986BBE29C}"/>
+              </a:ext>
+            </a:extLst>
+          </p:cNvPr>
+          <p:cNvCxnSpPr>
+            <a:cxnSpLocks/>
+          </p:cNvCxnSpPr>
+          <p:nvPr/>
+        </p:nvCxnSpPr>
+        <p:spPr>
+          <a:xfrm>
+            <a:off x="6861447" y="5136552"/>
+            <a:ext cx="2715006" cy="0"/>
+          </a:xfrm>
+          <a:prstGeom prst="straightConnector1">
+            <a:avLst/>
+          </a:prstGeom>
+          <a:ln w="19050">
+            <a:solidFill>
+              <a:srgbClr val="0070C0"/>
+            </a:solidFill>
+            <a:tailEnd type="arrow"/>
+          </a:ln>
+        </p:spPr>
+        <p:style>
+          <a:lnRef idx="1">
+            <a:schemeClr val="accent1"/>
+          </a:lnRef>
+          <a:fillRef idx="0">
+            <a:schemeClr val="accent1"/>
+          </a:fillRef>
+          <a:effectRef idx="0">
+            <a:schemeClr val="accent1"/>
+          </a:effectRef>
+          <a:fontRef idx="minor">
+            <a:schemeClr val="tx1"/>
+          </a:fontRef>
+        </p:style>
+      </p:cxnSp>
+      <p:cxnSp>
+        <p:nvCxnSpPr>
+          <p:cNvPr id="114" name="Straight Arrow Connector 113">
+            <a:extLst>
+              <a:ext uri="{FF2B5EF4-FFF2-40B4-BE49-F238E27FC236}">
+                <a16:creationId xmlns:a16="http://schemas.microsoft.com/office/drawing/2014/main" id="{9405226F-D78E-EF43-8CA2-30FCC8FF991C}"/>
+              </a:ext>
+            </a:extLst>
+          </p:cNvPr>
+          <p:cNvCxnSpPr>
+            <a:cxnSpLocks/>
+          </p:cNvCxnSpPr>
+          <p:nvPr/>
+        </p:nvCxnSpPr>
+        <p:spPr>
+          <a:xfrm flipV="1">
+            <a:off x="6845032" y="5210449"/>
+            <a:ext cx="2740942" cy="6799"/>
+          </a:xfrm>
+          <a:prstGeom prst="straightConnector1">
+            <a:avLst/>
+          </a:prstGeom>
+          <a:ln w="19050">
+            <a:solidFill>
+              <a:schemeClr val="accent1"/>
+            </a:solidFill>
+            <a:prstDash val="sysDash"/>
+            <a:headEnd type="arrow" w="med" len="med"/>
+            <a:tailEnd type="none" w="med" len="med"/>
+          </a:ln>
+        </p:spPr>
+        <p:style>
+          <a:lnRef idx="1">
+            <a:schemeClr val="accent1"/>
+          </a:lnRef>
+          <a:fillRef idx="0">
+            <a:schemeClr val="accent1"/>
+          </a:fillRef>
+          <a:effectRef idx="0">
+            <a:schemeClr val="accent1"/>
+          </a:effectRef>
+          <a:fontRef idx="minor">
+            <a:schemeClr val="tx1"/>
+          </a:fontRef>
+        </p:style>
+      </p:cxnSp>
+      <p:sp>
+        <p:nvSpPr>
+          <p:cNvPr id="115" name="TextBox 114">
+            <a:extLst>
+              <a:ext uri="{FF2B5EF4-FFF2-40B4-BE49-F238E27FC236}">
+                <a16:creationId xmlns:a16="http://schemas.microsoft.com/office/drawing/2014/main" id="{BEB263BE-4F2B-EE47-9CDB-156785FBD749}"/>
+              </a:ext>
+            </a:extLst>
+          </p:cNvPr>
+          <p:cNvSpPr txBox="1"/>
+          <p:nvPr/>
+        </p:nvSpPr>
+        <p:spPr>
+          <a:xfrm>
+            <a:off x="7287811" y="4963329"/>
+            <a:ext cx="1862689" cy="215444"/>
+          </a:xfrm>
+          <a:prstGeom prst="rect">
+            <a:avLst/>
+          </a:prstGeom>
+          <a:noFill/>
+        </p:spPr>
+        <p:txBody>
+          <a:bodyPr wrap="square" lIns="0" tIns="0" rIns="0" bIns="0" rtlCol="0">
+            <a:spAutoFit/>
+          </a:bodyPr>
+          <a:lstStyle>
+            <a:defPPr>
+              <a:defRPr lang="en-US"/>
+            </a:defPPr>
+            <a:lvl1pPr algn="r">
+              <a:defRPr sz="1400">
+                <a:solidFill>
+                  <a:srgbClr val="0070C0"/>
+                </a:solidFill>
+              </a:defRPr>
+            </a:lvl1pPr>
+          </a:lstStyle>
+          <a:p>
+            <a:r>
+              <a:rPr lang="en-US" dirty="0" err="1"/>
+              <a:t>getDistOriginDest</a:t>
+            </a:r>
+            <a:r>
+              <a:rPr lang="en-US" dirty="0"/>
+              <a:t>()</a:t>
+            </a:r>
+          </a:p>
+        </p:txBody>
+      </p:sp>
+      <p:sp>
+        <p:nvSpPr>
+          <p:cNvPr id="116" name="Rectangle 115">
+            <a:extLst>
+              <a:ext uri="{FF2B5EF4-FFF2-40B4-BE49-F238E27FC236}">
+                <a16:creationId xmlns:a16="http://schemas.microsoft.com/office/drawing/2014/main" id="{D62323B5-7EAF-114B-8B1A-2858C5209477}"/>
+              </a:ext>
+            </a:extLst>
+          </p:cNvPr>
+          <p:cNvSpPr/>
+          <p:nvPr/>
+        </p:nvSpPr>
+        <p:spPr>
+          <a:xfrm>
+            <a:off x="9573006" y="5360718"/>
+            <a:ext cx="172482" cy="96089"/>
+          </a:xfrm>
+          <a:prstGeom prst="rect">
+            <a:avLst/>
+          </a:prstGeom>
+          <a:solidFill>
+            <a:srgbClr val="0070C0"/>
+          </a:solidFill>
+          <a:ln>
+            <a:solidFill>
+              <a:srgbClr val="0070C0"/>
+            </a:solidFill>
+          </a:ln>
+          <a:effectLst/>
+        </p:spPr>
+        <p:style>
+          <a:lnRef idx="1">
+            <a:schemeClr val="accent3"/>
+          </a:lnRef>
+          <a:fillRef idx="2">
+            <a:schemeClr val="accent3"/>
+          </a:fillRef>
+          <a:effectRef idx="1">
+            <a:schemeClr val="accent3"/>
+          </a:effectRef>
+          <a:fontRef idx="minor">
+            <a:schemeClr val="dk1"/>
+          </a:fontRef>
+        </p:style>
+        <p:txBody>
+          <a:bodyPr rtlCol="0" anchor="ctr"/>
+          <a:lstStyle/>
+          <a:p>
+            <a:pPr algn="ctr"/>
+            <a:endParaRPr lang="en-SG" sz="1400"/>
+          </a:p>
+        </p:txBody>
+      </p:sp>
+      <p:cxnSp>
+        <p:nvCxnSpPr>
+          <p:cNvPr id="117" name="Straight Arrow Connector 116">
+            <a:extLst>
+              <a:ext uri="{FF2B5EF4-FFF2-40B4-BE49-F238E27FC236}">
+                <a16:creationId xmlns:a16="http://schemas.microsoft.com/office/drawing/2014/main" id="{FBB46D70-24AB-944A-8692-73D053E71B85}"/>
+              </a:ext>
+            </a:extLst>
+          </p:cNvPr>
+          <p:cNvCxnSpPr>
+            <a:cxnSpLocks/>
+          </p:cNvCxnSpPr>
+          <p:nvPr/>
+        </p:nvCxnSpPr>
+        <p:spPr>
+          <a:xfrm>
+            <a:off x="6858000" y="5367745"/>
+            <a:ext cx="2715006" cy="0"/>
+          </a:xfrm>
+          <a:prstGeom prst="straightConnector1">
+            <a:avLst/>
+          </a:prstGeom>
+          <a:ln w="19050">
+            <a:solidFill>
+              <a:srgbClr val="0070C0"/>
+            </a:solidFill>
+            <a:tailEnd type="arrow"/>
+          </a:ln>
+        </p:spPr>
+        <p:style>
+          <a:lnRef idx="1">
+            <a:schemeClr val="accent1"/>
+          </a:lnRef>
+          <a:fillRef idx="0">
+            <a:schemeClr val="accent1"/>
+          </a:fillRef>
+          <a:effectRef idx="0">
+            <a:schemeClr val="accent1"/>
+          </a:effectRef>
+          <a:fontRef idx="minor">
+            <a:schemeClr val="tx1"/>
+          </a:fontRef>
+        </p:style>
+      </p:cxnSp>
+      <p:cxnSp>
+        <p:nvCxnSpPr>
+          <p:cNvPr id="118" name="Straight Arrow Connector 117">
+            <a:extLst>
+              <a:ext uri="{FF2B5EF4-FFF2-40B4-BE49-F238E27FC236}">
+                <a16:creationId xmlns:a16="http://schemas.microsoft.com/office/drawing/2014/main" id="{8FAF9F91-D665-204B-9AC4-6094262372ED}"/>
+              </a:ext>
+            </a:extLst>
+          </p:cNvPr>
+          <p:cNvCxnSpPr>
+            <a:cxnSpLocks/>
+          </p:cNvCxnSpPr>
+          <p:nvPr/>
+        </p:nvCxnSpPr>
+        <p:spPr>
+          <a:xfrm flipV="1">
+            <a:off x="6854172" y="5463180"/>
+            <a:ext cx="2740942" cy="6799"/>
+          </a:xfrm>
+          <a:prstGeom prst="straightConnector1">
+            <a:avLst/>
+          </a:prstGeom>
+          <a:ln w="19050">
+            <a:solidFill>
+              <a:schemeClr val="accent1"/>
+            </a:solidFill>
+            <a:prstDash val="sysDash"/>
+            <a:headEnd type="arrow" w="med" len="med"/>
+            <a:tailEnd type="none" w="med" len="med"/>
+          </a:ln>
+        </p:spPr>
+        <p:style>
+          <a:lnRef idx="1">
+            <a:schemeClr val="accent1"/>
+          </a:lnRef>
+          <a:fillRef idx="0">
+            <a:schemeClr val="accent1"/>
+          </a:fillRef>
+          <a:effectRef idx="0">
+            <a:schemeClr val="accent1"/>
+          </a:effectRef>
+          <a:fontRef idx="minor">
+            <a:schemeClr val="tx1"/>
+          </a:fontRef>
+        </p:style>
+      </p:cxnSp>
+      <p:sp>
+        <p:nvSpPr>
+          <p:cNvPr id="119" name="TextBox 118">
+            <a:extLst>
+              <a:ext uri="{FF2B5EF4-FFF2-40B4-BE49-F238E27FC236}">
+                <a16:creationId xmlns:a16="http://schemas.microsoft.com/office/drawing/2014/main" id="{DA470238-1847-1A44-8009-8438F48588C4}"/>
+              </a:ext>
+            </a:extLst>
+          </p:cNvPr>
+          <p:cNvSpPr txBox="1"/>
+          <p:nvPr/>
+        </p:nvSpPr>
+        <p:spPr>
+          <a:xfrm>
+            <a:off x="7255868" y="5185146"/>
+            <a:ext cx="1862689" cy="215444"/>
+          </a:xfrm>
+          <a:prstGeom prst="rect">
+            <a:avLst/>
+          </a:prstGeom>
+          <a:noFill/>
+        </p:spPr>
+        <p:txBody>
+          <a:bodyPr wrap="square" lIns="0" tIns="0" rIns="0" bIns="0" rtlCol="0">
+            <a:spAutoFit/>
+          </a:bodyPr>
+          <a:lstStyle>
+            <a:defPPr>
+              <a:defRPr lang="en-US"/>
+            </a:defPPr>
+            <a:lvl1pPr algn="r">
+              <a:defRPr sz="1400">
+                <a:solidFill>
+                  <a:srgbClr val="0070C0"/>
+                </a:solidFill>
+              </a:defRPr>
+            </a:lvl1pPr>
+          </a:lstStyle>
+          <a:p>
+            <a:r>
+              <a:rPr lang="en-US" dirty="0" err="1"/>
+              <a:t>getTravelTime</a:t>
+            </a:r>
+            <a:r>
+              <a:rPr lang="en-US" dirty="0"/>
+              <a:t>()</a:t>
+            </a:r>
           </a:p>
         </p:txBody>
       </p:sp>

--- a/docs/diagrams/EstimateRouteSequenceDiagram.pptx
+++ b/docs/diagrams/EstimateRouteSequenceDiagram.pptx
@@ -208,7 +208,7 @@
           <a:p>
             <a:fld id="{F5CC4B3F-88C1-4FFA-B1B6-F41C21DC6924}" type="datetimeFigureOut">
               <a:rPr lang="en-US" smtClean="0"/>
-              <a:t>3/30/18</a:t>
+              <a:t>4/9/18</a:t>
             </a:fld>
             <a:endParaRPr lang="en-US"/>
           </a:p>
@@ -738,7 +738,7 @@
           <a:p>
             <a:fld id="{78C97017-6FC3-485B-9764-EAC9E56C1D49}" type="datetimeFigureOut">
               <a:rPr lang="en-US" smtClean="0"/>
-              <a:t>3/30/18</a:t>
+              <a:t>4/9/18</a:t>
             </a:fld>
             <a:endParaRPr lang="en-US"/>
           </a:p>
@@ -906,7 +906,7 @@
           <a:p>
             <a:fld id="{78C97017-6FC3-485B-9764-EAC9E56C1D49}" type="datetimeFigureOut">
               <a:rPr lang="en-US" smtClean="0"/>
-              <a:t>3/30/18</a:t>
+              <a:t>4/9/18</a:t>
             </a:fld>
             <a:endParaRPr lang="en-US"/>
           </a:p>
@@ -1084,7 +1084,7 @@
           <a:p>
             <a:fld id="{78C97017-6FC3-485B-9764-EAC9E56C1D49}" type="datetimeFigureOut">
               <a:rPr lang="en-US" smtClean="0"/>
-              <a:t>3/30/18</a:t>
+              <a:t>4/9/18</a:t>
             </a:fld>
             <a:endParaRPr lang="en-US"/>
           </a:p>
@@ -1252,7 +1252,7 @@
           <a:p>
             <a:fld id="{78C97017-6FC3-485B-9764-EAC9E56C1D49}" type="datetimeFigureOut">
               <a:rPr lang="en-US" smtClean="0"/>
-              <a:t>3/30/18</a:t>
+              <a:t>4/9/18</a:t>
             </a:fld>
             <a:endParaRPr lang="en-US"/>
           </a:p>
@@ -1497,7 +1497,7 @@
           <a:p>
             <a:fld id="{78C97017-6FC3-485B-9764-EAC9E56C1D49}" type="datetimeFigureOut">
               <a:rPr lang="en-US" smtClean="0"/>
-              <a:t>3/30/18</a:t>
+              <a:t>4/9/18</a:t>
             </a:fld>
             <a:endParaRPr lang="en-US"/>
           </a:p>
@@ -1782,7 +1782,7 @@
           <a:p>
             <a:fld id="{78C97017-6FC3-485B-9764-EAC9E56C1D49}" type="datetimeFigureOut">
               <a:rPr lang="en-US" smtClean="0"/>
-              <a:t>3/30/18</a:t>
+              <a:t>4/9/18</a:t>
             </a:fld>
             <a:endParaRPr lang="en-US"/>
           </a:p>
@@ -2201,7 +2201,7 @@
           <a:p>
             <a:fld id="{78C97017-6FC3-485B-9764-EAC9E56C1D49}" type="datetimeFigureOut">
               <a:rPr lang="en-US" smtClean="0"/>
-              <a:t>3/30/18</a:t>
+              <a:t>4/9/18</a:t>
             </a:fld>
             <a:endParaRPr lang="en-US"/>
           </a:p>
@@ -2318,7 +2318,7 @@
           <a:p>
             <a:fld id="{78C97017-6FC3-485B-9764-EAC9E56C1D49}" type="datetimeFigureOut">
               <a:rPr lang="en-US" smtClean="0"/>
-              <a:t>3/30/18</a:t>
+              <a:t>4/9/18</a:t>
             </a:fld>
             <a:endParaRPr lang="en-US"/>
           </a:p>
@@ -2413,7 +2413,7 @@
           <a:p>
             <a:fld id="{78C97017-6FC3-485B-9764-EAC9E56C1D49}" type="datetimeFigureOut">
               <a:rPr lang="en-US" smtClean="0"/>
-              <a:t>3/30/18</a:t>
+              <a:t>4/9/18</a:t>
             </a:fld>
             <a:endParaRPr lang="en-US"/>
           </a:p>
@@ -2688,7 +2688,7 @@
           <a:p>
             <a:fld id="{78C97017-6FC3-485B-9764-EAC9E56C1D49}" type="datetimeFigureOut">
               <a:rPr lang="en-US" smtClean="0"/>
-              <a:t>3/30/18</a:t>
+              <a:t>4/9/18</a:t>
             </a:fld>
             <a:endParaRPr lang="en-US"/>
           </a:p>
@@ -2940,7 +2940,7 @@
           <a:p>
             <a:fld id="{78C97017-6FC3-485B-9764-EAC9E56C1D49}" type="datetimeFigureOut">
               <a:rPr lang="en-US" smtClean="0"/>
-              <a:t>3/30/18</a:t>
+              <a:t>4/9/18</a:t>
             </a:fld>
             <a:endParaRPr lang="en-US"/>
           </a:p>
@@ -3151,7 +3151,7 @@
           <a:p>
             <a:fld id="{78C97017-6FC3-485B-9764-EAC9E56C1D49}" type="datetimeFigureOut">
               <a:rPr lang="en-US" smtClean="0"/>
-              <a:t>3/30/18</a:t>
+              <a:t>4/9/18</a:t>
             </a:fld>
             <a:endParaRPr lang="en-US"/>
           </a:p>
@@ -4349,7 +4349,9 @@
       <p:cxnSp>
         <p:nvCxnSpPr>
           <p:cNvPr id="37" name="Straight Arrow Connector 36"/>
-          <p:cNvCxnSpPr/>
+          <p:cNvCxnSpPr>
+            <a:cxnSpLocks/>
+          </p:cNvCxnSpPr>
           <p:nvPr/>
         </p:nvCxnSpPr>
         <p:spPr>
@@ -4832,7 +4834,9 @@
       <p:cxnSp>
         <p:nvCxnSpPr>
           <p:cNvPr id="90" name="Straight Arrow Connector 89"/>
-          <p:cNvCxnSpPr/>
+          <p:cNvCxnSpPr>
+            <a:cxnSpLocks/>
+          </p:cNvCxnSpPr>
           <p:nvPr/>
         </p:nvCxnSpPr>
         <p:spPr>
@@ -4994,7 +4998,9 @@
       <p:cxnSp>
         <p:nvCxnSpPr>
           <p:cNvPr id="8" name="Straight Arrow Connector 7"/>
-          <p:cNvCxnSpPr/>
+          <p:cNvCxnSpPr>
+            <a:cxnSpLocks/>
+          </p:cNvCxnSpPr>
           <p:nvPr/>
         </p:nvCxnSpPr>
         <p:spPr>
@@ -5161,7 +5167,9 @@
       <p:cxnSp>
         <p:nvCxnSpPr>
           <p:cNvPr id="51" name="Straight Arrow Connector 50"/>
-          <p:cNvCxnSpPr/>
+          <p:cNvCxnSpPr>
+            <a:cxnSpLocks/>
+          </p:cNvCxnSpPr>
           <p:nvPr/>
         </p:nvCxnSpPr>
         <p:spPr>
@@ -5199,7 +5207,9 @@
       <p:cxnSp>
         <p:nvCxnSpPr>
           <p:cNvPr id="13" name="Straight Arrow Connector 12"/>
-          <p:cNvCxnSpPr/>
+          <p:cNvCxnSpPr>
+            <a:cxnSpLocks/>
+          </p:cNvCxnSpPr>
           <p:nvPr/>
         </p:nvCxnSpPr>
         <p:spPr>
@@ -5271,7 +5281,9 @@
       <p:cxnSp>
         <p:nvCxnSpPr>
           <p:cNvPr id="52" name="Straight Arrow Connector 51"/>
-          <p:cNvCxnSpPr/>
+          <p:cNvCxnSpPr>
+            <a:cxnSpLocks/>
+          </p:cNvCxnSpPr>
           <p:nvPr/>
         </p:nvCxnSpPr>
         <p:spPr>
@@ -5323,7 +5335,7 @@
           <a:noFill/>
         </p:spPr>
         <p:txBody>
-          <a:bodyPr wrap="none" rtlCol="0">
+          <a:bodyPr wrap="square" rtlCol="0">
             <a:spAutoFit/>
           </a:bodyPr>
           <a:lstStyle/>
@@ -5692,23 +5704,11 @@
           </a:lstStyle>
           <a:p>
             <a:r>
-              <a:rPr lang="en-US" dirty="0" err="1">
-                <a:solidFill>
-                  <a:schemeClr val="accent1">
-                    <a:lumMod val="75000"/>
-                  </a:schemeClr>
-                </a:solidFill>
-              </a:rPr>
+              <a:rPr lang="en-US" dirty="0" err="1"/>
               <a:t>getDirectionRequest</a:t>
             </a:r>
             <a:r>
-              <a:rPr lang="en-US" dirty="0">
-                <a:solidFill>
-                  <a:schemeClr val="accent1">
-                    <a:lumMod val="75000"/>
-                  </a:schemeClr>
-                </a:solidFill>
-              </a:rPr>
+              <a:rPr lang="en-US" dirty="0"/>
               <a:t>()</a:t>
             </a:r>
           </a:p>
@@ -5840,7 +5840,7 @@
         <p:spPr>
           <a:xfrm>
             <a:off x="8474304" y="2486652"/>
-            <a:ext cx="31464" cy="3700339"/>
+            <a:ext cx="14108" cy="3836009"/>
           </a:xfrm>
           <a:prstGeom prst="line">
             <a:avLst/>
@@ -5882,8 +5882,8 @@
         </p:nvSpPr>
         <p:spPr>
           <a:xfrm>
-            <a:off x="8409485" y="3619369"/>
-            <a:ext cx="160218" cy="152400"/>
+            <a:off x="8379832" y="3645481"/>
+            <a:ext cx="189871" cy="126288"/>
           </a:xfrm>
           <a:prstGeom prst="rect">
             <a:avLst/>
@@ -6195,7 +6195,7 @@
         <p:spPr>
           <a:xfrm>
             <a:off x="9637243" y="3074697"/>
-            <a:ext cx="10987" cy="3153968"/>
+            <a:ext cx="19989" cy="3247964"/>
           </a:xfrm>
           <a:prstGeom prst="line">
             <a:avLst/>
@@ -6426,7 +6426,7 @@
         </p:nvSpPr>
         <p:spPr>
           <a:xfrm>
-            <a:off x="2213959" y="878537"/>
+            <a:off x="1957041" y="693894"/>
             <a:ext cx="5073852" cy="861774"/>
           </a:xfrm>
           <a:prstGeom prst="rect">
@@ -6876,8 +6876,8 @@
         </p:nvSpPr>
         <p:spPr>
           <a:xfrm>
-            <a:off x="9063314" y="3555908"/>
-            <a:ext cx="1827490" cy="215444"/>
+            <a:off x="9218984" y="3483161"/>
+            <a:ext cx="2056439" cy="215444"/>
           </a:xfrm>
           <a:prstGeom prst="rect">
             <a:avLst/>
@@ -7070,7 +7070,7 @@
         <p:spPr>
           <a:xfrm>
             <a:off x="7188003" y="3436361"/>
-            <a:ext cx="855809" cy="215444"/>
+            <a:ext cx="1000424" cy="215444"/>
           </a:xfrm>
           <a:prstGeom prst="rect">
             <a:avLst/>
@@ -7487,6 +7487,45 @@
             <a:r>
               <a:rPr lang="en-US" dirty="0"/>
               <a:t>()</a:t>
+            </a:r>
+          </a:p>
+        </p:txBody>
+      </p:sp>
+      <p:sp>
+        <p:nvSpPr>
+          <p:cNvPr id="102" name="TextBox 101">
+            <a:extLst>
+              <a:ext uri="{FF2B5EF4-FFF2-40B4-BE49-F238E27FC236}">
+                <a16:creationId xmlns:a16="http://schemas.microsoft.com/office/drawing/2014/main" id="{585E3451-A023-9249-82B4-78F60EB0F845}"/>
+              </a:ext>
+            </a:extLst>
+          </p:cNvPr>
+          <p:cNvSpPr txBox="1"/>
+          <p:nvPr/>
+        </p:nvSpPr>
+        <p:spPr>
+          <a:xfrm>
+            <a:off x="6641721" y="6266556"/>
+            <a:ext cx="258404" cy="261610"/>
+          </a:xfrm>
+          <a:prstGeom prst="rect">
+            <a:avLst/>
+          </a:prstGeom>
+          <a:noFill/>
+        </p:spPr>
+        <p:txBody>
+          <a:bodyPr wrap="square" rtlCol="0">
+            <a:spAutoFit/>
+          </a:bodyPr>
+          <a:lstStyle/>
+          <a:p>
+            <a:r>
+              <a:rPr lang="en-SG" sz="1100" dirty="0">
+                <a:solidFill>
+                  <a:srgbClr val="002060"/>
+                </a:solidFill>
+              </a:rPr>
+              <a:t>X</a:t>
             </a:r>
           </a:p>
         </p:txBody>

--- a/docs/diagrams/EstimateRouteSequenceDiagram.pptx
+++ b/docs/diagrams/EstimateRouteSequenceDiagram.pptx
@@ -208,7 +208,7 @@
           <a:p>
             <a:fld id="{F5CC4B3F-88C1-4FFA-B1B6-F41C21DC6924}" type="datetimeFigureOut">
               <a:rPr lang="en-US" smtClean="0"/>
-              <a:t>4/9/18</a:t>
+              <a:t>4/14/2018</a:t>
             </a:fld>
             <a:endParaRPr lang="en-US"/>
           </a:p>
@@ -738,7 +738,7 @@
           <a:p>
             <a:fld id="{78C97017-6FC3-485B-9764-EAC9E56C1D49}" type="datetimeFigureOut">
               <a:rPr lang="en-US" smtClean="0"/>
-              <a:t>4/9/18</a:t>
+              <a:t>4/14/2018</a:t>
             </a:fld>
             <a:endParaRPr lang="en-US"/>
           </a:p>
@@ -906,7 +906,7 @@
           <a:p>
             <a:fld id="{78C97017-6FC3-485B-9764-EAC9E56C1D49}" type="datetimeFigureOut">
               <a:rPr lang="en-US" smtClean="0"/>
-              <a:t>4/9/18</a:t>
+              <a:t>4/14/2018</a:t>
             </a:fld>
             <a:endParaRPr lang="en-US"/>
           </a:p>
@@ -1084,7 +1084,7 @@
           <a:p>
             <a:fld id="{78C97017-6FC3-485B-9764-EAC9E56C1D49}" type="datetimeFigureOut">
               <a:rPr lang="en-US" smtClean="0"/>
-              <a:t>4/9/18</a:t>
+              <a:t>4/14/2018</a:t>
             </a:fld>
             <a:endParaRPr lang="en-US"/>
           </a:p>
@@ -1252,7 +1252,7 @@
           <a:p>
             <a:fld id="{78C97017-6FC3-485B-9764-EAC9E56C1D49}" type="datetimeFigureOut">
               <a:rPr lang="en-US" smtClean="0"/>
-              <a:t>4/9/18</a:t>
+              <a:t>4/14/2018</a:t>
             </a:fld>
             <a:endParaRPr lang="en-US"/>
           </a:p>
@@ -1497,7 +1497,7 @@
           <a:p>
             <a:fld id="{78C97017-6FC3-485B-9764-EAC9E56C1D49}" type="datetimeFigureOut">
               <a:rPr lang="en-US" smtClean="0"/>
-              <a:t>4/9/18</a:t>
+              <a:t>4/14/2018</a:t>
             </a:fld>
             <a:endParaRPr lang="en-US"/>
           </a:p>
@@ -1782,7 +1782,7 @@
           <a:p>
             <a:fld id="{78C97017-6FC3-485B-9764-EAC9E56C1D49}" type="datetimeFigureOut">
               <a:rPr lang="en-US" smtClean="0"/>
-              <a:t>4/9/18</a:t>
+              <a:t>4/14/2018</a:t>
             </a:fld>
             <a:endParaRPr lang="en-US"/>
           </a:p>
@@ -2201,7 +2201,7 @@
           <a:p>
             <a:fld id="{78C97017-6FC3-485B-9764-EAC9E56C1D49}" type="datetimeFigureOut">
               <a:rPr lang="en-US" smtClean="0"/>
-              <a:t>4/9/18</a:t>
+              <a:t>4/14/2018</a:t>
             </a:fld>
             <a:endParaRPr lang="en-US"/>
           </a:p>
@@ -2318,7 +2318,7 @@
           <a:p>
             <a:fld id="{78C97017-6FC3-485B-9764-EAC9E56C1D49}" type="datetimeFigureOut">
               <a:rPr lang="en-US" smtClean="0"/>
-              <a:t>4/9/18</a:t>
+              <a:t>4/14/2018</a:t>
             </a:fld>
             <a:endParaRPr lang="en-US"/>
           </a:p>
@@ -2413,7 +2413,7 @@
           <a:p>
             <a:fld id="{78C97017-6FC3-485B-9764-EAC9E56C1D49}" type="datetimeFigureOut">
               <a:rPr lang="en-US" smtClean="0"/>
-              <a:t>4/9/18</a:t>
+              <a:t>4/14/2018</a:t>
             </a:fld>
             <a:endParaRPr lang="en-US"/>
           </a:p>
@@ -2688,7 +2688,7 @@
           <a:p>
             <a:fld id="{78C97017-6FC3-485B-9764-EAC9E56C1D49}" type="datetimeFigureOut">
               <a:rPr lang="en-US" smtClean="0"/>
-              <a:t>4/9/18</a:t>
+              <a:t>4/14/2018</a:t>
             </a:fld>
             <a:endParaRPr lang="en-US"/>
           </a:p>
@@ -2940,7 +2940,7 @@
           <a:p>
             <a:fld id="{78C97017-6FC3-485B-9764-EAC9E56C1D49}" type="datetimeFigureOut">
               <a:rPr lang="en-US" smtClean="0"/>
-              <a:t>4/9/18</a:t>
+              <a:t>4/14/2018</a:t>
             </a:fld>
             <a:endParaRPr lang="en-US"/>
           </a:p>
@@ -3151,7 +3151,7 @@
           <a:p>
             <a:fld id="{78C97017-6FC3-485B-9764-EAC9E56C1D49}" type="datetimeFigureOut">
               <a:rPr lang="en-US" smtClean="0"/>
-              <a:t>4/9/18</a:t>
+              <a:t>4/14/2018</a:t>
             </a:fld>
             <a:endParaRPr lang="en-US"/>
           </a:p>
@@ -3534,8 +3534,8 @@
         </p:nvSpPr>
         <p:spPr>
           <a:xfrm>
-            <a:off x="-336089" y="1878703"/>
-            <a:ext cx="11232689" cy="4610099"/>
+            <a:off x="-336089" y="1893217"/>
+            <a:ext cx="11249777" cy="5040999"/>
           </a:xfrm>
           <a:prstGeom prst="roundRect">
             <a:avLst>
@@ -3702,7 +3702,7 @@
         <p:spPr>
           <a:xfrm>
             <a:off x="875243" y="2646992"/>
-            <a:ext cx="171473" cy="3737077"/>
+            <a:ext cx="211299" cy="4134806"/>
           </a:xfrm>
           <a:prstGeom prst="rect">
             <a:avLst/>
@@ -3857,8 +3857,8 @@
         </p:nvSpPr>
         <p:spPr>
           <a:xfrm>
-            <a:off x="2999167" y="2869167"/>
-            <a:ext cx="186830" cy="1584678"/>
+            <a:off x="2999167" y="2869166"/>
+            <a:ext cx="184319" cy="1697771"/>
           </a:xfrm>
           <a:prstGeom prst="rect">
             <a:avLst/>
@@ -3979,14 +3979,13 @@
           <p:cNvPr id="20" name="Straight Connector 19"/>
           <p:cNvCxnSpPr>
             <a:cxnSpLocks/>
-            <a:stCxn id="21" idx="0"/>
           </p:cNvCxnSpPr>
           <p:nvPr/>
         </p:nvCxnSpPr>
         <p:spPr>
           <a:xfrm>
-            <a:off x="6762978" y="3282452"/>
-            <a:ext cx="7945" cy="3101617"/>
+            <a:off x="6768150" y="3413256"/>
+            <a:ext cx="21367" cy="3300616"/>
           </a:xfrm>
           <a:prstGeom prst="line">
             <a:avLst/>
@@ -4022,8 +4021,8 @@
         </p:nvSpPr>
         <p:spPr>
           <a:xfrm>
-            <a:off x="6684882" y="3282452"/>
-            <a:ext cx="156191" cy="1073772"/>
+            <a:off x="6684882" y="3282451"/>
+            <a:ext cx="164590" cy="1171393"/>
           </a:xfrm>
           <a:prstGeom prst="rect">
             <a:avLst/>
@@ -4233,7 +4232,7 @@
         </p:nvSpPr>
         <p:spPr>
           <a:xfrm>
-            <a:off x="3654857" y="4500963"/>
+            <a:off x="3504920" y="4639975"/>
             <a:ext cx="855809" cy="215444"/>
           </a:xfrm>
           <a:prstGeom prst="rect">
@@ -4274,9 +4273,9 @@
           <p:nvPr/>
         </p:nvCxnSpPr>
         <p:spPr>
-          <a:xfrm>
-            <a:off x="4961353" y="4267200"/>
-            <a:ext cx="1789421" cy="0"/>
+          <a:xfrm flipV="1">
+            <a:off x="4943348" y="4450424"/>
+            <a:ext cx="1711876" cy="3420"/>
           </a:xfrm>
           <a:prstGeom prst="straightConnector1">
             <a:avLst/>
@@ -4310,14 +4309,13 @@
           <p:cNvPr id="35" name="Straight Arrow Connector 34"/>
           <p:cNvCxnSpPr>
             <a:cxnSpLocks/>
-            <a:endCxn id="18" idx="2"/>
           </p:cNvCxnSpPr>
           <p:nvPr/>
         </p:nvCxnSpPr>
         <p:spPr>
           <a:xfrm>
-            <a:off x="1028701" y="4438755"/>
-            <a:ext cx="2063881" cy="15090"/>
+            <a:off x="1031434" y="4566937"/>
+            <a:ext cx="2011296" cy="0"/>
           </a:xfrm>
           <a:prstGeom prst="straightConnector1">
             <a:avLst/>
@@ -4356,7 +4354,7 @@
         </p:nvCxnSpPr>
         <p:spPr>
           <a:xfrm>
-            <a:off x="-336089" y="6384069"/>
+            <a:off x="-320808" y="6781251"/>
             <a:ext cx="1196051" cy="0"/>
           </a:xfrm>
           <a:prstGeom prst="straightConnector1">
@@ -4396,7 +4394,7 @@
         </p:nvCxnSpPr>
         <p:spPr>
           <a:xfrm flipV="1">
-            <a:off x="1060994" y="4513785"/>
+            <a:off x="1058496" y="4626735"/>
             <a:ext cx="5652560" cy="7220"/>
           </a:xfrm>
           <a:prstGeom prst="straightConnector1">
@@ -4432,8 +4430,8 @@
         </p:nvSpPr>
         <p:spPr>
           <a:xfrm>
-            <a:off x="6705600" y="4531470"/>
-            <a:ext cx="135473" cy="1724546"/>
+            <a:off x="6705602" y="4617354"/>
+            <a:ext cx="143556" cy="1919422"/>
           </a:xfrm>
           <a:prstGeom prst="rect">
             <a:avLst/>
@@ -4481,7 +4479,7 @@
         </p:nvCxnSpPr>
         <p:spPr>
           <a:xfrm flipV="1">
-            <a:off x="6858000" y="4572000"/>
+            <a:off x="6837611" y="4688042"/>
             <a:ext cx="4437778" cy="16180"/>
           </a:xfrm>
           <a:prstGeom prst="straightConnector1">
@@ -4519,7 +4517,7 @@
         </p:nvCxnSpPr>
         <p:spPr>
           <a:xfrm flipV="1">
-            <a:off x="6846116" y="4698965"/>
+            <a:off x="6846703" y="4828292"/>
             <a:ext cx="4448418" cy="11026"/>
           </a:xfrm>
           <a:prstGeom prst="straightConnector1">
@@ -4559,7 +4557,7 @@
         </p:nvCxnSpPr>
         <p:spPr>
           <a:xfrm>
-            <a:off x="1031434" y="6256016"/>
+            <a:off x="1093011" y="6536776"/>
             <a:ext cx="5674166" cy="0"/>
           </a:xfrm>
           <a:prstGeom prst="straightConnector1">
@@ -4645,7 +4643,7 @@
         </p:nvSpPr>
         <p:spPr>
           <a:xfrm>
-            <a:off x="3814848" y="5911615"/>
+            <a:off x="3574168" y="6296157"/>
             <a:ext cx="621216" cy="215444"/>
           </a:xfrm>
           <a:prstGeom prst="rect">
@@ -4685,7 +4683,7 @@
         </p:nvSpPr>
         <p:spPr>
           <a:xfrm>
-            <a:off x="-115620" y="6107217"/>
+            <a:off x="-248458" y="6536781"/>
             <a:ext cx="762000" cy="215444"/>
           </a:xfrm>
           <a:prstGeom prst="rect">
@@ -4725,7 +4723,7 @@
         </p:nvSpPr>
         <p:spPr>
           <a:xfrm>
-            <a:off x="7030893" y="5546089"/>
+            <a:off x="7030893" y="5926070"/>
             <a:ext cx="1590354" cy="461538"/>
           </a:xfrm>
           <a:prstGeom prst="rect">
@@ -4792,7 +4790,7 @@
         </p:nvSpPr>
         <p:spPr>
           <a:xfrm>
-            <a:off x="7732382" y="6007626"/>
+            <a:off x="7701526" y="6362312"/>
             <a:ext cx="170015" cy="114317"/>
           </a:xfrm>
           <a:prstGeom prst="rect">
@@ -4841,7 +4839,7 @@
         </p:nvCxnSpPr>
         <p:spPr>
           <a:xfrm>
-            <a:off x="6819669" y="6131821"/>
+            <a:off x="6851983" y="6488802"/>
             <a:ext cx="966624" cy="0"/>
           </a:xfrm>
           <a:prstGeom prst="straightConnector1">
@@ -4879,7 +4877,7 @@
         </p:nvSpPr>
         <p:spPr>
           <a:xfrm>
-            <a:off x="2174527" y="4198353"/>
+            <a:off x="2055319" y="4321961"/>
             <a:ext cx="220343" cy="215444"/>
           </a:xfrm>
           <a:prstGeom prst="rect">
@@ -5089,7 +5087,7 @@
         <p:spPr>
           <a:xfrm>
             <a:off x="4860412" y="2907163"/>
-            <a:ext cx="0" cy="1512437"/>
+            <a:ext cx="641" cy="1797315"/>
           </a:xfrm>
           <a:prstGeom prst="line">
             <a:avLst/>
@@ -5125,8 +5123,8 @@
         </p:nvSpPr>
         <p:spPr>
           <a:xfrm>
-            <a:off x="4758536" y="3226266"/>
-            <a:ext cx="216697" cy="1129956"/>
+            <a:off x="4758537" y="3226266"/>
+            <a:ext cx="189254" cy="1278472"/>
           </a:xfrm>
           <a:prstGeom prst="rect">
             <a:avLst/>
@@ -5174,7 +5172,7 @@
         </p:nvCxnSpPr>
         <p:spPr>
           <a:xfrm>
-            <a:off x="3187241" y="4343400"/>
+            <a:off x="3174096" y="4504738"/>
             <a:ext cx="1667219" cy="0"/>
           </a:xfrm>
           <a:prstGeom prst="straightConnector1">
@@ -5214,7 +5212,7 @@
         </p:nvCxnSpPr>
         <p:spPr>
           <a:xfrm>
-            <a:off x="6868647" y="5577203"/>
+            <a:off x="6868647" y="5920847"/>
             <a:ext cx="162246" cy="0"/>
           </a:xfrm>
           <a:prstGeom prst="straightConnector1">
@@ -5326,7 +5324,7 @@
         </p:nvSpPr>
         <p:spPr>
           <a:xfrm>
-            <a:off x="4724400" y="4343400"/>
+            <a:off x="4732885" y="4585602"/>
             <a:ext cx="258404" cy="261610"/>
           </a:xfrm>
           <a:prstGeom prst="rect">
@@ -5423,7 +5421,7 @@
         </p:nvCxnSpPr>
         <p:spPr>
           <a:xfrm flipV="1">
-            <a:off x="6855181" y="4086176"/>
+            <a:off x="6871403" y="5364461"/>
             <a:ext cx="4439384" cy="26064"/>
           </a:xfrm>
           <a:prstGeom prst="straightConnector1">
@@ -5530,7 +5528,7 @@
         </p:nvSpPr>
         <p:spPr>
           <a:xfrm>
-            <a:off x="11300831" y="4063457"/>
+            <a:off x="11316218" y="5346428"/>
             <a:ext cx="200066" cy="127544"/>
           </a:xfrm>
           <a:prstGeom prst="rect">
@@ -5628,7 +5626,7 @@
         </p:nvSpPr>
         <p:spPr>
           <a:xfrm>
-            <a:off x="9577784" y="3905934"/>
+            <a:off x="9915388" y="5158811"/>
             <a:ext cx="998300" cy="215444"/>
           </a:xfrm>
           <a:prstGeom prst="rect">
@@ -5678,7 +5676,7 @@
         </p:nvSpPr>
         <p:spPr>
           <a:xfrm>
-            <a:off x="8307779" y="4311118"/>
+            <a:off x="8387374" y="4424531"/>
             <a:ext cx="2854157" cy="215444"/>
           </a:xfrm>
           <a:prstGeom prst="rect">
@@ -5705,7 +5703,7 @@
           <a:p>
             <a:r>
               <a:rPr lang="en-US" dirty="0" err="1"/>
-              <a:t>getDirectionRequest</a:t>
+              <a:t>Map.getDirectionService</a:t>
             </a:r>
             <a:r>
               <a:rPr lang="en-US" dirty="0"/>
@@ -6027,8 +6025,8 @@
         </p:nvSpPr>
         <p:spPr>
           <a:xfrm>
-            <a:off x="11321619" y="4552310"/>
-            <a:ext cx="172749" cy="145180"/>
+            <a:off x="11275389" y="4686677"/>
+            <a:ext cx="236631" cy="140937"/>
           </a:xfrm>
           <a:prstGeom prst="rect">
             <a:avLst/>
@@ -6080,7 +6078,7 @@
         </p:nvSpPr>
         <p:spPr>
           <a:xfrm>
-            <a:off x="4111410" y="4121378"/>
+            <a:off x="3943882" y="4259395"/>
             <a:ext cx="220343" cy="215444"/>
           </a:xfrm>
           <a:prstGeom prst="rect">
@@ -6237,8 +6235,8 @@
         </p:nvSpPr>
         <p:spPr>
           <a:xfrm>
-            <a:off x="9574639" y="4905576"/>
-            <a:ext cx="172482" cy="96089"/>
+            <a:off x="9525000" y="3810727"/>
+            <a:ext cx="206044" cy="94047"/>
           </a:xfrm>
           <a:prstGeom prst="rect">
             <a:avLst/>
@@ -6292,7 +6290,7 @@
         </p:nvCxnSpPr>
         <p:spPr>
           <a:xfrm>
-            <a:off x="6858000" y="4905576"/>
+            <a:off x="6813758" y="3819338"/>
             <a:ext cx="2715006" cy="0"/>
           </a:xfrm>
           <a:prstGeom prst="straightConnector1">
@@ -6336,7 +6334,7 @@
         </p:nvCxnSpPr>
         <p:spPr>
           <a:xfrm flipV="1">
-            <a:off x="6861447" y="5000729"/>
+            <a:off x="6835657" y="3899259"/>
             <a:ext cx="2740942" cy="6799"/>
           </a:xfrm>
           <a:prstGeom prst="straightConnector1">
@@ -6380,7 +6378,7 @@
         </p:nvSpPr>
         <p:spPr>
           <a:xfrm>
-            <a:off x="6535889" y="4709830"/>
+            <a:off x="7557067" y="3569810"/>
             <a:ext cx="1862689" cy="215444"/>
           </a:xfrm>
           <a:prstGeom prst="rect">
@@ -6689,7 +6687,7 @@
         </p:nvCxnSpPr>
         <p:spPr>
           <a:xfrm>
-            <a:off x="6832064" y="4191000"/>
+            <a:off x="6845222" y="5473972"/>
             <a:ext cx="4462501" cy="0"/>
           </a:xfrm>
           <a:prstGeom prst="straightConnector1">
@@ -6733,8 +6731,8 @@
         </p:nvSpPr>
         <p:spPr>
           <a:xfrm>
-            <a:off x="11306134" y="3810000"/>
-            <a:ext cx="194763" cy="95934"/>
+            <a:off x="9514020" y="4301922"/>
+            <a:ext cx="215337" cy="72106"/>
           </a:xfrm>
           <a:prstGeom prst="rect">
             <a:avLst/>
@@ -6788,7 +6786,7 @@
         </p:nvCxnSpPr>
         <p:spPr>
           <a:xfrm>
-            <a:off x="6855181" y="3919722"/>
+            <a:off x="6845222" y="5175613"/>
             <a:ext cx="4462501" cy="0"/>
           </a:xfrm>
           <a:prstGeom prst="straightConnector1">
@@ -6834,8 +6832,8 @@
         </p:nvCxnSpPr>
         <p:spPr>
           <a:xfrm flipV="1">
-            <a:off x="6878298" y="3796049"/>
-            <a:ext cx="4439384" cy="26064"/>
+            <a:off x="6759960" y="5052293"/>
+            <a:ext cx="4551169" cy="14978"/>
           </a:xfrm>
           <a:prstGeom prst="straightConnector1">
             <a:avLst/>
@@ -6876,7 +6874,7 @@
         </p:nvSpPr>
         <p:spPr>
           <a:xfrm>
-            <a:off x="9218984" y="3483161"/>
+            <a:off x="9292922" y="4816036"/>
             <a:ext cx="2056439" cy="215444"/>
           </a:xfrm>
           <a:prstGeom prst="rect">
@@ -7119,8 +7117,8 @@
         </p:nvSpPr>
         <p:spPr>
           <a:xfrm>
-            <a:off x="9558562" y="5123065"/>
-            <a:ext cx="172482" cy="96089"/>
+            <a:off x="9525140" y="4071139"/>
+            <a:ext cx="204310" cy="71793"/>
           </a:xfrm>
           <a:prstGeom prst="rect">
             <a:avLst/>
@@ -7174,7 +7172,7 @@
         </p:nvCxnSpPr>
         <p:spPr>
           <a:xfrm>
-            <a:off x="6861447" y="5136552"/>
+            <a:off x="6830924" y="4089812"/>
             <a:ext cx="2715006" cy="0"/>
           </a:xfrm>
           <a:prstGeom prst="straightConnector1">
@@ -7218,7 +7216,7 @@
         </p:nvCxnSpPr>
         <p:spPr>
           <a:xfrm flipV="1">
-            <a:off x="6845032" y="5210449"/>
+            <a:off x="6843331" y="4152229"/>
             <a:ext cx="2740942" cy="6799"/>
           </a:xfrm>
           <a:prstGeom prst="straightConnector1">
@@ -7262,8 +7260,8 @@
         </p:nvSpPr>
         <p:spPr>
           <a:xfrm>
-            <a:off x="7287811" y="4963329"/>
-            <a:ext cx="1862689" cy="215444"/>
+            <a:off x="6557375" y="3875634"/>
+            <a:ext cx="2611714" cy="215444"/>
           </a:xfrm>
           <a:prstGeom prst="rect">
             <a:avLst/>
@@ -7289,7 +7287,7 @@
           <a:p>
             <a:r>
               <a:rPr lang="en-US" dirty="0" err="1"/>
-              <a:t>getDistOriginDest</a:t>
+              <a:t>getDistBetweentOriginDest</a:t>
             </a:r>
             <a:r>
               <a:rPr lang="en-US" dirty="0"/>
@@ -7312,8 +7310,8 @@
         </p:nvSpPr>
         <p:spPr>
           <a:xfrm>
-            <a:off x="9573006" y="5360718"/>
-            <a:ext cx="172482" cy="96089"/>
+            <a:off x="11298568" y="5031304"/>
+            <a:ext cx="212589" cy="140937"/>
           </a:xfrm>
           <a:prstGeom prst="rect">
             <a:avLst/>
@@ -7367,7 +7365,7 @@
         </p:nvCxnSpPr>
         <p:spPr>
           <a:xfrm>
-            <a:off x="6858000" y="5367745"/>
+            <a:off x="6813758" y="4329385"/>
             <a:ext cx="2715006" cy="0"/>
           </a:xfrm>
           <a:prstGeom prst="straightConnector1">
@@ -7411,7 +7409,7 @@
         </p:nvCxnSpPr>
         <p:spPr>
           <a:xfrm flipV="1">
-            <a:off x="6854172" y="5463180"/>
+            <a:off x="6846930" y="4395389"/>
             <a:ext cx="2740942" cy="6799"/>
           </a:xfrm>
           <a:prstGeom prst="straightConnector1">
@@ -7455,7 +7453,7 @@
         </p:nvSpPr>
         <p:spPr>
           <a:xfrm>
-            <a:off x="7255868" y="5185146"/>
+            <a:off x="6447229" y="4125774"/>
             <a:ext cx="1862689" cy="215444"/>
           </a:xfrm>
           <a:prstGeom prst="rect">
@@ -7505,7 +7503,7 @@
         </p:nvSpPr>
         <p:spPr>
           <a:xfrm>
-            <a:off x="6641721" y="6266556"/>
+            <a:off x="6659342" y="6583067"/>
             <a:ext cx="258404" cy="261610"/>
           </a:xfrm>
           <a:prstGeom prst="rect">
@@ -7527,6 +7525,293 @@
               </a:rPr>
               <a:t>X</a:t>
             </a:r>
+          </a:p>
+        </p:txBody>
+      </p:sp>
+      <p:sp>
+        <p:nvSpPr>
+          <p:cNvPr id="111" name="TextBox 110">
+            <a:extLst>
+              <a:ext uri="{FF2B5EF4-FFF2-40B4-BE49-F238E27FC236}">
+                <a16:creationId xmlns:a16="http://schemas.microsoft.com/office/drawing/2014/main" id="{49A431CD-5719-4E04-BB81-F174E6C004AA}"/>
+              </a:ext>
+            </a:extLst>
+          </p:cNvPr>
+          <p:cNvSpPr txBox="1"/>
+          <p:nvPr/>
+        </p:nvSpPr>
+        <p:spPr>
+          <a:xfrm>
+            <a:off x="5418143" y="4801880"/>
+            <a:ext cx="2854157" cy="215444"/>
+          </a:xfrm>
+          <a:prstGeom prst="rect">
+            <a:avLst/>
+          </a:prstGeom>
+          <a:noFill/>
+        </p:spPr>
+        <p:txBody>
+          <a:bodyPr wrap="square" lIns="0" tIns="0" rIns="0" bIns="0" rtlCol="0">
+            <a:spAutoFit/>
+          </a:bodyPr>
+          <a:lstStyle>
+            <a:defPPr>
+              <a:defRPr lang="en-US"/>
+            </a:defPPr>
+            <a:lvl1pPr algn="r">
+              <a:defRPr sz="1400">
+                <a:solidFill>
+                  <a:srgbClr val="0070C0"/>
+                </a:solidFill>
+              </a:defRPr>
+            </a:lvl1pPr>
+          </a:lstStyle>
+          <a:p>
+            <a:r>
+              <a:rPr lang="en-US" dirty="0" err="1"/>
+              <a:t>directionService</a:t>
+            </a:r>
+            <a:endParaRPr lang="en-US" dirty="0"/>
+          </a:p>
+        </p:txBody>
+      </p:sp>
+      <p:sp>
+        <p:nvSpPr>
+          <p:cNvPr id="120" name="Rectangle 119">
+            <a:extLst>
+              <a:ext uri="{FF2B5EF4-FFF2-40B4-BE49-F238E27FC236}">
+                <a16:creationId xmlns:a16="http://schemas.microsoft.com/office/drawing/2014/main" id="{3561FD00-C966-4010-AB03-AB7FA56439BA}"/>
+              </a:ext>
+            </a:extLst>
+          </p:cNvPr>
+          <p:cNvSpPr/>
+          <p:nvPr/>
+        </p:nvSpPr>
+        <p:spPr>
+          <a:xfrm flipV="1">
+            <a:off x="11298953" y="5691055"/>
+            <a:ext cx="208462" cy="104970"/>
+          </a:xfrm>
+          <a:prstGeom prst="rect">
+            <a:avLst/>
+          </a:prstGeom>
+          <a:solidFill>
+            <a:srgbClr val="0070C0"/>
+          </a:solidFill>
+          <a:ln>
+            <a:solidFill>
+              <a:srgbClr val="0070C0"/>
+            </a:solidFill>
+          </a:ln>
+          <a:effectLst/>
+        </p:spPr>
+        <p:style>
+          <a:lnRef idx="1">
+            <a:schemeClr val="accent3"/>
+          </a:lnRef>
+          <a:fillRef idx="2">
+            <a:schemeClr val="accent3"/>
+          </a:fillRef>
+          <a:effectRef idx="1">
+            <a:schemeClr val="accent3"/>
+          </a:effectRef>
+          <a:fontRef idx="minor">
+            <a:schemeClr val="dk1"/>
+          </a:fontRef>
+        </p:style>
+        <p:txBody>
+          <a:bodyPr rtlCol="0" anchor="ctr"/>
+          <a:lstStyle/>
+          <a:p>
+            <a:pPr algn="ctr"/>
+            <a:endParaRPr lang="en-SG" sz="1400"/>
+          </a:p>
+        </p:txBody>
+      </p:sp>
+      <p:cxnSp>
+        <p:nvCxnSpPr>
+          <p:cNvPr id="121" name="Straight Arrow Connector 120">
+            <a:extLst>
+              <a:ext uri="{FF2B5EF4-FFF2-40B4-BE49-F238E27FC236}">
+                <a16:creationId xmlns:a16="http://schemas.microsoft.com/office/drawing/2014/main" id="{03035797-1D8C-498F-A7DD-94547A964C4C}"/>
+              </a:ext>
+            </a:extLst>
+          </p:cNvPr>
+          <p:cNvCxnSpPr>
+            <a:cxnSpLocks/>
+          </p:cNvCxnSpPr>
+          <p:nvPr/>
+        </p:nvCxnSpPr>
+        <p:spPr>
+          <a:xfrm>
+            <a:off x="6857088" y="5791200"/>
+            <a:ext cx="4462501" cy="0"/>
+          </a:xfrm>
+          <a:prstGeom prst="straightConnector1">
+            <a:avLst/>
+          </a:prstGeom>
+          <a:ln w="19050">
+            <a:solidFill>
+              <a:srgbClr val="0070C0"/>
+            </a:solidFill>
+            <a:prstDash val="sysDash"/>
+            <a:headEnd type="arrow" w="med" len="med"/>
+            <a:tailEnd type="none" w="med" len="med"/>
+          </a:ln>
+        </p:spPr>
+        <p:style>
+          <a:lnRef idx="1">
+            <a:schemeClr val="accent1"/>
+          </a:lnRef>
+          <a:fillRef idx="0">
+            <a:schemeClr val="accent1"/>
+          </a:fillRef>
+          <a:effectRef idx="0">
+            <a:schemeClr val="accent1"/>
+          </a:effectRef>
+          <a:fontRef idx="minor">
+            <a:schemeClr val="tx1"/>
+          </a:fontRef>
+        </p:style>
+      </p:cxnSp>
+      <p:cxnSp>
+        <p:nvCxnSpPr>
+          <p:cNvPr id="122" name="Straight Arrow Connector 121">
+            <a:extLst>
+              <a:ext uri="{FF2B5EF4-FFF2-40B4-BE49-F238E27FC236}">
+                <a16:creationId xmlns:a16="http://schemas.microsoft.com/office/drawing/2014/main" id="{0470510C-6CA9-4CA5-89EF-2FEB5AC61C46}"/>
+              </a:ext>
+            </a:extLst>
+          </p:cNvPr>
+          <p:cNvCxnSpPr>
+            <a:cxnSpLocks/>
+          </p:cNvCxnSpPr>
+          <p:nvPr/>
+        </p:nvCxnSpPr>
+        <p:spPr>
+          <a:xfrm flipV="1">
+            <a:off x="6868647" y="5701166"/>
+            <a:ext cx="4439384" cy="26064"/>
+          </a:xfrm>
+          <a:prstGeom prst="straightConnector1">
+            <a:avLst/>
+          </a:prstGeom>
+          <a:ln w="19050">
+            <a:solidFill>
+              <a:srgbClr val="0070C0"/>
+            </a:solidFill>
+            <a:tailEnd type="arrow"/>
+          </a:ln>
+        </p:spPr>
+        <p:style>
+          <a:lnRef idx="1">
+            <a:schemeClr val="accent1"/>
+          </a:lnRef>
+          <a:fillRef idx="0">
+            <a:schemeClr val="accent1"/>
+          </a:fillRef>
+          <a:effectRef idx="0">
+            <a:schemeClr val="accent1"/>
+          </a:effectRef>
+          <a:fontRef idx="minor">
+            <a:schemeClr val="tx1"/>
+          </a:fontRef>
+        </p:style>
+      </p:cxnSp>
+      <p:sp>
+        <p:nvSpPr>
+          <p:cNvPr id="123" name="TextBox 122">
+            <a:extLst>
+              <a:ext uri="{FF2B5EF4-FFF2-40B4-BE49-F238E27FC236}">
+                <a16:creationId xmlns:a16="http://schemas.microsoft.com/office/drawing/2014/main" id="{81EA80E7-04AE-4FF3-96FF-9D6FBD376EF3}"/>
+              </a:ext>
+            </a:extLst>
+          </p:cNvPr>
+          <p:cNvSpPr txBox="1"/>
+          <p:nvPr/>
+        </p:nvSpPr>
+        <p:spPr>
+          <a:xfrm>
+            <a:off x="8445886" y="5475749"/>
+            <a:ext cx="2854157" cy="215444"/>
+          </a:xfrm>
+          <a:prstGeom prst="rect">
+            <a:avLst/>
+          </a:prstGeom>
+          <a:noFill/>
+        </p:spPr>
+        <p:txBody>
+          <a:bodyPr wrap="square" lIns="0" tIns="0" rIns="0" bIns="0" rtlCol="0">
+            <a:spAutoFit/>
+          </a:bodyPr>
+          <a:lstStyle>
+            <a:defPPr>
+              <a:defRPr lang="en-US"/>
+            </a:defPPr>
+            <a:lvl1pPr algn="r">
+              <a:defRPr sz="1400">
+                <a:solidFill>
+                  <a:srgbClr val="0070C0"/>
+                </a:solidFill>
+              </a:defRPr>
+            </a:lvl1pPr>
+          </a:lstStyle>
+          <a:p>
+            <a:r>
+              <a:rPr lang="en-US" dirty="0" err="1"/>
+              <a:t>Map.getDirectionRequest</a:t>
+            </a:r>
+            <a:r>
+              <a:rPr lang="en-US" dirty="0"/>
+              <a:t>()</a:t>
+            </a:r>
+          </a:p>
+        </p:txBody>
+      </p:sp>
+      <p:sp>
+        <p:nvSpPr>
+          <p:cNvPr id="124" name="TextBox 123">
+            <a:extLst>
+              <a:ext uri="{FF2B5EF4-FFF2-40B4-BE49-F238E27FC236}">
+                <a16:creationId xmlns:a16="http://schemas.microsoft.com/office/drawing/2014/main" id="{37DD3629-E7FD-4FAF-8101-11B9417CC026}"/>
+              </a:ext>
+            </a:extLst>
+          </p:cNvPr>
+          <p:cNvSpPr txBox="1"/>
+          <p:nvPr/>
+        </p:nvSpPr>
+        <p:spPr>
+          <a:xfrm>
+            <a:off x="8184574" y="5797008"/>
+            <a:ext cx="2854157" cy="215444"/>
+          </a:xfrm>
+          <a:prstGeom prst="rect">
+            <a:avLst/>
+          </a:prstGeom>
+          <a:noFill/>
+        </p:spPr>
+        <p:txBody>
+          <a:bodyPr wrap="square" lIns="0" tIns="0" rIns="0" bIns="0" rtlCol="0">
+            <a:spAutoFit/>
+          </a:bodyPr>
+          <a:lstStyle>
+            <a:defPPr>
+              <a:defRPr lang="en-US"/>
+            </a:defPPr>
+            <a:lvl1pPr algn="r">
+              <a:defRPr sz="1400">
+                <a:solidFill>
+                  <a:srgbClr val="0070C0"/>
+                </a:solidFill>
+              </a:defRPr>
+            </a:lvl1pPr>
+          </a:lstStyle>
+          <a:p>
+            <a:r>
+              <a:rPr lang="en-US" dirty="0" err="1"/>
+              <a:t>directionRequest</a:t>
+            </a:r>
+            <a:endParaRPr lang="en-US" dirty="0"/>
           </a:p>
         </p:txBody>
       </p:sp>
